--- a/PowerPoints/SpringFramework.pptx
+++ b/PowerPoints/SpringFramework.pptx
@@ -8,7 +8,7 @@
     <p:sldMasterId id="2147483695" r:id="rId7"/>
   </p:sldMasterIdLst>
   <p:notesMasterIdLst>
-    <p:notesMasterId r:id="rId54"/>
+    <p:notesMasterId r:id="rId80"/>
   </p:notesMasterIdLst>
   <p:sldIdLst>
     <p:sldId id="256" r:id="rId8"/>
@@ -33,30 +33,56 @@
     <p:sldId id="272" r:id="rId27"/>
     <p:sldId id="275" r:id="rId28"/>
     <p:sldId id="273" r:id="rId29"/>
-    <p:sldId id="278" r:id="rId30"/>
-    <p:sldId id="281" r:id="rId31"/>
-    <p:sldId id="289" r:id="rId32"/>
-    <p:sldId id="280" r:id="rId33"/>
-    <p:sldId id="283" r:id="rId34"/>
-    <p:sldId id="282" r:id="rId35"/>
-    <p:sldId id="284" r:id="rId36"/>
-    <p:sldId id="285" r:id="rId37"/>
-    <p:sldId id="286" r:id="rId38"/>
-    <p:sldId id="287" r:id="rId39"/>
-    <p:sldId id="288" r:id="rId40"/>
-    <p:sldId id="279" r:id="rId41"/>
-    <p:sldId id="293" r:id="rId42"/>
-    <p:sldId id="290" r:id="rId43"/>
-    <p:sldId id="291" r:id="rId44"/>
-    <p:sldId id="292" r:id="rId45"/>
-    <p:sldId id="296" r:id="rId46"/>
-    <p:sldId id="298" r:id="rId47"/>
-    <p:sldId id="294" r:id="rId48"/>
-    <p:sldId id="295" r:id="rId49"/>
-    <p:sldId id="297" r:id="rId50"/>
-    <p:sldId id="299" r:id="rId51"/>
-    <p:sldId id="300" r:id="rId52"/>
-    <p:sldId id="301" r:id="rId53"/>
+    <p:sldId id="302" r:id="rId30"/>
+    <p:sldId id="303" r:id="rId31"/>
+    <p:sldId id="304" r:id="rId32"/>
+    <p:sldId id="305" r:id="rId33"/>
+    <p:sldId id="307" r:id="rId34"/>
+    <p:sldId id="308" r:id="rId35"/>
+    <p:sldId id="309" r:id="rId36"/>
+    <p:sldId id="311" r:id="rId37"/>
+    <p:sldId id="310" r:id="rId38"/>
+    <p:sldId id="278" r:id="rId39"/>
+    <p:sldId id="281" r:id="rId40"/>
+    <p:sldId id="289" r:id="rId41"/>
+    <p:sldId id="280" r:id="rId42"/>
+    <p:sldId id="283" r:id="rId43"/>
+    <p:sldId id="282" r:id="rId44"/>
+    <p:sldId id="284" r:id="rId45"/>
+    <p:sldId id="285" r:id="rId46"/>
+    <p:sldId id="286" r:id="rId47"/>
+    <p:sldId id="312" r:id="rId48"/>
+    <p:sldId id="313" r:id="rId49"/>
+    <p:sldId id="314" r:id="rId50"/>
+    <p:sldId id="287" r:id="rId51"/>
+    <p:sldId id="288" r:id="rId52"/>
+    <p:sldId id="279" r:id="rId53"/>
+    <p:sldId id="293" r:id="rId54"/>
+    <p:sldId id="290" r:id="rId55"/>
+    <p:sldId id="291" r:id="rId56"/>
+    <p:sldId id="292" r:id="rId57"/>
+    <p:sldId id="296" r:id="rId58"/>
+    <p:sldId id="298" r:id="rId59"/>
+    <p:sldId id="294" r:id="rId60"/>
+    <p:sldId id="295" r:id="rId61"/>
+    <p:sldId id="297" r:id="rId62"/>
+    <p:sldId id="299" r:id="rId63"/>
+    <p:sldId id="300" r:id="rId64"/>
+    <p:sldId id="315" r:id="rId65"/>
+    <p:sldId id="316" r:id="rId66"/>
+    <p:sldId id="317" r:id="rId67"/>
+    <p:sldId id="318" r:id="rId68"/>
+    <p:sldId id="301" r:id="rId69"/>
+    <p:sldId id="328" r:id="rId70"/>
+    <p:sldId id="319" r:id="rId71"/>
+    <p:sldId id="320" r:id="rId72"/>
+    <p:sldId id="321" r:id="rId73"/>
+    <p:sldId id="322" r:id="rId74"/>
+    <p:sldId id="323" r:id="rId75"/>
+    <p:sldId id="324" r:id="rId76"/>
+    <p:sldId id="325" r:id="rId77"/>
+    <p:sldId id="326" r:id="rId78"/>
+    <p:sldId id="327" r:id="rId79"/>
   </p:sldIdLst>
   <p:sldSz cx="9144000" cy="6858000" type="screen4x3"/>
   <p:notesSz cx="6858000" cy="9144000"/>
@@ -245,7 +271,7 @@
           <a:p>
             <a:fld id="{AA4546FA-CCB2-4B35-9D70-CB27396834BC}" type="datetimeFigureOut">
               <a:rPr lang="en-US" smtClean="0"/>
-              <a:t>3/16/2016</a:t>
+              <a:t>3/24/2016</a:t>
             </a:fld>
             <a:endParaRPr lang="en-US"/>
           </a:p>
@@ -872,7 +898,7 @@
           <a:p>
             <a:fld id="{7AC11F0B-9A29-4EBD-B631-6648006CA4E4}" type="datetime1">
               <a:rPr lang="en-US" smtClean="0"/>
-              <a:t>3/16/2016</a:t>
+              <a:t>3/24/2016</a:t>
             </a:fld>
             <a:endParaRPr lang="en-US" dirty="0"/>
           </a:p>
@@ -983,8 +1009,8 @@
 </file>
 
 <file path=ppt/slideLayouts/slideLayout3.xml><?xml version="1.0" encoding="utf-8"?>
-<p:sldLayout xmlns:a="http://schemas.openxmlformats.org/drawingml/2006/main" xmlns:r="http://schemas.openxmlformats.org/officeDocument/2006/relationships" xmlns:p="http://schemas.openxmlformats.org/presentationml/2006/main" preserve="1">
-  <p:cSld name="Topic Page for all even number slides">
+<p:sldLayout xmlns:a="http://schemas.openxmlformats.org/drawingml/2006/main" xmlns:r="http://schemas.openxmlformats.org/officeDocument/2006/relationships" xmlns:p="http://schemas.openxmlformats.org/presentationml/2006/main">
+  <p:cSld name="Content Page - use within Topics">
     <p:spTree>
       <p:nvGrpSpPr>
         <p:cNvPr id="1" name=""/>
@@ -1120,9 +1146,9 @@
           <a:bodyPr/>
           <a:lstStyle/>
           <a:p>
-            <a:fld id="{416762AD-F359-4A5D-A353-2EAB7A3801EE}" type="datetime1">
-              <a:rPr lang="en-US" smtClean="0"/>
-              <a:t>3/16/2016</a:t>
+            <a:fld id="{C8949D56-DBDD-4CB9-A3EC-4A16FD22C3CB}" type="datetime1">
+              <a:rPr lang="en-US" smtClean="0"/>
+              <a:t>3/24/2016</a:t>
             </a:fld>
             <a:endParaRPr lang="en-US" dirty="0"/>
           </a:p>
@@ -1222,7 +1248,7 @@
     </p:spTree>
     <p:extLst>
       <p:ext uri="{BB962C8B-B14F-4D97-AF65-F5344CB8AC3E}">
-        <p14:creationId xmlns:p14="http://schemas.microsoft.com/office/powerpoint/2010/main" val="250934205"/>
+        <p14:creationId xmlns:p14="http://schemas.microsoft.com/office/powerpoint/2010/main" val="770899916"/>
       </p:ext>
     </p:extLst>
   </p:cSld>
@@ -1234,7 +1260,7 @@
 
 <file path=ppt/slideLayouts/slideLayout4.xml><?xml version="1.0" encoding="utf-8"?>
 <p:sldLayout xmlns:a="http://schemas.openxmlformats.org/drawingml/2006/main" xmlns:r="http://schemas.openxmlformats.org/officeDocument/2006/relationships" xmlns:p="http://schemas.openxmlformats.org/presentationml/2006/main" preserve="1">
-  <p:cSld name="Content Page - use within Topics">
+  <p:cSld name="Topic Page for all even number slides">
     <p:spTree>
       <p:nvGrpSpPr>
         <p:cNvPr id="1" name=""/>
@@ -1370,9 +1396,259 @@
           <a:bodyPr/>
           <a:lstStyle/>
           <a:p>
+            <a:fld id="{416762AD-F359-4A5D-A353-2EAB7A3801EE}" type="datetime1">
+              <a:rPr lang="en-US" smtClean="0"/>
+              <a:t>3/24/2016</a:t>
+            </a:fld>
+            <a:endParaRPr lang="en-US" dirty="0"/>
+          </a:p>
+        </p:txBody>
+      </p:sp>
+      <p:sp>
+        <p:nvSpPr>
+          <p:cNvPr id="5" name="Footer Placeholder 4"/>
+          <p:cNvSpPr>
+            <a:spLocks noGrp="1"/>
+          </p:cNvSpPr>
+          <p:nvPr>
+            <p:ph type="ftr" sz="quarter" idx="11"/>
+          </p:nvPr>
+        </p:nvSpPr>
+        <p:spPr/>
+        <p:txBody>
+          <a:bodyPr/>
+          <a:lstStyle>
+            <a:lvl1pPr>
+              <a:defRPr i="1"/>
+            </a:lvl1pPr>
+          </a:lstStyle>
+          <a:p>
+            <a:r>
+              <a:rPr lang="en-US" dirty="0" smtClean="0"/>
+              <a:t>All rights reserved by Five 9 Group, Inc.</a:t>
+            </a:r>
+            <a:endParaRPr lang="en-US" dirty="0"/>
+          </a:p>
+        </p:txBody>
+      </p:sp>
+      <p:sp>
+        <p:nvSpPr>
+          <p:cNvPr id="6" name="Slide Number Placeholder 5"/>
+          <p:cNvSpPr>
+            <a:spLocks noGrp="1"/>
+          </p:cNvSpPr>
+          <p:nvPr>
+            <p:ph type="sldNum" sz="quarter" idx="12"/>
+          </p:nvPr>
+        </p:nvSpPr>
+        <p:spPr/>
+        <p:txBody>
+          <a:bodyPr/>
+          <a:lstStyle/>
+          <a:p>
+            <a:fld id="{125AF1D8-B0AE-4E77-AA99-EC861FD2EC07}" type="slidenum">
+              <a:rPr lang="en-US" smtClean="0"/>
+              <a:t>‹#›</a:t>
+            </a:fld>
+            <a:endParaRPr lang="en-US"/>
+          </a:p>
+        </p:txBody>
+      </p:sp>
+      <p:sp>
+        <p:nvSpPr>
+          <p:cNvPr id="8" name="Title 7"/>
+          <p:cNvSpPr>
+            <a:spLocks noGrp="1"/>
+          </p:cNvSpPr>
+          <p:nvPr>
+            <p:ph type="title"/>
+          </p:nvPr>
+        </p:nvSpPr>
+        <p:spPr>
+          <a:xfrm>
+            <a:off x="628648" y="365125"/>
+            <a:ext cx="8020115" cy="649224"/>
+          </a:xfrm>
+          <a:prstGeom prst="rect">
+            <a:avLst/>
+          </a:prstGeom>
+        </p:spPr>
+        <p:txBody>
+          <a:bodyPr/>
+          <a:lstStyle>
+            <a:lvl1pPr>
+              <a:defRPr sz="3600">
+                <a:solidFill>
+                  <a:srgbClr val="007D9D"/>
+                </a:solidFill>
+                <a:latin typeface="Arial" panose="020B0604020202020204" pitchFamily="34" charset="0"/>
+                <a:cs typeface="Arial" panose="020B0604020202020204" pitchFamily="34" charset="0"/>
+              </a:defRPr>
+            </a:lvl1pPr>
+          </a:lstStyle>
+          <a:p>
+            <a:r>
+              <a:rPr lang="en-US" dirty="0" smtClean="0"/>
+              <a:t>Click to edit Master title style</a:t>
+            </a:r>
+            <a:endParaRPr lang="en-US" dirty="0"/>
+          </a:p>
+        </p:txBody>
+      </p:sp>
+    </p:spTree>
+    <p:extLst>
+      <p:ext uri="{BB962C8B-B14F-4D97-AF65-F5344CB8AC3E}">
+        <p14:creationId xmlns:p14="http://schemas.microsoft.com/office/powerpoint/2010/main" val="250934205"/>
+      </p:ext>
+    </p:extLst>
+  </p:cSld>
+  <p:clrMapOvr>
+    <a:masterClrMapping/>
+  </p:clrMapOvr>
+</p:sldLayout>
+</file>
+
+<file path=ppt/slideLayouts/slideLayout5.xml><?xml version="1.0" encoding="utf-8"?>
+<p:sldLayout xmlns:a="http://schemas.openxmlformats.org/drawingml/2006/main" xmlns:r="http://schemas.openxmlformats.org/officeDocument/2006/relationships" xmlns:p="http://schemas.openxmlformats.org/presentationml/2006/main" preserve="1">
+  <p:cSld name="Content Page - use within Topics">
+    <p:spTree>
+      <p:nvGrpSpPr>
+        <p:cNvPr id="1" name=""/>
+        <p:cNvGrpSpPr/>
+        <p:nvPr/>
+      </p:nvGrpSpPr>
+      <p:grpSpPr>
+        <a:xfrm>
+          <a:off x="0" y="0"/>
+          <a:ext cx="0" cy="0"/>
+          <a:chOff x="0" y="0"/>
+          <a:chExt cx="0" cy="0"/>
+        </a:xfrm>
+      </p:grpSpPr>
+      <p:sp>
+        <p:nvSpPr>
+          <p:cNvPr id="3" name="Content Placeholder 2"/>
+          <p:cNvSpPr>
+            <a:spLocks noGrp="1"/>
+          </p:cNvSpPr>
+          <p:nvPr>
+            <p:ph idx="1" hasCustomPrompt="1"/>
+          </p:nvPr>
+        </p:nvSpPr>
+        <p:spPr>
+          <a:xfrm>
+            <a:off x="628648" y="1352145"/>
+            <a:ext cx="8020115" cy="4805464"/>
+          </a:xfrm>
+          <a:prstGeom prst="rect">
+            <a:avLst/>
+          </a:prstGeom>
+        </p:spPr>
+        <p:txBody>
+          <a:bodyPr/>
+          <a:lstStyle>
+            <a:lvl1pPr>
+              <a:defRPr>
+                <a:solidFill>
+                  <a:schemeClr val="tx1"/>
+                </a:solidFill>
+                <a:latin typeface="Arial" panose="020B0604020202020204" pitchFamily="34" charset="0"/>
+                <a:cs typeface="Arial" panose="020B0604020202020204" pitchFamily="34" charset="0"/>
+              </a:defRPr>
+            </a:lvl1pPr>
+            <a:lvl2pPr>
+              <a:defRPr>
+                <a:solidFill>
+                  <a:schemeClr val="tx1"/>
+                </a:solidFill>
+                <a:latin typeface="Arial" panose="020B0604020202020204" pitchFamily="34" charset="0"/>
+                <a:cs typeface="Arial" panose="020B0604020202020204" pitchFamily="34" charset="0"/>
+              </a:defRPr>
+            </a:lvl2pPr>
+            <a:lvl3pPr>
+              <a:defRPr>
+                <a:solidFill>
+                  <a:schemeClr val="tx1"/>
+                </a:solidFill>
+                <a:latin typeface="Arial" panose="020B0604020202020204" pitchFamily="34" charset="0"/>
+                <a:cs typeface="Arial" panose="020B0604020202020204" pitchFamily="34" charset="0"/>
+              </a:defRPr>
+            </a:lvl3pPr>
+            <a:lvl4pPr>
+              <a:defRPr>
+                <a:solidFill>
+                  <a:schemeClr val="tx1"/>
+                </a:solidFill>
+                <a:latin typeface="Arial" panose="020B0604020202020204" pitchFamily="34" charset="0"/>
+                <a:cs typeface="Arial" panose="020B0604020202020204" pitchFamily="34" charset="0"/>
+              </a:defRPr>
+            </a:lvl4pPr>
+            <a:lvl5pPr>
+              <a:defRPr>
+                <a:solidFill>
+                  <a:schemeClr val="tx1"/>
+                </a:solidFill>
+                <a:latin typeface="Arial" panose="020B0604020202020204" pitchFamily="34" charset="0"/>
+                <a:cs typeface="Arial" panose="020B0604020202020204" pitchFamily="34" charset="0"/>
+              </a:defRPr>
+            </a:lvl5pPr>
+          </a:lstStyle>
+          <a:p>
+            <a:pPr lvl="0"/>
+            <a:r>
+              <a:rPr lang="en-US" dirty="0" smtClean="0"/>
+              <a:t>Add Content here</a:t>
+            </a:r>
+          </a:p>
+          <a:p>
+            <a:pPr lvl="1"/>
+            <a:r>
+              <a:rPr lang="en-US" dirty="0" smtClean="0"/>
+              <a:t>Or Here</a:t>
+            </a:r>
+          </a:p>
+          <a:p>
+            <a:pPr lvl="2"/>
+            <a:r>
+              <a:rPr lang="en-US" dirty="0" smtClean="0"/>
+              <a:t>Or Here</a:t>
+            </a:r>
+          </a:p>
+          <a:p>
+            <a:pPr lvl="3"/>
+            <a:r>
+              <a:rPr lang="en-US" dirty="0" smtClean="0"/>
+              <a:t>Or Here</a:t>
+            </a:r>
+          </a:p>
+          <a:p>
+            <a:pPr lvl="4"/>
+            <a:r>
+              <a:rPr lang="en-US" dirty="0" smtClean="0"/>
+              <a:t>Or Here</a:t>
+            </a:r>
+            <a:endParaRPr lang="en-US" dirty="0"/>
+          </a:p>
+        </p:txBody>
+      </p:sp>
+      <p:sp>
+        <p:nvSpPr>
+          <p:cNvPr id="4" name="Date Placeholder 3"/>
+          <p:cNvSpPr>
+            <a:spLocks noGrp="1"/>
+          </p:cNvSpPr>
+          <p:nvPr>
+            <p:ph type="dt" sz="half" idx="10"/>
+          </p:nvPr>
+        </p:nvSpPr>
+        <p:spPr/>
+        <p:txBody>
+          <a:bodyPr/>
+          <a:lstStyle/>
+          <a:p>
             <a:fld id="{C8949D56-DBDD-4CB9-A3EC-4A16FD22C3CB}" type="datetime1">
               <a:rPr lang="en-US" smtClean="0"/>
-              <a:t>3/16/2016</a:t>
+              <a:t>3/24/2016</a:t>
             </a:fld>
             <a:endParaRPr lang="en-US" dirty="0"/>
           </a:p>
@@ -1482,7 +1758,7 @@
 </p:sldLayout>
 </file>
 
-<file path=ppt/slideLayouts/slideLayout5.xml><?xml version="1.0" encoding="utf-8"?>
+<file path=ppt/slideLayouts/slideLayout6.xml><?xml version="1.0" encoding="utf-8"?>
 <p:sldLayout xmlns:a="http://schemas.openxmlformats.org/drawingml/2006/main" xmlns:r="http://schemas.openxmlformats.org/officeDocument/2006/relationships" xmlns:p="http://schemas.openxmlformats.org/presentationml/2006/main" userDrawn="1">
   <p:cSld name="Presentation Title Slide">
     <p:spTree>
@@ -2022,7 +2298,7 @@
           <a:p>
             <a:fld id="{E3E34EB4-00C5-4FA1-9F1F-A5DB9917576B}" type="datetime1">
               <a:rPr lang="en-US" smtClean="0"/>
-              <a:t>3/16/2016</a:t>
+              <a:t>3/24/2016</a:t>
             </a:fld>
             <a:endParaRPr lang="en-US"/>
           </a:p>
@@ -2119,7 +2395,7 @@
           <p:nvPr/>
         </p:nvPicPr>
         <p:blipFill>
-          <a:blip r:embed="rId3"/>
+          <a:blip r:embed="rId4"/>
           <a:stretch>
             <a:fillRect/>
           </a:stretch>
@@ -2144,6 +2420,7 @@
   <p:clrMap bg1="lt1" tx1="dk1" bg2="lt2" tx2="dk2" accent1="accent1" accent2="accent2" accent3="accent3" accent4="accent4" accent5="accent5" accent6="accent6" hlink="hlink" folHlink="folHlink"/>
   <p:sldLayoutIdLst>
     <p:sldLayoutId id="2147483681" r:id="rId1"/>
+    <p:sldLayoutId id="2147483709" r:id="rId2"/>
   </p:sldLayoutIdLst>
   <p:hf hdr="0"/>
   <p:txStyles>
@@ -2517,7 +2794,7 @@
           <a:p>
             <a:fld id="{CEDF276F-932A-4A71-8413-FB71F9D3241C}" type="datetime1">
               <a:rPr lang="en-US" smtClean="0"/>
-              <a:t>3/16/2016</a:t>
+              <a:t>3/24/2016</a:t>
             </a:fld>
             <a:endParaRPr lang="en-US"/>
           </a:p>
@@ -2981,7 +3258,7 @@
           <a:p>
             <a:fld id="{C886C40D-F01F-4C78-860B-D4913DC84A01}" type="datetime1">
               <a:rPr lang="en-US" smtClean="0"/>
-              <a:t>3/16/2016</a:t>
+              <a:t>3/24/2016</a:t>
             </a:fld>
             <a:endParaRPr lang="en-US"/>
           </a:p>
@@ -3584,7 +3861,7 @@
           <a:p>
             <a:fld id="{C8949D56-DBDD-4CB9-A3EC-4A16FD22C3CB}" type="datetime1">
               <a:rPr lang="en-US" smtClean="0"/>
-              <a:t>3/16/2016</a:t>
+              <a:t>3/24/2016</a:t>
             </a:fld>
             <a:endParaRPr lang="en-US" dirty="0"/>
           </a:p>
@@ -3857,7 +4134,7 @@
           <a:p>
             <a:fld id="{C8949D56-DBDD-4CB9-A3EC-4A16FD22C3CB}" type="datetime1">
               <a:rPr lang="en-US" smtClean="0"/>
-              <a:t>3/16/2016</a:t>
+              <a:t>3/24/2016</a:t>
             </a:fld>
             <a:endParaRPr lang="en-US" dirty="0"/>
           </a:p>
@@ -4045,7 +4322,7 @@
           <a:p>
             <a:fld id="{C8949D56-DBDD-4CB9-A3EC-4A16FD22C3CB}" type="datetime1">
               <a:rPr lang="en-US" smtClean="0"/>
-              <a:t>3/16/2016</a:t>
+              <a:t>3/24/2016</a:t>
             </a:fld>
             <a:endParaRPr lang="en-US" dirty="0"/>
           </a:p>
@@ -4286,7 +4563,7 @@
           <a:p>
             <a:fld id="{C8949D56-DBDD-4CB9-A3EC-4A16FD22C3CB}" type="datetime1">
               <a:rPr lang="en-US" smtClean="0"/>
-              <a:t>3/16/2016</a:t>
+              <a:t>3/24/2016</a:t>
             </a:fld>
             <a:endParaRPr lang="en-US" dirty="0"/>
           </a:p>
@@ -4472,7 +4749,7 @@
           <a:p>
             <a:fld id="{C8949D56-DBDD-4CB9-A3EC-4A16FD22C3CB}" type="datetime1">
               <a:rPr lang="en-US" smtClean="0"/>
-              <a:t>3/16/2016</a:t>
+              <a:t>3/24/2016</a:t>
             </a:fld>
             <a:endParaRPr lang="en-US" dirty="0"/>
           </a:p>
@@ -4649,7 +4926,7 @@
           <a:p>
             <a:fld id="{C8949D56-DBDD-4CB9-A3EC-4A16FD22C3CB}" type="datetime1">
               <a:rPr lang="en-US" smtClean="0"/>
-              <a:t>3/16/2016</a:t>
+              <a:t>3/24/2016</a:t>
             </a:fld>
             <a:endParaRPr lang="en-US" dirty="0"/>
           </a:p>
@@ -4934,7 +5211,7 @@
           <a:p>
             <a:fld id="{C8949D56-DBDD-4CB9-A3EC-4A16FD22C3CB}" type="datetime1">
               <a:rPr lang="en-US" smtClean="0"/>
-              <a:t>3/16/2016</a:t>
+              <a:t>3/24/2016</a:t>
             </a:fld>
             <a:endParaRPr lang="en-US" dirty="0"/>
           </a:p>
@@ -5056,7 +5333,7 @@
           <a:p>
             <a:fld id="{C8949D56-DBDD-4CB9-A3EC-4A16FD22C3CB}" type="datetime1">
               <a:rPr lang="en-US" smtClean="0"/>
-              <a:t>3/16/2016</a:t>
+              <a:t>3/24/2016</a:t>
             </a:fld>
             <a:endParaRPr lang="en-US" dirty="0"/>
           </a:p>
@@ -5233,7 +5510,7 @@
           <a:p>
             <a:fld id="{C8949D56-DBDD-4CB9-A3EC-4A16FD22C3CB}" type="datetime1">
               <a:rPr lang="en-US" smtClean="0"/>
-              <a:t>3/16/2016</a:t>
+              <a:t>3/24/2016</a:t>
             </a:fld>
             <a:endParaRPr lang="en-US" dirty="0"/>
           </a:p>
@@ -5547,7 +5824,7 @@
           <a:p>
             <a:fld id="{C8949D56-DBDD-4CB9-A3EC-4A16FD22C3CB}" type="datetime1">
               <a:rPr lang="en-US" smtClean="0"/>
-              <a:t>3/16/2016</a:t>
+              <a:t>3/24/2016</a:t>
             </a:fld>
             <a:endParaRPr lang="en-US" dirty="0"/>
           </a:p>
@@ -5675,20 +5952,75 @@
           <a:p>
             <a:r>
               <a:rPr lang="en-US" dirty="0" smtClean="0"/>
-              <a:t>Spring Bean Configuration</a:t>
-            </a:r>
-          </a:p>
-          <a:p>
-            <a:r>
-              <a:rPr lang="en-US" dirty="0" smtClean="0"/>
-              <a:t>Data Access with Spring JDBC Template</a:t>
-            </a:r>
-          </a:p>
-          <a:p>
-            <a:r>
-              <a:rPr lang="en-US" dirty="0" smtClean="0"/>
-              <a:t>Spring Web MVC</a:t>
-            </a:r>
+              <a:t>Spring Bean </a:t>
+            </a:r>
+            <a:r>
+              <a:rPr lang="en-US" dirty="0" smtClean="0"/>
+              <a:t>Configuration</a:t>
+            </a:r>
+          </a:p>
+          <a:p>
+            <a:r>
+              <a:rPr lang="en-US" dirty="0" smtClean="0"/>
+              <a:t>Unit Testing using </a:t>
+            </a:r>
+            <a:r>
+              <a:rPr lang="en-US" dirty="0" err="1" smtClean="0"/>
+              <a:t>Mockito</a:t>
+            </a:r>
+            <a:r>
+              <a:rPr lang="en-US" dirty="0" smtClean="0"/>
+              <a:t> framework</a:t>
+            </a:r>
+            <a:endParaRPr lang="en-US" dirty="0" smtClean="0"/>
+          </a:p>
+          <a:p>
+            <a:r>
+              <a:rPr lang="en-US" dirty="0" smtClean="0"/>
+              <a:t>Data Access with Spring JDBC </a:t>
+            </a:r>
+            <a:r>
+              <a:rPr lang="en-US" dirty="0" smtClean="0"/>
+              <a:t>Template</a:t>
+            </a:r>
+          </a:p>
+          <a:p>
+            <a:r>
+              <a:rPr lang="en-US" dirty="0" smtClean="0"/>
+              <a:t>Integration Testing</a:t>
+            </a:r>
+            <a:endParaRPr lang="en-US" dirty="0" smtClean="0"/>
+          </a:p>
+          <a:p>
+            <a:r>
+              <a:rPr lang="en-US" dirty="0" smtClean="0"/>
+              <a:t>Spring Web </a:t>
+            </a:r>
+            <a:r>
+              <a:rPr lang="en-US" dirty="0" smtClean="0"/>
+              <a:t>MVC</a:t>
+            </a:r>
+          </a:p>
+          <a:p>
+            <a:r>
+              <a:rPr lang="en-US" dirty="0"/>
+              <a:t>Functional Testing using Selenium web </a:t>
+            </a:r>
+            <a:r>
+              <a:rPr lang="en-US" dirty="0" smtClean="0"/>
+              <a:t>driver</a:t>
+            </a:r>
+          </a:p>
+          <a:p>
+            <a:r>
+              <a:rPr lang="en-US" dirty="0"/>
+              <a:t>Code Refactoring and Metrics</a:t>
+            </a:r>
+          </a:p>
+          <a:p>
+            <a:endParaRPr lang="en-US" dirty="0" smtClean="0"/>
+          </a:p>
+          <a:p>
             <a:endParaRPr lang="en-US" dirty="0"/>
           </a:p>
         </p:txBody>
@@ -5733,7 +6065,7 @@
           <a:p>
             <a:fld id="{5461B401-77E7-4645-B66A-A240DDBF3636}" type="datetime1">
               <a:rPr lang="en-US" smtClean="0"/>
-              <a:t>3/16/2016</a:t>
+              <a:t>3/24/2016</a:t>
             </a:fld>
             <a:endParaRPr lang="en-US" dirty="0"/>
           </a:p>
@@ -5896,7 +6228,7 @@
           <a:p>
             <a:fld id="{C8949D56-DBDD-4CB9-A3EC-4A16FD22C3CB}" type="datetime1">
               <a:rPr lang="en-US" smtClean="0"/>
-              <a:t>3/16/2016</a:t>
+              <a:t>3/24/2016</a:t>
             </a:fld>
             <a:endParaRPr lang="en-US" dirty="0"/>
           </a:p>
@@ -6107,7 +6439,7 @@
           <a:p>
             <a:fld id="{C8949D56-DBDD-4CB9-A3EC-4A16FD22C3CB}" type="datetime1">
               <a:rPr lang="en-US" smtClean="0"/>
-              <a:t>3/16/2016</a:t>
+              <a:t>3/24/2016</a:t>
             </a:fld>
             <a:endParaRPr lang="en-US" dirty="0"/>
           </a:p>
@@ -6292,7 +6624,7 @@
           <a:p>
             <a:fld id="{C8949D56-DBDD-4CB9-A3EC-4A16FD22C3CB}" type="datetime1">
               <a:rPr lang="en-US" smtClean="0"/>
-              <a:t>3/16/2016</a:t>
+              <a:t>3/24/2016</a:t>
             </a:fld>
             <a:endParaRPr lang="en-US" dirty="0"/>
           </a:p>
@@ -6399,7 +6731,7 @@
       </p:grpSpPr>
       <p:sp>
         <p:nvSpPr>
-          <p:cNvPr id="7" name="Title 6"/>
+          <p:cNvPr id="2" name="Title 1"/>
           <p:cNvSpPr>
             <a:spLocks noGrp="1"/>
           </p:cNvSpPr>
@@ -6409,8 +6741,8 @@
         </p:nvSpPr>
         <p:spPr>
           <a:xfrm>
-            <a:off x="587828" y="3127248"/>
-            <a:ext cx="8556171" cy="1311128"/>
+            <a:off x="768095" y="2416629"/>
+            <a:ext cx="6226091" cy="1311128"/>
           </a:xfrm>
         </p:spPr>
         <p:txBody>
@@ -6418,15 +6750,24 @@
           <a:lstStyle/>
           <a:p>
             <a:r>
-              <a:rPr lang="en-US" dirty="0"/>
-              <a:t>Data Access with Spring JDBC Template</a:t>
-            </a:r>
-          </a:p>
-        </p:txBody>
-      </p:sp>
-      <p:sp>
-        <p:nvSpPr>
-          <p:cNvPr id="8" name="Text Placeholder 7"/>
+              <a:rPr lang="en-US" dirty="0" smtClean="0"/>
+              <a:t>Unit Testing using mocking  framework(</a:t>
+            </a:r>
+            <a:r>
+              <a:rPr lang="en-US" dirty="0" err="1" smtClean="0"/>
+              <a:t>mockito</a:t>
+            </a:r>
+            <a:r>
+              <a:rPr lang="en-US" dirty="0" smtClean="0"/>
+              <a:t>)</a:t>
+            </a:r>
+            <a:endParaRPr lang="en-US" dirty="0"/>
+          </a:p>
+        </p:txBody>
+      </p:sp>
+      <p:sp>
+        <p:nvSpPr>
+          <p:cNvPr id="3" name="Text Placeholder 2"/>
           <p:cNvSpPr>
             <a:spLocks noGrp="1"/>
           </p:cNvSpPr>
@@ -6434,109 +6775,11 @@
             <p:ph type="body" sz="quarter" idx="11"/>
           </p:nvPr>
         </p:nvSpPr>
-        <p:spPr>
-          <a:xfrm>
-            <a:off x="768095" y="4323806"/>
-            <a:ext cx="6225836" cy="653143"/>
-          </a:xfrm>
-        </p:spPr>
-        <p:txBody>
-          <a:bodyPr/>
-          <a:lstStyle/>
-          <a:p>
-            <a:endParaRPr lang="en-US" dirty="0"/>
-          </a:p>
-        </p:txBody>
-      </p:sp>
-      <p:sp>
-        <p:nvSpPr>
-          <p:cNvPr id="3" name="Date Placeholder 2"/>
-          <p:cNvSpPr>
-            <a:spLocks noGrp="1"/>
-          </p:cNvSpPr>
-          <p:nvPr>
-            <p:ph type="dt" sz="half" idx="4294967295"/>
-          </p:nvPr>
-        </p:nvSpPr>
-        <p:spPr>
-          <a:xfrm>
-            <a:off x="0" y="6356350"/>
-            <a:ext cx="2057400" cy="365125"/>
-          </a:xfrm>
-          <a:prstGeom prst="rect">
-            <a:avLst/>
-          </a:prstGeom>
-        </p:spPr>
-        <p:txBody>
-          <a:bodyPr/>
-          <a:lstStyle/>
-          <a:p>
-            <a:fld id="{7AC11F0B-9A29-4EBD-B631-6648006CA4E4}" type="datetime1">
-              <a:rPr lang="en-US" smtClean="0"/>
-              <a:t>3/16/2016</a:t>
-            </a:fld>
-            <a:endParaRPr lang="en-US" dirty="0"/>
-          </a:p>
-        </p:txBody>
-      </p:sp>
-      <p:sp>
-        <p:nvSpPr>
-          <p:cNvPr id="4" name="Footer Placeholder 3"/>
-          <p:cNvSpPr>
-            <a:spLocks noGrp="1"/>
-          </p:cNvSpPr>
-          <p:nvPr>
-            <p:ph type="ftr" sz="quarter" idx="4294967295"/>
-          </p:nvPr>
-        </p:nvSpPr>
-        <p:spPr>
-          <a:xfrm>
-            <a:off x="-1" y="5826034"/>
-            <a:ext cx="3735977" cy="895441"/>
-          </a:xfrm>
-          <a:prstGeom prst="rect">
-            <a:avLst/>
-          </a:prstGeom>
-        </p:spPr>
-        <p:txBody>
-          <a:bodyPr/>
-          <a:lstStyle/>
-          <a:p>
-            <a:r>
-              <a:rPr lang="en-US" dirty="0" smtClean="0"/>
-              <a:t>All rights reserved by Five 9 Group, Inc.</a:t>
-            </a:r>
-            <a:endParaRPr lang="en-US" dirty="0"/>
-          </a:p>
-        </p:txBody>
-      </p:sp>
-      <p:sp>
-        <p:nvSpPr>
-          <p:cNvPr id="5" name="Slide Number Placeholder 4"/>
-          <p:cNvSpPr>
-            <a:spLocks noGrp="1"/>
-          </p:cNvSpPr>
-          <p:nvPr>
-            <p:ph type="sldNum" sz="quarter" idx="4294967295"/>
-          </p:nvPr>
-        </p:nvSpPr>
-        <p:spPr>
-          <a:xfrm>
-            <a:off x="7086600" y="6356350"/>
-            <a:ext cx="2057400" cy="365125"/>
-          </a:xfrm>
-          <a:prstGeom prst="rect">
-            <a:avLst/>
-          </a:prstGeom>
-        </p:spPr>
-        <p:txBody>
-          <a:bodyPr/>
-          <a:lstStyle/>
-          <a:p>
-            <a:fld id="{125AF1D8-B0AE-4E77-AA99-EC861FD2EC07}" type="slidenum">
-              <a:rPr lang="en-US" smtClean="0"/>
-              <a:t>22</a:t>
-            </a:fld>
+        <p:spPr/>
+        <p:txBody>
+          <a:bodyPr/>
+          <a:lstStyle/>
+          <a:p>
             <a:endParaRPr lang="en-US"/>
           </a:p>
         </p:txBody>
@@ -6544,7 +6787,7 @@
     </p:spTree>
     <p:extLst>
       <p:ext uri="{BB962C8B-B14F-4D97-AF65-F5344CB8AC3E}">
-        <p14:creationId xmlns:p14="http://schemas.microsoft.com/office/powerpoint/2010/main" val="2824970937"/>
+        <p14:creationId xmlns:p14="http://schemas.microsoft.com/office/powerpoint/2010/main" val="1600944648"/>
       </p:ext>
     </p:extLst>
   </p:cSld>
@@ -6586,113 +6829,43 @@
           <a:bodyPr/>
           <a:lstStyle/>
           <a:p>
-            <a:r>
-              <a:rPr lang="en-US" dirty="0" smtClean="0"/>
-              <a:t>Spring makes data access easier because:</a:t>
-            </a:r>
-          </a:p>
-          <a:p>
-            <a:pPr>
-              <a:buFont typeface="Wingdings" panose="05000000000000000000" pitchFamily="2" charset="2"/>
-              <a:buChar char="Ø"/>
+            <a:pPr marL="0" indent="0">
+              <a:buNone/>
             </a:pPr>
             <a:r>
               <a:rPr lang="en-US" dirty="0"/>
-              <a:t> </a:t>
-            </a:r>
-            <a:r>
-              <a:rPr lang="en-US" dirty="0" smtClean="0"/>
-              <a:t>   It manages resources for you</a:t>
-            </a:r>
-          </a:p>
-          <a:p>
-            <a:pPr>
-              <a:buFont typeface="Wingdings" panose="05000000000000000000" pitchFamily="2" charset="2"/>
-              <a:buChar char="Ø"/>
-            </a:pPr>
-            <a:r>
-              <a:rPr lang="en-US" dirty="0" smtClean="0"/>
-              <a:t>    Provides API helpers</a:t>
-            </a:r>
-          </a:p>
-          <a:p>
-            <a:pPr>
-              <a:buFont typeface="Wingdings" panose="05000000000000000000" pitchFamily="2" charset="2"/>
-              <a:buChar char="Ø"/>
-            </a:pPr>
+              <a:t>Unit Testing</a:t>
+            </a:r>
+          </a:p>
+          <a:p>
+            <a:pPr lvl="2"/>
             <a:r>
               <a:rPr lang="en-US" dirty="0"/>
-              <a:t> </a:t>
-            </a:r>
-            <a:r>
-              <a:rPr lang="en-US" dirty="0" smtClean="0"/>
-              <a:t>Supports all major data access technologies</a:t>
-            </a:r>
-          </a:p>
-          <a:p>
-            <a:pPr lvl="2">
-              <a:buFont typeface="Wingdings" panose="05000000000000000000" pitchFamily="2" charset="2"/>
-              <a:buChar char="ü"/>
-            </a:pPr>
+              <a:t> Tests one unit of functionality</a:t>
+            </a:r>
+          </a:p>
+          <a:p>
+            <a:pPr lvl="2"/>
             <a:r>
               <a:rPr lang="en-US" dirty="0"/>
-              <a:t> </a:t>
-            </a:r>
-            <a:r>
-              <a:rPr lang="en-US" dirty="0" smtClean="0"/>
-              <a:t>            </a:t>
-            </a:r>
-            <a:r>
-              <a:rPr lang="en-US" dirty="0" err="1" smtClean="0"/>
-              <a:t>Jdbc</a:t>
-            </a:r>
-            <a:endParaRPr lang="en-US" dirty="0" smtClean="0"/>
-          </a:p>
-          <a:p>
-            <a:pPr lvl="2">
-              <a:buFont typeface="Wingdings" panose="05000000000000000000" pitchFamily="2" charset="2"/>
-              <a:buChar char="ü"/>
-            </a:pPr>
+              <a:t>Keeps dependencies minimal</a:t>
+            </a:r>
+          </a:p>
+          <a:p>
+            <a:pPr lvl="2"/>
             <a:r>
               <a:rPr lang="en-US" dirty="0"/>
-              <a:t> </a:t>
-            </a:r>
-            <a:r>
-              <a:rPr lang="en-US" dirty="0" smtClean="0"/>
-              <a:t>             Hibernate</a:t>
-            </a:r>
-          </a:p>
-          <a:p>
-            <a:pPr lvl="2">
-              <a:buFont typeface="Wingdings" panose="05000000000000000000" pitchFamily="2" charset="2"/>
-              <a:buChar char="ü"/>
-            </a:pPr>
+              <a:t>Stub or mock out dependencies if needed</a:t>
+            </a:r>
+          </a:p>
+          <a:p>
+            <a:pPr lvl="2"/>
             <a:r>
               <a:rPr lang="en-US" dirty="0"/>
-              <a:t> </a:t>
-            </a:r>
-            <a:r>
-              <a:rPr lang="en-US" dirty="0" smtClean="0"/>
-              <a:t>             JPA</a:t>
-            </a:r>
-          </a:p>
-          <a:p>
-            <a:pPr lvl="2">
-              <a:buFont typeface="Wingdings" panose="05000000000000000000" pitchFamily="2" charset="2"/>
-              <a:buChar char="ü"/>
-            </a:pPr>
-            <a:r>
-              <a:rPr lang="en-US" dirty="0"/>
-              <a:t> </a:t>
-            </a:r>
-            <a:r>
-              <a:rPr lang="en-US" dirty="0" smtClean="0"/>
-              <a:t>              </a:t>
-            </a:r>
-            <a:r>
-              <a:rPr lang="en-US" dirty="0" err="1" smtClean="0"/>
-              <a:t>ibatis</a:t>
-            </a:r>
+              <a:t>Each test exercise a single scenario.</a:t>
+            </a:r>
+          </a:p>
+          <a:p>
             <a:endParaRPr lang="en-US" dirty="0"/>
           </a:p>
         </p:txBody>
@@ -6714,7 +6887,7 @@
           <a:p>
             <a:r>
               <a:rPr lang="en-US" dirty="0" smtClean="0"/>
-              <a:t>Spring Data Access</a:t>
+              <a:t>Unit Testing</a:t>
             </a:r>
             <a:endParaRPr lang="en-US" dirty="0"/>
           </a:p>
@@ -6723,7 +6896,7 @@
     </p:spTree>
     <p:extLst>
       <p:ext uri="{BB962C8B-B14F-4D97-AF65-F5344CB8AC3E}">
-        <p14:creationId xmlns:p14="http://schemas.microsoft.com/office/powerpoint/2010/main" val="3753240432"/>
+        <p14:creationId xmlns:p14="http://schemas.microsoft.com/office/powerpoint/2010/main" val="2473083584"/>
       </p:ext>
     </p:extLst>
   </p:cSld>
@@ -6752,7 +6925,7 @@
       </p:grpSpPr>
       <p:sp>
         <p:nvSpPr>
-          <p:cNvPr id="2" name="Content Placeholder 1"/>
+          <p:cNvPr id="5" name="Content Placeholder 4"/>
           <p:cNvSpPr>
             <a:spLocks noGrp="1"/>
           </p:cNvSpPr>
@@ -6760,142 +6933,61 @@
             <p:ph idx="1"/>
           </p:nvPr>
         </p:nvSpPr>
-        <p:spPr/>
-        <p:txBody>
-          <a:bodyPr/>
-          <a:lstStyle/>
-          <a:p>
-            <a:r>
-              <a:rPr lang="en-US" dirty="0" smtClean="0"/>
-              <a:t>We are going to create database schema called </a:t>
-            </a:r>
-            <a:r>
-              <a:rPr lang="en-US" dirty="0" err="1" smtClean="0"/>
-              <a:t>testdb</a:t>
-            </a:r>
-            <a:endParaRPr lang="en-US" dirty="0"/>
-          </a:p>
-          <a:p>
-            <a:r>
-              <a:rPr lang="en-US" dirty="0" smtClean="0"/>
-              <a:t>Create a table called </a:t>
-            </a:r>
-            <a:r>
-              <a:rPr lang="en-US" dirty="0" err="1" smtClean="0"/>
-              <a:t>tutorials_tbl</a:t>
-            </a:r>
-            <a:r>
-              <a:rPr lang="en-US" dirty="0" smtClean="0"/>
-              <a:t>, insert data to the table </a:t>
-            </a:r>
-          </a:p>
-          <a:p>
-            <a:r>
-              <a:rPr lang="en-US" dirty="0" smtClean="0"/>
-              <a:t>Use that table as a basis to create our domain class in java.</a:t>
-            </a:r>
-          </a:p>
-          <a:p>
-            <a:r>
-              <a:rPr lang="en-US" dirty="0" smtClean="0"/>
-              <a:t>Define  a DAO(Data Access object) or a service </a:t>
-            </a:r>
-          </a:p>
-          <a:p>
-            <a:r>
-              <a:rPr lang="en-US" dirty="0" smtClean="0"/>
-              <a:t>Implement one of DAO’s method to insert data into the </a:t>
-            </a:r>
-            <a:r>
-              <a:rPr lang="en-US" dirty="0" err="1" smtClean="0"/>
-              <a:t>tutorials_tbl</a:t>
-            </a:r>
+        <p:spPr>
+          <a:xfrm>
+            <a:off x="628648" y="1737359"/>
+            <a:ext cx="8020115" cy="4420249"/>
+          </a:xfrm>
+        </p:spPr>
+        <p:txBody>
+          <a:bodyPr/>
+          <a:lstStyle/>
+          <a:p>
             <a:r>
               <a:rPr lang="en-US" dirty="0"/>
-              <a:t> </a:t>
-            </a:r>
-            <a:r>
-              <a:rPr lang="en-US" dirty="0" smtClean="0"/>
-              <a:t>using Spring JDBC. </a:t>
-            </a:r>
-          </a:p>
-          <a:p>
-            <a:endParaRPr lang="en-US" dirty="0"/>
-          </a:p>
-        </p:txBody>
-      </p:sp>
-      <p:sp>
-        <p:nvSpPr>
-          <p:cNvPr id="3" name="Date Placeholder 2"/>
-          <p:cNvSpPr>
-            <a:spLocks noGrp="1"/>
-          </p:cNvSpPr>
-          <p:nvPr>
-            <p:ph type="dt" sz="half" idx="10"/>
-          </p:nvPr>
-        </p:nvSpPr>
-        <p:spPr/>
-        <p:txBody>
-          <a:bodyPr/>
-          <a:lstStyle/>
-          <a:p>
-            <a:fld id="{7AC11F0B-9A29-4EBD-B631-6648006CA4E4}" type="datetime1">
-              <a:rPr lang="en-US" smtClean="0"/>
-              <a:t>3/16/2016</a:t>
-            </a:fld>
-            <a:endParaRPr lang="en-US" dirty="0"/>
-          </a:p>
-        </p:txBody>
-      </p:sp>
-      <p:sp>
-        <p:nvSpPr>
-          <p:cNvPr id="4" name="Footer Placeholder 3"/>
-          <p:cNvSpPr>
-            <a:spLocks noGrp="1"/>
-          </p:cNvSpPr>
-          <p:nvPr>
-            <p:ph type="ftr" sz="quarter" idx="11"/>
-          </p:nvPr>
-        </p:nvSpPr>
-        <p:spPr/>
-        <p:txBody>
-          <a:bodyPr/>
-          <a:lstStyle/>
-          <a:p>
-            <a:r>
-              <a:rPr lang="en-US" smtClean="0"/>
-              <a:t>All rights reserved by Five 9 Group, Inc.</a:t>
-            </a:r>
-            <a:endParaRPr lang="en-US" dirty="0"/>
-          </a:p>
-        </p:txBody>
-      </p:sp>
-      <p:sp>
-        <p:nvSpPr>
-          <p:cNvPr id="5" name="Slide Number Placeholder 4"/>
-          <p:cNvSpPr>
-            <a:spLocks noGrp="1"/>
-          </p:cNvSpPr>
-          <p:nvPr>
-            <p:ph type="sldNum" sz="quarter" idx="12"/>
-          </p:nvPr>
-        </p:nvSpPr>
-        <p:spPr/>
-        <p:txBody>
-          <a:bodyPr/>
-          <a:lstStyle/>
-          <a:p>
-            <a:fld id="{125AF1D8-B0AE-4E77-AA99-EC861FD2EC07}" type="slidenum">
-              <a:rPr lang="en-US" smtClean="0"/>
-              <a:t>24</a:t>
-            </a:fld>
-            <a:endParaRPr lang="en-US"/>
-          </a:p>
-        </p:txBody>
-      </p:sp>
-      <p:sp>
-        <p:nvSpPr>
-          <p:cNvPr id="6" name="Title 5"/>
+              <a:t>Use a mocking library to generate a mock object</a:t>
+            </a:r>
+          </a:p>
+          <a:p>
+            <a:r>
+              <a:rPr lang="en-US" dirty="0"/>
+              <a:t>Record the mock with expectations of how it will be used for a scenario</a:t>
+            </a:r>
+          </a:p>
+          <a:p>
+            <a:pPr lvl="2"/>
+            <a:r>
+              <a:rPr lang="en-US" dirty="0"/>
+              <a:t>What methods will be called</a:t>
+            </a:r>
+          </a:p>
+          <a:p>
+            <a:pPr lvl="2"/>
+            <a:r>
+              <a:rPr lang="en-US" dirty="0"/>
+              <a:t>What values to return</a:t>
+            </a:r>
+          </a:p>
+          <a:p>
+            <a:r>
+              <a:rPr lang="en-US" dirty="0"/>
+              <a:t>Exercise the scenario</a:t>
+            </a:r>
+          </a:p>
+          <a:p>
+            <a:r>
+              <a:rPr lang="en-US" dirty="0"/>
+              <a:t>Verify mock expectations were met.</a:t>
+            </a:r>
+          </a:p>
+          <a:p>
+            <a:endParaRPr lang="en-US" dirty="0"/>
+          </a:p>
+        </p:txBody>
+      </p:sp>
+      <p:sp>
+        <p:nvSpPr>
+          <p:cNvPr id="4" name="Title 3"/>
           <p:cNvSpPr>
             <a:spLocks noGrp="1"/>
           </p:cNvSpPr>
@@ -6909,9 +7001,31 @@
           <a:lstStyle/>
           <a:p>
             <a:r>
-              <a:rPr lang="en-US" dirty="0" smtClean="0"/>
-              <a:t>Getting hands dirty…</a:t>
-            </a:r>
+              <a:rPr lang="en-US" dirty="0"/>
+              <a:t>Unit Testing with mocking framework (</a:t>
+            </a:r>
+            <a:r>
+              <a:rPr lang="en-US" dirty="0" err="1"/>
+              <a:t>Mockito</a:t>
+            </a:r>
+            <a:r>
+              <a:rPr lang="en-US" dirty="0"/>
+              <a:t>): </a:t>
+            </a:r>
+            <a:r>
+              <a:rPr lang="en-US" dirty="0" smtClean="0"/>
+              <a:t>Overview</a:t>
+            </a:r>
+            <a:br>
+              <a:rPr lang="en-US" dirty="0" smtClean="0"/>
+            </a:br>
+            <a:r>
+              <a:rPr lang="en-US" dirty="0"/>
+              <a:t/>
+            </a:r>
+            <a:br>
+              <a:rPr lang="en-US" dirty="0"/>
+            </a:br>
             <a:endParaRPr lang="en-US" dirty="0"/>
           </a:p>
         </p:txBody>
@@ -6919,7 +7033,7 @@
     </p:spTree>
     <p:extLst>
       <p:ext uri="{BB962C8B-B14F-4D97-AF65-F5344CB8AC3E}">
-        <p14:creationId xmlns:p14="http://schemas.microsoft.com/office/powerpoint/2010/main" val="4080116988"/>
+        <p14:creationId xmlns:p14="http://schemas.microsoft.com/office/powerpoint/2010/main" val="2514766522"/>
       </p:ext>
     </p:extLst>
   </p:cSld>
@@ -6948,243 +7062,59 @@
       </p:grpSpPr>
       <p:sp>
         <p:nvSpPr>
-          <p:cNvPr id="5" name="Content Placeholder 4"/>
-          <p:cNvSpPr>
-            <a:spLocks noGrp="1"/>
-          </p:cNvSpPr>
+          <p:cNvPr id="2" name="Title 1"/>
+          <p:cNvSpPr>
+            <a:spLocks noGrp="1"/>
+          </p:cNvSpPr>
+          <p:nvPr>
+            <p:ph type="title"/>
+          </p:nvPr>
+        </p:nvSpPr>
+        <p:spPr/>
+        <p:txBody>
+          <a:bodyPr/>
+          <a:lstStyle/>
+          <a:p>
+            <a:r>
+              <a:rPr lang="en-US" dirty="0"/>
+              <a:t>Conceptualize </a:t>
+            </a:r>
+          </a:p>
+        </p:txBody>
+      </p:sp>
+      <p:pic>
+        <p:nvPicPr>
+          <p:cNvPr id="5" name="Content Placeholder 6"/>
+          <p:cNvPicPr>
+            <a:picLocks noGrp="1" noChangeAspect="1"/>
+          </p:cNvPicPr>
           <p:nvPr>
             <p:ph idx="1"/>
           </p:nvPr>
-        </p:nvSpPr>
-        <p:spPr/>
-        <p:txBody>
-          <a:bodyPr/>
-          <a:lstStyle/>
-          <a:p>
-            <a:r>
-              <a:rPr lang="en-US" sz="2400" dirty="0" smtClean="0"/>
-              <a:t>Install </a:t>
-            </a:r>
-            <a:r>
-              <a:rPr lang="en-US" sz="2400" dirty="0" err="1" smtClean="0"/>
-              <a:t>MySql</a:t>
-            </a:r>
-            <a:r>
-              <a:rPr lang="en-US" sz="2400" dirty="0" smtClean="0"/>
-              <a:t> from the </a:t>
-            </a:r>
-            <a:r>
-              <a:rPr lang="en-US" sz="2400" dirty="0" err="1" smtClean="0"/>
-              <a:t>url</a:t>
-            </a:r>
-            <a:r>
-              <a:rPr lang="en-US" sz="2400" dirty="0" smtClean="0"/>
-              <a:t> below.</a:t>
-            </a:r>
-          </a:p>
-          <a:p>
-            <a:pPr marL="0" indent="0">
-              <a:buNone/>
-            </a:pPr>
-            <a:r>
-              <a:rPr lang="en-US" dirty="0">
-                <a:hlinkClick r:id="rId2"/>
-              </a:rPr>
-              <a:t>https://dev.mysql.com/downloads/mysql</a:t>
-            </a:r>
-            <a:r>
-              <a:rPr lang="en-US" dirty="0" smtClean="0">
-                <a:hlinkClick r:id="rId2"/>
-              </a:rPr>
-              <a:t>/</a:t>
-            </a:r>
-            <a:endParaRPr lang="en-US" dirty="0" smtClean="0"/>
-          </a:p>
-          <a:p>
-            <a:r>
-              <a:rPr lang="en-US" sz="2400" dirty="0" smtClean="0"/>
-              <a:t>Create a database schema </a:t>
-            </a:r>
-          </a:p>
-          <a:p>
-            <a:pPr marL="0" indent="0">
-              <a:buNone/>
-            </a:pPr>
-            <a:r>
-              <a:rPr lang="en-US" dirty="0"/>
-              <a:t> </a:t>
-            </a:r>
-            <a:r>
-              <a:rPr lang="en-US" dirty="0" smtClean="0"/>
-              <a:t>   </a:t>
-            </a:r>
-            <a:r>
-              <a:rPr lang="en-US" sz="2000" dirty="0" smtClean="0"/>
-              <a:t>shell&gt; create database </a:t>
-            </a:r>
-            <a:r>
-              <a:rPr lang="en-US" sz="2000" dirty="0" err="1" smtClean="0"/>
-              <a:t>testdb</a:t>
-            </a:r>
-            <a:r>
-              <a:rPr lang="en-US" dirty="0" smtClean="0"/>
-              <a:t>;</a:t>
-            </a:r>
-          </a:p>
-          <a:p>
-            <a:r>
-              <a:rPr lang="en-US" sz="2400" dirty="0"/>
-              <a:t>Create a user and grant all privileges to that user.</a:t>
-            </a:r>
-          </a:p>
-          <a:p>
-            <a:pPr marL="0" indent="0">
-              <a:buNone/>
-            </a:pPr>
-            <a:r>
-              <a:rPr lang="en-US" dirty="0"/>
-              <a:t>    </a:t>
-            </a:r>
-            <a:r>
-              <a:rPr lang="en-US" sz="2000" dirty="0"/>
-              <a:t>shell&gt; </a:t>
-            </a:r>
-            <a:r>
-              <a:rPr lang="en-US" sz="1400" b="1" dirty="0"/>
-              <a:t>CREATE USER </a:t>
-            </a:r>
-            <a:r>
-              <a:rPr lang="en-US" sz="1400" b="1" dirty="0" smtClean="0"/>
-              <a:t>‘</a:t>
-            </a:r>
-            <a:r>
-              <a:rPr lang="en-US" sz="1400" b="1" dirty="0" err="1" smtClean="0"/>
-              <a:t>bibhuti</a:t>
-            </a:r>
-            <a:r>
-              <a:rPr lang="en-US" sz="1400" b="1" dirty="0" smtClean="0"/>
-              <a:t>'@</a:t>
-            </a:r>
-            <a:r>
-              <a:rPr lang="en-US" sz="1400" b="1" dirty="0"/>
-              <a:t>'localhost' IDENTIFIED BY 'password';</a:t>
-            </a:r>
-          </a:p>
-          <a:p>
-            <a:pPr marL="0" indent="0">
-              <a:buNone/>
-            </a:pPr>
-            <a:r>
-              <a:rPr lang="en-US" sz="1800" dirty="0" smtClean="0"/>
-              <a:t>        </a:t>
-            </a:r>
-            <a:r>
-              <a:rPr lang="en-US" sz="2000" dirty="0"/>
-              <a:t>shell&gt;</a:t>
-            </a:r>
-            <a:r>
-              <a:rPr lang="en-US" sz="1400" b="1" dirty="0"/>
-              <a:t>GRANT ALL PRIVILEGES ON * . * TO </a:t>
-            </a:r>
-            <a:r>
-              <a:rPr lang="en-US" sz="1400" b="1" dirty="0" smtClean="0"/>
-              <a:t>‘</a:t>
-            </a:r>
-            <a:r>
-              <a:rPr lang="en-US" sz="1400" b="1" dirty="0" err="1" smtClean="0"/>
-              <a:t>bibhuti</a:t>
-            </a:r>
-            <a:r>
-              <a:rPr lang="en-US" sz="1400" b="1" dirty="0" smtClean="0"/>
-              <a:t>'@</a:t>
-            </a:r>
-            <a:r>
-              <a:rPr lang="en-US" sz="1400" b="1" dirty="0"/>
-              <a:t>'localhost';</a:t>
-            </a:r>
-          </a:p>
-          <a:p>
-            <a:r>
-              <a:rPr lang="en-US" sz="2400" dirty="0"/>
-              <a:t>Login as the created user:</a:t>
-            </a:r>
-          </a:p>
-          <a:p>
-            <a:pPr marL="0" indent="0">
-              <a:buNone/>
-            </a:pPr>
-            <a:r>
-              <a:rPr lang="en-US" sz="2000" dirty="0" smtClean="0"/>
-              <a:t>   shell</a:t>
-            </a:r>
-            <a:r>
-              <a:rPr lang="en-US" sz="2000" dirty="0"/>
-              <a:t>&gt; </a:t>
-            </a:r>
-            <a:r>
-              <a:rPr lang="en-US" sz="2000" dirty="0" err="1"/>
-              <a:t>mysql</a:t>
-            </a:r>
-            <a:r>
-              <a:rPr lang="en-US" sz="2000" dirty="0"/>
-              <a:t> -u </a:t>
-            </a:r>
-            <a:r>
-              <a:rPr lang="en-US" sz="2000" dirty="0" smtClean="0"/>
-              <a:t>&lt;</a:t>
-            </a:r>
-            <a:r>
-              <a:rPr lang="en-US" sz="2000" dirty="0" err="1" smtClean="0"/>
-              <a:t>bibhuti</a:t>
-            </a:r>
-            <a:r>
-              <a:rPr lang="en-US" sz="2000" dirty="0" smtClean="0"/>
-              <a:t>&gt; –p password </a:t>
-            </a:r>
-            <a:r>
-              <a:rPr lang="en-US" sz="2000" dirty="0" err="1" smtClean="0"/>
-              <a:t>testdb</a:t>
-            </a:r>
-            <a:endParaRPr lang="en-US" sz="2000" dirty="0"/>
-          </a:p>
-          <a:p>
-            <a:endParaRPr lang="en-US" sz="1100" dirty="0"/>
-          </a:p>
-          <a:p>
-            <a:pPr marL="0" indent="0">
-              <a:buNone/>
-            </a:pPr>
-            <a:endParaRPr lang="en-US" dirty="0"/>
-          </a:p>
-        </p:txBody>
-      </p:sp>
-      <p:sp>
-        <p:nvSpPr>
-          <p:cNvPr id="4" name="Title 3"/>
-          <p:cNvSpPr>
-            <a:spLocks noGrp="1"/>
-          </p:cNvSpPr>
-          <p:nvPr>
-            <p:ph type="title"/>
-          </p:nvPr>
-        </p:nvSpPr>
-        <p:spPr/>
-        <p:txBody>
-          <a:bodyPr/>
-          <a:lstStyle/>
-          <a:p>
-            <a:r>
-              <a:rPr lang="en-US" dirty="0" smtClean="0"/>
-              <a:t>Getting the Database Server</a:t>
-            </a:r>
-            <a:endParaRPr lang="en-US" dirty="0"/>
-          </a:p>
-        </p:txBody>
-      </p:sp>
+        </p:nvPicPr>
+        <p:blipFill>
+          <a:blip r:embed="rId2">
+            <a:extLst>
+              <a:ext uri="{28A0092B-C50C-407E-A947-70E740481C1C}">
+                <a14:useLocalDpi xmlns:a14="http://schemas.microsoft.com/office/drawing/2010/main" val="0"/>
+              </a:ext>
+            </a:extLst>
+          </a:blip>
+          <a:stretch>
+            <a:fillRect/>
+          </a:stretch>
+        </p:blipFill>
+        <p:spPr>
+          <a:xfrm>
+            <a:off x="990091" y="1778518"/>
+            <a:ext cx="7297168" cy="3953427"/>
+          </a:xfrm>
+        </p:spPr>
+      </p:pic>
     </p:spTree>
     <p:extLst>
       <p:ext uri="{BB962C8B-B14F-4D97-AF65-F5344CB8AC3E}">
-        <p14:creationId xmlns:p14="http://schemas.microsoft.com/office/powerpoint/2010/main" val="717578830"/>
+        <p14:creationId xmlns:p14="http://schemas.microsoft.com/office/powerpoint/2010/main" val="1965349004"/>
       </p:ext>
     </p:extLst>
   </p:cSld>
@@ -7221,167 +7151,36 @@
             <p:ph idx="1"/>
           </p:nvPr>
         </p:nvSpPr>
-        <p:spPr/>
-        <p:txBody>
-          <a:bodyPr/>
-          <a:lstStyle/>
-          <a:p>
-            <a:r>
-              <a:rPr lang="en-US" sz="2400" dirty="0"/>
-              <a:t>Create a table in the schema </a:t>
-            </a:r>
-          </a:p>
-          <a:p>
-            <a:pPr marL="0" indent="0">
-              <a:buNone/>
-            </a:pPr>
-            <a:r>
-              <a:rPr lang="en-US" sz="4800" dirty="0"/>
-              <a:t>     </a:t>
-            </a:r>
-            <a:r>
-              <a:rPr lang="en-US" sz="1600" dirty="0"/>
-              <a:t>shell&gt; use </a:t>
-            </a:r>
-            <a:r>
-              <a:rPr lang="en-US" sz="1600" dirty="0" err="1"/>
-              <a:t>testdb</a:t>
-            </a:r>
-            <a:r>
-              <a:rPr lang="en-US" sz="1600" dirty="0"/>
-              <a:t>;</a:t>
-            </a:r>
-          </a:p>
-          <a:p>
-            <a:pPr marL="0" indent="0">
-              <a:buNone/>
-            </a:pPr>
-            <a:r>
-              <a:rPr lang="en-US" sz="1600" dirty="0"/>
-              <a:t>   </a:t>
-            </a:r>
-            <a:r>
-              <a:rPr lang="en-US" sz="1600" dirty="0" smtClean="0"/>
-              <a:t>             </a:t>
-            </a:r>
-            <a:r>
-              <a:rPr lang="en-US" sz="1600" dirty="0"/>
-              <a:t>shell&gt; CREATE TABLE </a:t>
-            </a:r>
-            <a:r>
-              <a:rPr lang="en-US" sz="1600" dirty="0" err="1"/>
-              <a:t>tutorials_tbl</a:t>
-            </a:r>
-            <a:r>
-              <a:rPr lang="en-US" sz="1600" dirty="0"/>
-              <a:t>(</a:t>
-            </a:r>
-          </a:p>
-          <a:p>
-            <a:pPr marL="0" indent="0">
-              <a:buNone/>
-            </a:pPr>
-            <a:r>
-              <a:rPr lang="en-US" sz="1600" dirty="0"/>
-              <a:t>                                                            </a:t>
-            </a:r>
-            <a:r>
-              <a:rPr lang="en-US" sz="1600" dirty="0" err="1"/>
-              <a:t>tutorial_id</a:t>
-            </a:r>
-            <a:r>
-              <a:rPr lang="en-US" sz="1600" dirty="0"/>
-              <a:t> INT NOT NULL AUTO_INCREMENT,</a:t>
-            </a:r>
-          </a:p>
-          <a:p>
-            <a:pPr marL="0" indent="0">
-              <a:buNone/>
-            </a:pPr>
-            <a:r>
-              <a:rPr lang="en-US" sz="1600" dirty="0"/>
-              <a:t>                                                             </a:t>
-            </a:r>
-            <a:r>
-              <a:rPr lang="en-US" sz="1600" dirty="0" err="1"/>
-              <a:t>tutorial_title</a:t>
-            </a:r>
-            <a:r>
-              <a:rPr lang="en-US" sz="1600" dirty="0"/>
-              <a:t> VARCHAR(100) NOT NULL,</a:t>
-            </a:r>
-          </a:p>
-          <a:p>
-            <a:pPr marL="0" indent="0">
-              <a:buNone/>
-            </a:pPr>
-            <a:r>
-              <a:rPr lang="en-US" sz="1600" dirty="0"/>
-              <a:t>                                                           </a:t>
-            </a:r>
-            <a:r>
-              <a:rPr lang="en-US" sz="1600" dirty="0" err="1"/>
-              <a:t>tutorial_author</a:t>
-            </a:r>
-            <a:r>
-              <a:rPr lang="en-US" sz="1600" dirty="0"/>
-              <a:t> VARCHAR(40) NOT NULL,</a:t>
-            </a:r>
-          </a:p>
-          <a:p>
-            <a:pPr marL="0" indent="0">
-              <a:buNone/>
-            </a:pPr>
-            <a:r>
-              <a:rPr lang="en-US" sz="1600" dirty="0"/>
-              <a:t> </a:t>
-            </a:r>
-            <a:r>
-              <a:rPr lang="en-US" sz="1600" dirty="0" smtClean="0"/>
-              <a:t>                                                           </a:t>
-            </a:r>
-            <a:r>
-              <a:rPr lang="en-US" sz="1600" dirty="0" err="1" smtClean="0"/>
-              <a:t>tutorial_description</a:t>
-            </a:r>
-            <a:r>
-              <a:rPr lang="en-US" sz="1600" dirty="0" smtClean="0"/>
-              <a:t> VARCHAR(100</a:t>
-            </a:r>
-            <a:r>
-              <a:rPr lang="en-US" sz="1600" dirty="0"/>
-              <a:t>)</a:t>
-            </a:r>
-            <a:r>
-              <a:rPr lang="en-US" dirty="0" smtClean="0"/>
-              <a:t>,</a:t>
-            </a:r>
-            <a:endParaRPr lang="en-US" dirty="0"/>
-          </a:p>
-          <a:p>
-            <a:pPr marL="0" indent="0">
-              <a:buNone/>
-            </a:pPr>
+        <p:spPr>
+          <a:xfrm>
+            <a:off x="628648" y="1014349"/>
+            <a:ext cx="8020115" cy="5143260"/>
+          </a:xfrm>
+        </p:spPr>
+        <p:txBody>
+          <a:bodyPr/>
+          <a:lstStyle/>
+          <a:p>
             <a:r>
               <a:rPr lang="en-US" dirty="0"/>
-              <a:t>                                  </a:t>
-            </a:r>
-            <a:r>
-              <a:rPr lang="en-US" dirty="0" smtClean="0"/>
-              <a:t> </a:t>
-            </a:r>
-            <a:r>
-              <a:rPr lang="en-US" sz="1400" dirty="0"/>
-              <a:t>PRIMARY KEY ( </a:t>
-            </a:r>
-            <a:r>
-              <a:rPr lang="en-US" sz="1400" dirty="0" err="1"/>
-              <a:t>tutorial_id</a:t>
-            </a:r>
-            <a:r>
-              <a:rPr lang="en-US" sz="1400" dirty="0"/>
-              <a:t> ) );</a:t>
-            </a:r>
+              <a:t>You can configure Mockito in maven project just by including the dependency.</a:t>
+            </a:r>
+          </a:p>
+          <a:p>
+            <a:endParaRPr lang="en-US" dirty="0" smtClean="0"/>
+          </a:p>
+          <a:p>
+            <a:endParaRPr lang="en-US" dirty="0"/>
+          </a:p>
+          <a:p>
+            <a:endParaRPr lang="en-US" dirty="0" smtClean="0"/>
+          </a:p>
+          <a:p>
+            <a:r>
+              <a:rPr lang="en-US" dirty="0" smtClean="0"/>
+              <a:t>You can create a mock object either calling a static method or annotating with @Mock</a:t>
+            </a:r>
+            <a:endParaRPr lang="en-US" dirty="0"/>
           </a:p>
         </p:txBody>
       </p:sp>
@@ -7400,9 +7199,9 @@
           <a:bodyPr/>
           <a:lstStyle/>
           <a:p>
-            <a:fld id="{7AC11F0B-9A29-4EBD-B631-6648006CA4E4}" type="datetime1">
-              <a:rPr lang="en-US" smtClean="0"/>
-              <a:t>3/16/2016</a:t>
+            <a:fld id="{C8949D56-DBDD-4CB9-A3EC-4A16FD22C3CB}" type="datetime1">
+              <a:rPr lang="en-US" smtClean="0"/>
+              <a:t>3/24/2016</a:t>
             </a:fld>
             <a:endParaRPr lang="en-US" dirty="0"/>
           </a:p>
@@ -7471,16 +7270,106 @@
           <a:p>
             <a:r>
               <a:rPr lang="en-US" dirty="0" smtClean="0"/>
-              <a:t>Create a table</a:t>
-            </a:r>
-            <a:endParaRPr lang="en-US" dirty="0"/>
-          </a:p>
-        </p:txBody>
-      </p:sp>
+              <a:t>Adding Mockito to the project</a:t>
+            </a:r>
+            <a:endParaRPr lang="en-US" dirty="0"/>
+          </a:p>
+        </p:txBody>
+      </p:sp>
+      <p:pic>
+        <p:nvPicPr>
+          <p:cNvPr id="7" name="Picture 6"/>
+          <p:cNvPicPr>
+            <a:picLocks noChangeAspect="1"/>
+          </p:cNvPicPr>
+          <p:nvPr/>
+        </p:nvPicPr>
+        <p:blipFill>
+          <a:blip r:embed="rId2">
+            <a:extLst>
+              <a:ext uri="{28A0092B-C50C-407E-A947-70E740481C1C}">
+                <a14:useLocalDpi xmlns:a14="http://schemas.microsoft.com/office/drawing/2010/main" val="0"/>
+              </a:ext>
+            </a:extLst>
+          </a:blip>
+          <a:stretch>
+            <a:fillRect/>
+          </a:stretch>
+        </p:blipFill>
+        <p:spPr>
+          <a:xfrm>
+            <a:off x="628648" y="1776550"/>
+            <a:ext cx="7757706" cy="1593668"/>
+          </a:xfrm>
+          <a:prstGeom prst="rect">
+            <a:avLst/>
+          </a:prstGeom>
+        </p:spPr>
+      </p:pic>
+      <p:pic>
+        <p:nvPicPr>
+          <p:cNvPr id="8" name="Picture 7"/>
+          <p:cNvPicPr>
+            <a:picLocks noChangeAspect="1"/>
+          </p:cNvPicPr>
+          <p:nvPr/>
+        </p:nvPicPr>
+        <p:blipFill>
+          <a:blip r:embed="rId3">
+            <a:extLst>
+              <a:ext uri="{28A0092B-C50C-407E-A947-70E740481C1C}">
+                <a14:useLocalDpi xmlns:a14="http://schemas.microsoft.com/office/drawing/2010/main" val="0"/>
+              </a:ext>
+            </a:extLst>
+          </a:blip>
+          <a:stretch>
+            <a:fillRect/>
+          </a:stretch>
+        </p:blipFill>
+        <p:spPr>
+          <a:xfrm>
+            <a:off x="892797" y="4383098"/>
+            <a:ext cx="5372850" cy="495369"/>
+          </a:xfrm>
+          <a:prstGeom prst="rect">
+            <a:avLst/>
+          </a:prstGeom>
+        </p:spPr>
+      </p:pic>
+      <p:pic>
+        <p:nvPicPr>
+          <p:cNvPr id="9" name="Picture 8"/>
+          <p:cNvPicPr>
+            <a:picLocks noChangeAspect="1"/>
+          </p:cNvPicPr>
+          <p:nvPr/>
+        </p:nvPicPr>
+        <p:blipFill>
+          <a:blip r:embed="rId4">
+            <a:extLst>
+              <a:ext uri="{28A0092B-C50C-407E-A947-70E740481C1C}">
+                <a14:useLocalDpi xmlns:a14="http://schemas.microsoft.com/office/drawing/2010/main" val="0"/>
+              </a:ext>
+            </a:extLst>
+          </a:blip>
+          <a:stretch>
+            <a:fillRect/>
+          </a:stretch>
+        </p:blipFill>
+        <p:spPr>
+          <a:xfrm>
+            <a:off x="990307" y="5160800"/>
+            <a:ext cx="6560023" cy="714475"/>
+          </a:xfrm>
+          <a:prstGeom prst="rect">
+            <a:avLst/>
+          </a:prstGeom>
+        </p:spPr>
+      </p:pic>
     </p:spTree>
     <p:extLst>
       <p:ext uri="{BB962C8B-B14F-4D97-AF65-F5344CB8AC3E}">
-        <p14:creationId xmlns:p14="http://schemas.microsoft.com/office/powerpoint/2010/main" val="2244459950"/>
+        <p14:creationId xmlns:p14="http://schemas.microsoft.com/office/powerpoint/2010/main" val="73448108"/>
       </p:ext>
     </p:extLst>
   </p:cSld>
@@ -7522,264 +7411,36 @@
           <a:bodyPr/>
           <a:lstStyle/>
           <a:p>
+            <a:r>
+              <a:rPr lang="en-US" dirty="0" smtClean="0"/>
+              <a:t>Mockito has the ability </a:t>
+            </a:r>
+            <a:r>
+              <a:rPr lang="en-US" dirty="0"/>
+              <a:t>to return a given value when a specific method is </a:t>
+            </a:r>
+            <a:r>
+              <a:rPr lang="en-US" dirty="0" smtClean="0"/>
+              <a:t>called.</a:t>
+            </a:r>
+          </a:p>
+          <a:p>
             <a:pPr marL="0" indent="0">
               <a:buNone/>
             </a:pPr>
-            <a:r>
-              <a:rPr lang="en-US" sz="1100" dirty="0"/>
-              <a:t>INSERT INTO </a:t>
-            </a:r>
-            <a:r>
-              <a:rPr lang="en-US" sz="1100" dirty="0" err="1" smtClean="0"/>
-              <a:t>tutorials_tbl</a:t>
-            </a:r>
-            <a:endParaRPr lang="en-US" sz="1100" dirty="0" smtClean="0"/>
+            <a:endParaRPr lang="en-US" dirty="0" smtClean="0"/>
           </a:p>
           <a:p>
             <a:pPr marL="0" indent="0">
               <a:buNone/>
             </a:pPr>
-            <a:r>
-              <a:rPr lang="en-US" sz="1100" dirty="0" smtClean="0"/>
-              <a:t>    </a:t>
-            </a:r>
-            <a:r>
-              <a:rPr lang="en-US" sz="1100" dirty="0"/>
-              <a:t>(</a:t>
-            </a:r>
-            <a:r>
-              <a:rPr lang="en-US" sz="1100" dirty="0" err="1"/>
-              <a:t>tutorial_title</a:t>
-            </a:r>
-            <a:r>
-              <a:rPr lang="en-US" sz="1100" dirty="0"/>
-              <a:t>, </a:t>
-            </a:r>
-            <a:r>
-              <a:rPr lang="en-US" sz="1100" dirty="0" err="1"/>
-              <a:t>tutorial_author</a:t>
-            </a:r>
-            <a:r>
-              <a:rPr lang="en-US" sz="1100" dirty="0"/>
-              <a:t>, </a:t>
-            </a:r>
-            <a:r>
-              <a:rPr lang="en-US" sz="1100" dirty="0" err="1"/>
-              <a:t>tutorial_description</a:t>
-            </a:r>
-            <a:r>
-              <a:rPr lang="en-US" sz="1100" dirty="0"/>
-              <a:t> )</a:t>
-            </a:r>
-            <a:endParaRPr lang="en-US" sz="1100" dirty="0"/>
+            <a:endParaRPr lang="en-US" dirty="0" smtClean="0"/>
           </a:p>
           <a:p>
             <a:pPr marL="0" indent="0">
               <a:buNone/>
             </a:pPr>
-            <a:r>
-              <a:rPr lang="en-US" sz="1100" dirty="0"/>
-              <a:t>    </a:t>
-            </a:r>
-            <a:r>
-              <a:rPr lang="en-US" sz="1100" dirty="0" smtClean="0"/>
-              <a:t>VALUES   </a:t>
-            </a:r>
-            <a:r>
-              <a:rPr lang="en-US" sz="1100" dirty="0"/>
-              <a:t>("JAVA Tutorial", "Sanjay", </a:t>
-            </a:r>
-            <a:r>
-              <a:rPr lang="en-US" sz="1100" dirty="0" smtClean="0"/>
-              <a:t>“</a:t>
-            </a:r>
-            <a:r>
-              <a:rPr lang="en-US" sz="1100" dirty="0" smtClean="0"/>
-              <a:t>Spring 3.0 Basic example”);</a:t>
-            </a:r>
-            <a:endParaRPr lang="en-US" sz="1100" dirty="0"/>
-          </a:p>
-          <a:p>
-            <a:pPr marL="0" indent="0">
-              <a:buNone/>
-            </a:pPr>
-            <a:r>
-              <a:rPr lang="en-US" sz="1100" dirty="0"/>
-              <a:t>	 </a:t>
-            </a:r>
-            <a:endParaRPr lang="en-US" sz="1100" dirty="0" smtClean="0"/>
-          </a:p>
-          <a:p>
-            <a:pPr marL="0" indent="0">
-              <a:buNone/>
-            </a:pPr>
-            <a:r>
-              <a:rPr lang="en-US" sz="1100" dirty="0" smtClean="0"/>
-              <a:t> </a:t>
-            </a:r>
-            <a:r>
-              <a:rPr lang="en-US" sz="1100" dirty="0"/>
-              <a:t>INSERT INTO </a:t>
-            </a:r>
-            <a:r>
-              <a:rPr lang="en-US" sz="1100" dirty="0" err="1"/>
-              <a:t>tutorials_tbl</a:t>
-            </a:r>
-            <a:endParaRPr lang="en-US" sz="1100" dirty="0"/>
-          </a:p>
-          <a:p>
-            <a:pPr marL="0" indent="0">
-              <a:buNone/>
-            </a:pPr>
-            <a:r>
-              <a:rPr lang="en-US" sz="1100" dirty="0" smtClean="0"/>
-              <a:t>    </a:t>
-            </a:r>
-            <a:r>
-              <a:rPr lang="en-US" sz="1100" dirty="0"/>
-              <a:t>(</a:t>
-            </a:r>
-            <a:r>
-              <a:rPr lang="en-US" sz="1100" dirty="0" err="1"/>
-              <a:t>tutorial_title</a:t>
-            </a:r>
-            <a:r>
-              <a:rPr lang="en-US" sz="1100" dirty="0"/>
-              <a:t>, </a:t>
-            </a:r>
-            <a:r>
-              <a:rPr lang="en-US" sz="1100" dirty="0" err="1"/>
-              <a:t>tutorial_author</a:t>
-            </a:r>
-            <a:r>
-              <a:rPr lang="en-US" sz="1100" dirty="0"/>
-              <a:t>, </a:t>
-            </a:r>
-            <a:r>
-              <a:rPr lang="en-US" sz="1100" dirty="0" err="1"/>
-              <a:t>tutorial_description</a:t>
-            </a:r>
-            <a:r>
-              <a:rPr lang="en-US" sz="1100" dirty="0"/>
-              <a:t> )</a:t>
-            </a:r>
-            <a:endParaRPr lang="en-US" sz="1100" dirty="0"/>
-          </a:p>
-          <a:p>
-            <a:pPr marL="0" indent="0">
-              <a:buNone/>
-            </a:pPr>
-            <a:r>
-              <a:rPr lang="en-US" sz="1100" dirty="0" smtClean="0"/>
-              <a:t>VALUES </a:t>
-            </a:r>
-            <a:r>
-              <a:rPr lang="en-US" sz="1100" dirty="0"/>
-              <a:t>("Learn MySQL", "Abdul S</a:t>
-            </a:r>
-            <a:r>
-              <a:rPr lang="en-US" sz="1100" dirty="0"/>
-              <a:t>", </a:t>
-            </a:r>
-            <a:r>
-              <a:rPr lang="en-US" sz="1100" dirty="0" smtClean="0"/>
-              <a:t>“Spring Security”);</a:t>
-            </a:r>
-            <a:endParaRPr lang="en-US" sz="1100" dirty="0" smtClean="0"/>
-          </a:p>
-          <a:p>
-            <a:pPr marL="0" indent="0">
-              <a:buNone/>
-            </a:pPr>
-            <a:r>
-              <a:rPr lang="en-US" sz="1100" dirty="0"/>
-              <a:t>	 </a:t>
-            </a:r>
-          </a:p>
-          <a:p>
-            <a:pPr marL="0" indent="0">
-              <a:buNone/>
-            </a:pPr>
-            <a:r>
-              <a:rPr lang="en-US" sz="1100" dirty="0" smtClean="0"/>
-              <a:t>INSERT </a:t>
-            </a:r>
-            <a:r>
-              <a:rPr lang="en-US" sz="1100" dirty="0"/>
-              <a:t>INTO </a:t>
-            </a:r>
-            <a:r>
-              <a:rPr lang="en-US" sz="1100" dirty="0" err="1"/>
-              <a:t>tutorials_tbl</a:t>
-            </a:r>
-            <a:r>
-              <a:rPr lang="en-US" sz="1100" dirty="0"/>
-              <a:t> </a:t>
-            </a:r>
-          </a:p>
-          <a:p>
-            <a:pPr marL="0" indent="0">
-              <a:buNone/>
-            </a:pPr>
-            <a:r>
-              <a:rPr lang="en-US" sz="1100" dirty="0" smtClean="0"/>
-              <a:t>(</a:t>
-            </a:r>
-            <a:r>
-              <a:rPr lang="en-US" sz="1100" dirty="0" err="1"/>
-              <a:t>tutorial_title</a:t>
-            </a:r>
-            <a:r>
-              <a:rPr lang="en-US" sz="1100" dirty="0"/>
-              <a:t>, </a:t>
-            </a:r>
-            <a:r>
-              <a:rPr lang="en-US" sz="1100" dirty="0" err="1"/>
-              <a:t>tutorial_author</a:t>
-            </a:r>
-            <a:r>
-              <a:rPr lang="en-US" sz="1100" dirty="0"/>
-              <a:t>, </a:t>
-            </a:r>
-            <a:r>
-              <a:rPr lang="en-US" sz="1100" dirty="0" err="1"/>
-              <a:t>tutorial_description</a:t>
-            </a:r>
-            <a:r>
-              <a:rPr lang="en-US" sz="1100" dirty="0"/>
-              <a:t> )</a:t>
-            </a:r>
-            <a:endParaRPr lang="en-US" sz="1100" dirty="0"/>
-          </a:p>
-          <a:p>
-            <a:pPr marL="0" indent="0">
-              <a:buNone/>
-            </a:pPr>
-            <a:r>
-              <a:rPr lang="en-US" sz="1100" dirty="0" smtClean="0"/>
-              <a:t>    VALUES </a:t>
-            </a:r>
-            <a:r>
-              <a:rPr lang="en-US" sz="1100" dirty="0"/>
-              <a:t>("Learn PHP", "John </a:t>
-            </a:r>
-            <a:r>
-              <a:rPr lang="en-US" sz="1100" dirty="0" err="1"/>
-              <a:t>Poul</a:t>
-            </a:r>
-            <a:r>
-              <a:rPr lang="en-US" sz="1100" dirty="0"/>
-              <a:t>", </a:t>
-            </a:r>
-            <a:r>
-              <a:rPr lang="en-US" sz="1100" dirty="0" smtClean="0"/>
-              <a:t>“</a:t>
-            </a:r>
-            <a:r>
-              <a:rPr lang="en-US" sz="1100" dirty="0" smtClean="0"/>
-              <a:t>Spring by example”); </a:t>
-            </a:r>
-            <a:endParaRPr lang="en-US" sz="1100" dirty="0"/>
+            <a:endParaRPr lang="en-US" dirty="0"/>
           </a:p>
         </p:txBody>
       </p:sp>
@@ -7798,9 +7459,9 @@
           <a:bodyPr/>
           <a:lstStyle/>
           <a:p>
-            <a:fld id="{7AC11F0B-9A29-4EBD-B631-6648006CA4E4}" type="datetime1">
-              <a:rPr lang="en-US" smtClean="0"/>
-              <a:t>3/16/2016</a:t>
+            <a:fld id="{C8949D56-DBDD-4CB9-A3EC-4A16FD22C3CB}" type="datetime1">
+              <a:rPr lang="en-US" smtClean="0"/>
+              <a:t>3/24/2016</a:t>
             </a:fld>
             <a:endParaRPr lang="en-US" dirty="0"/>
           </a:p>
@@ -7869,16 +7530,173 @@
           <a:p>
             <a:r>
               <a:rPr lang="en-US" dirty="0" smtClean="0"/>
-              <a:t>Inserting data in the table</a:t>
-            </a:r>
-            <a:endParaRPr lang="en-US" dirty="0"/>
-          </a:p>
-        </p:txBody>
-      </p:sp>
+              <a:t>Stubbing Method’s return value</a:t>
+            </a:r>
+            <a:endParaRPr lang="en-US" dirty="0"/>
+          </a:p>
+        </p:txBody>
+      </p:sp>
+      <p:sp>
+        <p:nvSpPr>
+          <p:cNvPr id="8" name="Rectangle 1"/>
+          <p:cNvSpPr>
+            <a:spLocks noChangeArrowheads="1"/>
+          </p:cNvSpPr>
+          <p:nvPr/>
+        </p:nvSpPr>
+        <p:spPr bwMode="auto">
+          <a:xfrm>
+            <a:off x="1894114" y="2162817"/>
+            <a:ext cx="6853953" cy="369332"/>
+          </a:xfrm>
+          <a:prstGeom prst="rect">
+            <a:avLst/>
+          </a:prstGeom>
+          <a:noFill/>
+          <a:ln>
+            <a:noFill/>
+          </a:ln>
+          <a:effectLst/>
+          <a:extLst>
+            <a:ext uri="{909E8E84-426E-40DD-AFC4-6F175D3DCCD1}">
+              <a14:hiddenFill xmlns:a14="http://schemas.microsoft.com/office/drawing/2010/main">
+                <a:solidFill>
+                  <a:schemeClr val="accent1"/>
+                </a:solidFill>
+              </a14:hiddenFill>
+            </a:ext>
+            <a:ext uri="{91240B29-F687-4F45-9708-019B960494DF}">
+              <a14:hiddenLine xmlns:a14="http://schemas.microsoft.com/office/drawing/2010/main" w="9525">
+                <a:solidFill>
+                  <a:schemeClr val="tx1"/>
+                </a:solidFill>
+                <a:miter lim="800000"/>
+                <a:headEnd/>
+                <a:tailEnd/>
+              </a14:hiddenLine>
+            </a:ext>
+            <a:ext uri="{AF507438-7753-43E0-B8FC-AC1667EBCBE1}">
+              <a14:hiddenEffects xmlns:a14="http://schemas.microsoft.com/office/drawing/2010/main">
+                <a:effectLst>
+                  <a:outerShdw dist="35921" dir="2700000" algn="ctr" rotWithShape="0">
+                    <a:schemeClr val="bg2"/>
+                  </a:outerShdw>
+                </a:effectLst>
+              </a14:hiddenEffects>
+            </a:ext>
+          </a:extLst>
+        </p:spPr>
+        <p:txBody>
+          <a:bodyPr vert="horz" wrap="square" lIns="91440" tIns="45720" rIns="91440" bIns="45720" numCol="1" anchor="ctr" anchorCtr="0" compatLnSpc="1">
+            <a:prstTxWarp prst="textNoShape">
+              <a:avLst/>
+            </a:prstTxWarp>
+            <a:spAutoFit/>
+          </a:bodyPr>
+          <a:lstStyle/>
+          <a:p>
+            <a:pPr marL="0" marR="0" lvl="0" indent="0" algn="l" defTabSz="914400" rtl="0" eaLnBrk="0" fontAlgn="base" latinLnBrk="0" hangingPunct="0">
+              <a:lnSpc>
+                <a:spcPct val="100000"/>
+              </a:lnSpc>
+              <a:spcBef>
+                <a:spcPct val="0"/>
+              </a:spcBef>
+              <a:spcAft>
+                <a:spcPct val="0"/>
+              </a:spcAft>
+              <a:buClrTx/>
+              <a:buSzTx/>
+              <a:buFontTx/>
+              <a:buNone/>
+              <a:tabLst/>
+            </a:pPr>
+            <a:r>
+              <a:rPr kumimoji="0" lang="en-US" altLang="en-US" b="0" i="0" u="none" strike="noStrike" cap="none" normalizeH="0" baseline="0" dirty="0" smtClean="0">
+                <a:ln>
+                  <a:noFill/>
+                </a:ln>
+                <a:solidFill>
+                  <a:schemeClr val="tx1"/>
+                </a:solidFill>
+                <a:effectLst/>
+                <a:latin typeface="Arial Unicode MS"/>
+              </a:rPr>
+              <a:t>when(....).</a:t>
+            </a:r>
+            <a:r>
+              <a:rPr kumimoji="0" lang="en-US" altLang="en-US" b="0" i="0" u="none" strike="noStrike" cap="none" normalizeH="0" baseline="0" dirty="0" err="1" smtClean="0">
+                <a:ln>
+                  <a:noFill/>
+                </a:ln>
+                <a:solidFill>
+                  <a:schemeClr val="tx1"/>
+                </a:solidFill>
+                <a:effectLst/>
+                <a:latin typeface="Arial Unicode MS"/>
+              </a:rPr>
+              <a:t>thenReturn</a:t>
+            </a:r>
+            <a:r>
+              <a:rPr kumimoji="0" lang="en-US" altLang="en-US" b="0" i="0" u="none" strike="noStrike" cap="none" normalizeH="0" baseline="0" dirty="0" smtClean="0">
+                <a:ln>
+                  <a:noFill/>
+                </a:ln>
+                <a:solidFill>
+                  <a:schemeClr val="tx1"/>
+                </a:solidFill>
+                <a:effectLst/>
+                <a:latin typeface="Arial Unicode MS"/>
+              </a:rPr>
+              <a:t>(....)</a:t>
+            </a:r>
+            <a:endParaRPr kumimoji="0" lang="en-US" altLang="en-US" sz="1800" b="0" i="0" u="none" strike="noStrike" cap="none" normalizeH="0" baseline="0" dirty="0" smtClean="0">
+              <a:ln>
+                <a:noFill/>
+              </a:ln>
+              <a:solidFill>
+                <a:schemeClr val="tx1"/>
+              </a:solidFill>
+              <a:effectLst/>
+              <a:latin typeface="Arial" panose="020B0604020202020204" pitchFamily="34" charset="0"/>
+            </a:endParaRPr>
+          </a:p>
+        </p:txBody>
+      </p:sp>
+      <p:pic>
+        <p:nvPicPr>
+          <p:cNvPr id="10" name="Picture 9"/>
+          <p:cNvPicPr>
+            <a:picLocks noChangeAspect="1"/>
+          </p:cNvPicPr>
+          <p:nvPr/>
+        </p:nvPicPr>
+        <p:blipFill>
+          <a:blip r:embed="rId2">
+            <a:extLst>
+              <a:ext uri="{28A0092B-C50C-407E-A947-70E740481C1C}">
+                <a14:useLocalDpi xmlns:a14="http://schemas.microsoft.com/office/drawing/2010/main" val="0"/>
+              </a:ext>
+            </a:extLst>
+          </a:blip>
+          <a:stretch>
+            <a:fillRect/>
+          </a:stretch>
+        </p:blipFill>
+        <p:spPr>
+          <a:xfrm>
+            <a:off x="628649" y="2625154"/>
+            <a:ext cx="7886702" cy="3174756"/>
+          </a:xfrm>
+          <a:prstGeom prst="rect">
+            <a:avLst/>
+          </a:prstGeom>
+        </p:spPr>
+      </p:pic>
     </p:spTree>
     <p:extLst>
       <p:ext uri="{BB962C8B-B14F-4D97-AF65-F5344CB8AC3E}">
-        <p14:creationId xmlns:p14="http://schemas.microsoft.com/office/powerpoint/2010/main" val="2585444857"/>
+        <p14:creationId xmlns:p14="http://schemas.microsoft.com/office/powerpoint/2010/main" val="1755304987"/>
       </p:ext>
     </p:extLst>
   </p:cSld>
@@ -7915,82 +7733,64 @@
             <p:ph idx="1"/>
           </p:nvPr>
         </p:nvSpPr>
-        <p:spPr/>
-        <p:txBody>
-          <a:bodyPr/>
-          <a:lstStyle/>
-          <a:p>
-            <a:r>
-              <a:rPr lang="en-US" sz="2400" dirty="0" smtClean="0"/>
-              <a:t>Spring JDBC is the central </a:t>
-            </a:r>
-            <a:r>
-              <a:rPr lang="en-US" sz="2400" dirty="0"/>
-              <a:t>framework class that manages all the database communication and exception </a:t>
-            </a:r>
-            <a:r>
-              <a:rPr lang="en-US" sz="2400" dirty="0" smtClean="0"/>
-              <a:t>handling</a:t>
-            </a:r>
-          </a:p>
-          <a:p>
-            <a:r>
-              <a:rPr lang="en-US" sz="2400" dirty="0" err="1"/>
-              <a:t>JdbcTemplate</a:t>
-            </a:r>
-            <a:r>
-              <a:rPr lang="en-US" sz="2400" dirty="0"/>
-              <a:t> class executes SQL queries, update statements and stored procedure calls, performs iteration over </a:t>
-            </a:r>
-            <a:r>
-              <a:rPr lang="en-US" sz="2400" dirty="0" err="1"/>
-              <a:t>ResultSets</a:t>
-            </a:r>
-            <a:r>
-              <a:rPr lang="en-US" sz="2400" dirty="0"/>
-              <a:t> and extraction of returned parameter </a:t>
-            </a:r>
-            <a:r>
-              <a:rPr lang="en-US" sz="2400" dirty="0" smtClean="0"/>
-              <a:t>values.</a:t>
-            </a:r>
-          </a:p>
-          <a:p>
-            <a:endParaRPr lang="en-US" sz="2400" dirty="0"/>
-          </a:p>
-          <a:p>
-            <a:r>
-              <a:rPr lang="en-US" sz="2400" dirty="0" smtClean="0"/>
-              <a:t>Instances </a:t>
-            </a:r>
-            <a:r>
-              <a:rPr lang="en-US" sz="2400" dirty="0"/>
-              <a:t>of the </a:t>
-            </a:r>
-            <a:r>
-              <a:rPr lang="en-US" sz="2400" i="1" dirty="0" err="1"/>
-              <a:t>JdbcTemplate</a:t>
-            </a:r>
-            <a:r>
-              <a:rPr lang="en-US" sz="2400" dirty="0"/>
-              <a:t> class are </a:t>
-            </a:r>
-            <a:r>
-              <a:rPr lang="en-US" sz="2400" i="1" dirty="0" err="1"/>
-              <a:t>threadsafe</a:t>
-            </a:r>
-            <a:r>
-              <a:rPr lang="en-US" sz="2400" dirty="0"/>
-              <a:t> once configured. So you can configure a single instance of a </a:t>
-            </a:r>
-            <a:r>
-              <a:rPr lang="en-US" sz="2400" i="1" dirty="0" err="1"/>
-              <a:t>JdbcTemplate</a:t>
-            </a:r>
-            <a:r>
-              <a:rPr lang="en-US" sz="2400" dirty="0"/>
-              <a:t> and then safely inject this shared reference into multiple DAOs</a:t>
-            </a:r>
+        <p:spPr>
+          <a:xfrm>
+            <a:off x="628648" y="901337"/>
+            <a:ext cx="8020115" cy="5256272"/>
+          </a:xfrm>
+        </p:spPr>
+        <p:txBody>
+          <a:bodyPr/>
+          <a:lstStyle/>
+          <a:p>
+            <a:r>
+              <a:rPr lang="en-US" dirty="0"/>
+              <a:t>Mocks can </a:t>
+            </a:r>
+            <a:r>
+              <a:rPr lang="en-US" dirty="0" smtClean="0"/>
+              <a:t>return </a:t>
+            </a:r>
+            <a:r>
+              <a:rPr lang="en-US" dirty="0"/>
+              <a:t>different values depending on arguments passed into a </a:t>
+            </a:r>
+            <a:r>
+              <a:rPr lang="en-US" dirty="0" smtClean="0"/>
+              <a:t>method.</a:t>
+            </a:r>
+          </a:p>
+          <a:p>
+            <a:r>
+              <a:rPr lang="en-US" dirty="0" smtClean="0"/>
+              <a:t>You can use </a:t>
+            </a:r>
+            <a:r>
+              <a:rPr lang="en-US" dirty="0" err="1" smtClean="0"/>
+              <a:t>Mockito’s</a:t>
+            </a:r>
+            <a:r>
+              <a:rPr lang="en-US" dirty="0" smtClean="0"/>
+              <a:t> </a:t>
+            </a:r>
+            <a:r>
+              <a:rPr lang="en-US" dirty="0"/>
+              <a:t>several methods to define that independent of the input value a certain return value should be returned</a:t>
+            </a:r>
+            <a:r>
+              <a:rPr lang="en-US" dirty="0" smtClean="0"/>
+              <a:t>.</a:t>
+            </a:r>
+          </a:p>
+          <a:p>
+            <a:pPr marL="0" indent="0">
+              <a:buNone/>
+            </a:pPr>
+            <a:r>
+              <a:rPr lang="en-US" dirty="0" smtClean="0"/>
+              <a:t> </a:t>
+            </a:r>
+            <a:endParaRPr lang="en-US" dirty="0"/>
           </a:p>
         </p:txBody>
       </p:sp>
@@ -8009,9 +7809,9 @@
           <a:bodyPr/>
           <a:lstStyle/>
           <a:p>
-            <a:fld id="{7AC11F0B-9A29-4EBD-B631-6648006CA4E4}" type="datetime1">
-              <a:rPr lang="en-US" smtClean="0"/>
-              <a:t>3/16/2016</a:t>
+            <a:fld id="{C8949D56-DBDD-4CB9-A3EC-4A16FD22C3CB}" type="datetime1">
+              <a:rPr lang="en-US" smtClean="0"/>
+              <a:t>3/24/2016</a:t>
             </a:fld>
             <a:endParaRPr lang="en-US" dirty="0"/>
           </a:p>
@@ -8080,16 +7880,46 @@
           <a:p>
             <a:r>
               <a:rPr lang="en-US" dirty="0" smtClean="0"/>
-              <a:t>Spring JDBC</a:t>
-            </a:r>
-            <a:endParaRPr lang="en-US" dirty="0"/>
-          </a:p>
-        </p:txBody>
-      </p:sp>
+              <a:t>Argument Matching</a:t>
+            </a:r>
+            <a:endParaRPr lang="en-US" dirty="0"/>
+          </a:p>
+        </p:txBody>
+      </p:sp>
+      <p:pic>
+        <p:nvPicPr>
+          <p:cNvPr id="7" name="Picture 6"/>
+          <p:cNvPicPr>
+            <a:picLocks noChangeAspect="1"/>
+          </p:cNvPicPr>
+          <p:nvPr/>
+        </p:nvPicPr>
+        <p:blipFill>
+          <a:blip r:embed="rId2">
+            <a:extLst>
+              <a:ext uri="{28A0092B-C50C-407E-A947-70E740481C1C}">
+                <a14:useLocalDpi xmlns:a14="http://schemas.microsoft.com/office/drawing/2010/main" val="0"/>
+              </a:ext>
+            </a:extLst>
+          </a:blip>
+          <a:stretch>
+            <a:fillRect/>
+          </a:stretch>
+        </p:blipFill>
+        <p:spPr>
+          <a:xfrm>
+            <a:off x="779883" y="2984544"/>
+            <a:ext cx="8364117" cy="3494633"/>
+          </a:xfrm>
+          <a:prstGeom prst="rect">
+            <a:avLst/>
+          </a:prstGeom>
+        </p:spPr>
+      </p:pic>
     </p:spTree>
     <p:extLst>
       <p:ext uri="{BB962C8B-B14F-4D97-AF65-F5344CB8AC3E}">
-        <p14:creationId xmlns:p14="http://schemas.microsoft.com/office/powerpoint/2010/main" val="2012471350"/>
+        <p14:creationId xmlns:p14="http://schemas.microsoft.com/office/powerpoint/2010/main" val="1777507861"/>
       </p:ext>
     </p:extLst>
   </p:cSld>
@@ -8193,7 +8023,7 @@
           <a:p>
             <a:fld id="{7AC11F0B-9A29-4EBD-B631-6648006CA4E4}" type="datetime1">
               <a:rPr lang="en-US" smtClean="0"/>
-              <a:t>3/16/2016</a:t>
+              <a:t>3/24/2016</a:t>
             </a:fld>
             <a:endParaRPr lang="en-US" dirty="0"/>
           </a:p>
@@ -8293,6 +8123,47 @@
       </p:grpSpPr>
       <p:sp>
         <p:nvSpPr>
+          <p:cNvPr id="2" name="Content Placeholder 1"/>
+          <p:cNvSpPr>
+            <a:spLocks noGrp="1"/>
+          </p:cNvSpPr>
+          <p:nvPr>
+            <p:ph idx="1"/>
+          </p:nvPr>
+        </p:nvSpPr>
+        <p:spPr/>
+        <p:txBody>
+          <a:bodyPr/>
+          <a:lstStyle/>
+          <a:p>
+            <a:r>
+              <a:rPr lang="en-US" dirty="0" smtClean="0"/>
+              <a:t>To verify </a:t>
+            </a:r>
+            <a:r>
+              <a:rPr lang="en-US" dirty="0"/>
+              <a:t>that the specified conditions </a:t>
+            </a:r>
+            <a:r>
+              <a:rPr lang="en-US" dirty="0" smtClean="0"/>
+              <a:t>were met Mockito uses </a:t>
+            </a:r>
+            <a:r>
+              <a:rPr lang="en-US" i="1" dirty="0" smtClean="0"/>
+              <a:t>verify</a:t>
+            </a:r>
+            <a:r>
+              <a:rPr lang="en-US" dirty="0" smtClean="0"/>
+              <a:t> method.(Behavior testing)</a:t>
+            </a:r>
+          </a:p>
+          <a:p>
+            <a:endParaRPr lang="en-US" dirty="0"/>
+          </a:p>
+        </p:txBody>
+      </p:sp>
+      <p:sp>
+        <p:nvSpPr>
           <p:cNvPr id="3" name="Date Placeholder 2"/>
           <p:cNvSpPr>
             <a:spLocks noGrp="1"/>
@@ -8306,9 +8177,334 @@
           <a:bodyPr/>
           <a:lstStyle/>
           <a:p>
+            <a:fld id="{C8949D56-DBDD-4CB9-A3EC-4A16FD22C3CB}" type="datetime1">
+              <a:rPr lang="en-US" smtClean="0"/>
+              <a:t>3/24/2016</a:t>
+            </a:fld>
+            <a:endParaRPr lang="en-US" dirty="0"/>
+          </a:p>
+        </p:txBody>
+      </p:sp>
+      <p:sp>
+        <p:nvSpPr>
+          <p:cNvPr id="4" name="Footer Placeholder 3"/>
+          <p:cNvSpPr>
+            <a:spLocks noGrp="1"/>
+          </p:cNvSpPr>
+          <p:nvPr>
+            <p:ph type="ftr" sz="quarter" idx="11"/>
+          </p:nvPr>
+        </p:nvSpPr>
+        <p:spPr/>
+        <p:txBody>
+          <a:bodyPr/>
+          <a:lstStyle/>
+          <a:p>
+            <a:r>
+              <a:rPr lang="en-US" smtClean="0"/>
+              <a:t>All rights reserved by Five 9 Group, Inc.</a:t>
+            </a:r>
+            <a:endParaRPr lang="en-US" dirty="0"/>
+          </a:p>
+        </p:txBody>
+      </p:sp>
+      <p:sp>
+        <p:nvSpPr>
+          <p:cNvPr id="5" name="Slide Number Placeholder 4"/>
+          <p:cNvSpPr>
+            <a:spLocks noGrp="1"/>
+          </p:cNvSpPr>
+          <p:nvPr>
+            <p:ph type="sldNum" sz="quarter" idx="12"/>
+          </p:nvPr>
+        </p:nvSpPr>
+        <p:spPr/>
+        <p:txBody>
+          <a:bodyPr/>
+          <a:lstStyle/>
+          <a:p>
+            <a:fld id="{125AF1D8-B0AE-4E77-AA99-EC861FD2EC07}" type="slidenum">
+              <a:rPr lang="en-US" smtClean="0"/>
+              <a:t>29</a:t>
+            </a:fld>
+            <a:endParaRPr lang="en-US"/>
+          </a:p>
+        </p:txBody>
+      </p:sp>
+      <p:sp>
+        <p:nvSpPr>
+          <p:cNvPr id="6" name="Title 5"/>
+          <p:cNvSpPr>
+            <a:spLocks noGrp="1"/>
+          </p:cNvSpPr>
+          <p:nvPr>
+            <p:ph type="title"/>
+          </p:nvPr>
+        </p:nvSpPr>
+        <p:spPr/>
+        <p:txBody>
+          <a:bodyPr/>
+          <a:lstStyle/>
+          <a:p>
+            <a:r>
+              <a:rPr lang="en-US" dirty="0" smtClean="0"/>
+              <a:t>Verifying Behavior</a:t>
+            </a:r>
+            <a:endParaRPr lang="en-US" dirty="0"/>
+          </a:p>
+        </p:txBody>
+      </p:sp>
+      <p:pic>
+        <p:nvPicPr>
+          <p:cNvPr id="7" name="Picture 6"/>
+          <p:cNvPicPr>
+            <a:picLocks noChangeAspect="1"/>
+          </p:cNvPicPr>
+          <p:nvPr/>
+        </p:nvPicPr>
+        <p:blipFill>
+          <a:blip r:embed="rId2">
+            <a:extLst>
+              <a:ext uri="{28A0092B-C50C-407E-A947-70E740481C1C}">
+                <a14:useLocalDpi xmlns:a14="http://schemas.microsoft.com/office/drawing/2010/main" val="0"/>
+              </a:ext>
+            </a:extLst>
+          </a:blip>
+          <a:stretch>
+            <a:fillRect/>
+          </a:stretch>
+        </p:blipFill>
+        <p:spPr>
+          <a:xfrm>
+            <a:off x="628648" y="2573383"/>
+            <a:ext cx="8373644" cy="3279573"/>
+          </a:xfrm>
+          <a:prstGeom prst="rect">
+            <a:avLst/>
+          </a:prstGeom>
+        </p:spPr>
+      </p:pic>
+    </p:spTree>
+    <p:extLst>
+      <p:ext uri="{BB962C8B-B14F-4D97-AF65-F5344CB8AC3E}">
+        <p14:creationId xmlns:p14="http://schemas.microsoft.com/office/powerpoint/2010/main" val="1497950"/>
+      </p:ext>
+    </p:extLst>
+  </p:cSld>
+  <p:clrMapOvr>
+    <a:masterClrMapping/>
+  </p:clrMapOvr>
+</p:sld>
+</file>
+
+<file path=ppt/slides/slide31.xml><?xml version="1.0" encoding="utf-8"?>
+<p:sld xmlns:a="http://schemas.openxmlformats.org/drawingml/2006/main" xmlns:r="http://schemas.openxmlformats.org/officeDocument/2006/relationships" xmlns:p="http://schemas.openxmlformats.org/presentationml/2006/main">
+  <p:cSld>
+    <p:spTree>
+      <p:nvGrpSpPr>
+        <p:cNvPr id="1" name=""/>
+        <p:cNvGrpSpPr/>
+        <p:nvPr/>
+      </p:nvGrpSpPr>
+      <p:grpSpPr>
+        <a:xfrm>
+          <a:off x="0" y="0"/>
+          <a:ext cx="0" cy="0"/>
+          <a:chOff x="0" y="0"/>
+          <a:chExt cx="0" cy="0"/>
+        </a:xfrm>
+      </p:grpSpPr>
+      <p:sp>
+        <p:nvSpPr>
+          <p:cNvPr id="5" name="Content Placeholder 4"/>
+          <p:cNvSpPr>
+            <a:spLocks noGrp="1"/>
+          </p:cNvSpPr>
+          <p:nvPr>
+            <p:ph idx="1"/>
+          </p:nvPr>
+        </p:nvSpPr>
+        <p:spPr/>
+        <p:txBody>
+          <a:bodyPr/>
+          <a:lstStyle/>
+          <a:p>
+            <a:r>
+              <a:rPr lang="en-US" sz="2000" dirty="0" smtClean="0"/>
+              <a:t>In the springBasics project there is a package com.five9group.mockito.</a:t>
+            </a:r>
+          </a:p>
+          <a:p>
+            <a:r>
+              <a:rPr lang="en-US" sz="2000" dirty="0" smtClean="0"/>
+              <a:t>Write a test for the car class under the package; such that if the revolutions per minute (RPM) &gt; 6000. Slow down ! Warning is printed.</a:t>
+            </a:r>
+          </a:p>
+          <a:p>
+            <a:endParaRPr lang="en-US" dirty="0"/>
+          </a:p>
+        </p:txBody>
+      </p:sp>
+      <p:sp>
+        <p:nvSpPr>
+          <p:cNvPr id="4" name="Title 3"/>
+          <p:cNvSpPr>
+            <a:spLocks noGrp="1"/>
+          </p:cNvSpPr>
+          <p:nvPr>
+            <p:ph type="title"/>
+          </p:nvPr>
+        </p:nvSpPr>
+        <p:spPr/>
+        <p:txBody>
+          <a:bodyPr/>
+          <a:lstStyle/>
+          <a:p>
+            <a:r>
+              <a:rPr lang="en-US" dirty="0" smtClean="0"/>
+              <a:t>Try it yourself…….</a:t>
+            </a:r>
+            <a:endParaRPr lang="en-US" dirty="0"/>
+          </a:p>
+        </p:txBody>
+      </p:sp>
+      <p:pic>
+        <p:nvPicPr>
+          <p:cNvPr id="6" name="Picture 5"/>
+          <p:cNvPicPr>
+            <a:picLocks noChangeAspect="1"/>
+          </p:cNvPicPr>
+          <p:nvPr/>
+        </p:nvPicPr>
+        <p:blipFill>
+          <a:blip r:embed="rId2">
+            <a:extLst>
+              <a:ext uri="{28A0092B-C50C-407E-A947-70E740481C1C}">
+                <a14:useLocalDpi xmlns:a14="http://schemas.microsoft.com/office/drawing/2010/main" val="0"/>
+              </a:ext>
+            </a:extLst>
+          </a:blip>
+          <a:stretch>
+            <a:fillRect/>
+          </a:stretch>
+        </p:blipFill>
+        <p:spPr>
+          <a:xfrm>
+            <a:off x="731520" y="2860766"/>
+            <a:ext cx="7289074" cy="2939645"/>
+          </a:xfrm>
+          <a:prstGeom prst="rect">
+            <a:avLst/>
+          </a:prstGeom>
+        </p:spPr>
+      </p:pic>
+    </p:spTree>
+    <p:extLst>
+      <p:ext uri="{BB962C8B-B14F-4D97-AF65-F5344CB8AC3E}">
+        <p14:creationId xmlns:p14="http://schemas.microsoft.com/office/powerpoint/2010/main" val="485842879"/>
+      </p:ext>
+    </p:extLst>
+  </p:cSld>
+  <p:clrMapOvr>
+    <a:masterClrMapping/>
+  </p:clrMapOvr>
+</p:sld>
+</file>
+
+<file path=ppt/slides/slide32.xml><?xml version="1.0" encoding="utf-8"?>
+<p:sld xmlns:a="http://schemas.openxmlformats.org/drawingml/2006/main" xmlns:r="http://schemas.openxmlformats.org/officeDocument/2006/relationships" xmlns:p="http://schemas.openxmlformats.org/presentationml/2006/main">
+  <p:cSld>
+    <p:spTree>
+      <p:nvGrpSpPr>
+        <p:cNvPr id="1" name=""/>
+        <p:cNvGrpSpPr/>
+        <p:nvPr/>
+      </p:nvGrpSpPr>
+      <p:grpSpPr>
+        <a:xfrm>
+          <a:off x="0" y="0"/>
+          <a:ext cx="0" cy="0"/>
+          <a:chOff x="0" y="0"/>
+          <a:chExt cx="0" cy="0"/>
+        </a:xfrm>
+      </p:grpSpPr>
+      <p:sp>
+        <p:nvSpPr>
+          <p:cNvPr id="7" name="Title 6"/>
+          <p:cNvSpPr>
+            <a:spLocks noGrp="1"/>
+          </p:cNvSpPr>
+          <p:nvPr>
+            <p:ph type="title"/>
+          </p:nvPr>
+        </p:nvSpPr>
+        <p:spPr>
+          <a:xfrm>
+            <a:off x="587828" y="3127248"/>
+            <a:ext cx="8556171" cy="1311128"/>
+          </a:xfrm>
+        </p:spPr>
+        <p:txBody>
+          <a:bodyPr/>
+          <a:lstStyle/>
+          <a:p>
+            <a:r>
+              <a:rPr lang="en-US" dirty="0"/>
+              <a:t>Data Access with Spring JDBC Template</a:t>
+            </a:r>
+          </a:p>
+        </p:txBody>
+      </p:sp>
+      <p:sp>
+        <p:nvSpPr>
+          <p:cNvPr id="8" name="Text Placeholder 7"/>
+          <p:cNvSpPr>
+            <a:spLocks noGrp="1"/>
+          </p:cNvSpPr>
+          <p:nvPr>
+            <p:ph type="body" sz="quarter" idx="11"/>
+          </p:nvPr>
+        </p:nvSpPr>
+        <p:spPr>
+          <a:xfrm>
+            <a:off x="768095" y="4323806"/>
+            <a:ext cx="6225836" cy="653143"/>
+          </a:xfrm>
+        </p:spPr>
+        <p:txBody>
+          <a:bodyPr/>
+          <a:lstStyle/>
+          <a:p>
+            <a:endParaRPr lang="en-US" dirty="0"/>
+          </a:p>
+        </p:txBody>
+      </p:sp>
+      <p:sp>
+        <p:nvSpPr>
+          <p:cNvPr id="3" name="Date Placeholder 2"/>
+          <p:cNvSpPr>
+            <a:spLocks noGrp="1"/>
+          </p:cNvSpPr>
+          <p:nvPr>
+            <p:ph type="dt" sz="half" idx="4294967295"/>
+          </p:nvPr>
+        </p:nvSpPr>
+        <p:spPr>
+          <a:xfrm>
+            <a:off x="0" y="6356350"/>
+            <a:ext cx="2057400" cy="365125"/>
+          </a:xfrm>
+          <a:prstGeom prst="rect">
+            <a:avLst/>
+          </a:prstGeom>
+        </p:spPr>
+        <p:txBody>
+          <a:bodyPr/>
+          <a:lstStyle/>
+          <a:p>
             <a:fld id="{7AC11F0B-9A29-4EBD-B631-6648006CA4E4}" type="datetime1">
               <a:rPr lang="en-US" smtClean="0"/>
-              <a:t>3/16/2016</a:t>
+              <a:t>3/24/2016</a:t>
             </a:fld>
             <a:endParaRPr lang="en-US" dirty="0"/>
           </a:p>
@@ -8321,6 +8517,374 @@
             <a:spLocks noGrp="1"/>
           </p:cNvSpPr>
           <p:nvPr>
+            <p:ph type="ftr" sz="quarter" idx="4294967295"/>
+          </p:nvPr>
+        </p:nvSpPr>
+        <p:spPr>
+          <a:xfrm>
+            <a:off x="-1" y="5826034"/>
+            <a:ext cx="3735977" cy="895441"/>
+          </a:xfrm>
+          <a:prstGeom prst="rect">
+            <a:avLst/>
+          </a:prstGeom>
+        </p:spPr>
+        <p:txBody>
+          <a:bodyPr/>
+          <a:lstStyle/>
+          <a:p>
+            <a:r>
+              <a:rPr lang="en-US" dirty="0" smtClean="0"/>
+              <a:t>All rights reserved by Five 9 Group, Inc.</a:t>
+            </a:r>
+            <a:endParaRPr lang="en-US" dirty="0"/>
+          </a:p>
+        </p:txBody>
+      </p:sp>
+      <p:sp>
+        <p:nvSpPr>
+          <p:cNvPr id="5" name="Slide Number Placeholder 4"/>
+          <p:cNvSpPr>
+            <a:spLocks noGrp="1"/>
+          </p:cNvSpPr>
+          <p:nvPr>
+            <p:ph type="sldNum" sz="quarter" idx="4294967295"/>
+          </p:nvPr>
+        </p:nvSpPr>
+        <p:spPr>
+          <a:xfrm>
+            <a:off x="7086600" y="6356350"/>
+            <a:ext cx="2057400" cy="365125"/>
+          </a:xfrm>
+          <a:prstGeom prst="rect">
+            <a:avLst/>
+          </a:prstGeom>
+        </p:spPr>
+        <p:txBody>
+          <a:bodyPr/>
+          <a:lstStyle/>
+          <a:p>
+            <a:fld id="{125AF1D8-B0AE-4E77-AA99-EC861FD2EC07}" type="slidenum">
+              <a:rPr lang="en-US" smtClean="0"/>
+              <a:t>31</a:t>
+            </a:fld>
+            <a:endParaRPr lang="en-US"/>
+          </a:p>
+        </p:txBody>
+      </p:sp>
+    </p:spTree>
+    <p:extLst>
+      <p:ext uri="{BB962C8B-B14F-4D97-AF65-F5344CB8AC3E}">
+        <p14:creationId xmlns:p14="http://schemas.microsoft.com/office/powerpoint/2010/main" val="2824970937"/>
+      </p:ext>
+    </p:extLst>
+  </p:cSld>
+  <p:clrMapOvr>
+    <a:masterClrMapping/>
+  </p:clrMapOvr>
+</p:sld>
+</file>
+
+<file path=ppt/slides/slide33.xml><?xml version="1.0" encoding="utf-8"?>
+<p:sld xmlns:a="http://schemas.openxmlformats.org/drawingml/2006/main" xmlns:r="http://schemas.openxmlformats.org/officeDocument/2006/relationships" xmlns:p="http://schemas.openxmlformats.org/presentationml/2006/main">
+  <p:cSld>
+    <p:spTree>
+      <p:nvGrpSpPr>
+        <p:cNvPr id="1" name=""/>
+        <p:cNvGrpSpPr/>
+        <p:nvPr/>
+      </p:nvGrpSpPr>
+      <p:grpSpPr>
+        <a:xfrm>
+          <a:off x="0" y="0"/>
+          <a:ext cx="0" cy="0"/>
+          <a:chOff x="0" y="0"/>
+          <a:chExt cx="0" cy="0"/>
+        </a:xfrm>
+      </p:grpSpPr>
+      <p:sp>
+        <p:nvSpPr>
+          <p:cNvPr id="5" name="Content Placeholder 4"/>
+          <p:cNvSpPr>
+            <a:spLocks noGrp="1"/>
+          </p:cNvSpPr>
+          <p:nvPr>
+            <p:ph idx="1"/>
+          </p:nvPr>
+        </p:nvSpPr>
+        <p:spPr/>
+        <p:txBody>
+          <a:bodyPr/>
+          <a:lstStyle/>
+          <a:p>
+            <a:r>
+              <a:rPr lang="en-US" dirty="0" smtClean="0"/>
+              <a:t>Spring makes data access easier because:</a:t>
+            </a:r>
+          </a:p>
+          <a:p>
+            <a:pPr>
+              <a:buFont typeface="Wingdings" panose="05000000000000000000" pitchFamily="2" charset="2"/>
+              <a:buChar char="Ø"/>
+            </a:pPr>
+            <a:r>
+              <a:rPr lang="en-US" dirty="0"/>
+              <a:t> </a:t>
+            </a:r>
+            <a:r>
+              <a:rPr lang="en-US" dirty="0" smtClean="0"/>
+              <a:t>   It manages resources for you</a:t>
+            </a:r>
+          </a:p>
+          <a:p>
+            <a:pPr>
+              <a:buFont typeface="Wingdings" panose="05000000000000000000" pitchFamily="2" charset="2"/>
+              <a:buChar char="Ø"/>
+            </a:pPr>
+            <a:r>
+              <a:rPr lang="en-US" dirty="0" smtClean="0"/>
+              <a:t>    Provides API helpers</a:t>
+            </a:r>
+          </a:p>
+          <a:p>
+            <a:pPr>
+              <a:buFont typeface="Wingdings" panose="05000000000000000000" pitchFamily="2" charset="2"/>
+              <a:buChar char="Ø"/>
+            </a:pPr>
+            <a:r>
+              <a:rPr lang="en-US" dirty="0"/>
+              <a:t> </a:t>
+            </a:r>
+            <a:r>
+              <a:rPr lang="en-US" dirty="0" smtClean="0"/>
+              <a:t>Supports all major data access technologies</a:t>
+            </a:r>
+          </a:p>
+          <a:p>
+            <a:pPr lvl="2">
+              <a:buFont typeface="Wingdings" panose="05000000000000000000" pitchFamily="2" charset="2"/>
+              <a:buChar char="ü"/>
+            </a:pPr>
+            <a:r>
+              <a:rPr lang="en-US" dirty="0"/>
+              <a:t> </a:t>
+            </a:r>
+            <a:r>
+              <a:rPr lang="en-US" dirty="0" smtClean="0"/>
+              <a:t>            </a:t>
+            </a:r>
+            <a:r>
+              <a:rPr lang="en-US" dirty="0" err="1" smtClean="0"/>
+              <a:t>Jdbc</a:t>
+            </a:r>
+            <a:endParaRPr lang="en-US" dirty="0" smtClean="0"/>
+          </a:p>
+          <a:p>
+            <a:pPr lvl="2">
+              <a:buFont typeface="Wingdings" panose="05000000000000000000" pitchFamily="2" charset="2"/>
+              <a:buChar char="ü"/>
+            </a:pPr>
+            <a:r>
+              <a:rPr lang="en-US" dirty="0"/>
+              <a:t> </a:t>
+            </a:r>
+            <a:r>
+              <a:rPr lang="en-US" dirty="0" smtClean="0"/>
+              <a:t>             Hibernate</a:t>
+            </a:r>
+          </a:p>
+          <a:p>
+            <a:pPr lvl="2">
+              <a:buFont typeface="Wingdings" panose="05000000000000000000" pitchFamily="2" charset="2"/>
+              <a:buChar char="ü"/>
+            </a:pPr>
+            <a:r>
+              <a:rPr lang="en-US" dirty="0"/>
+              <a:t> </a:t>
+            </a:r>
+            <a:r>
+              <a:rPr lang="en-US" dirty="0" smtClean="0"/>
+              <a:t>             JPA</a:t>
+            </a:r>
+          </a:p>
+          <a:p>
+            <a:pPr lvl="2">
+              <a:buFont typeface="Wingdings" panose="05000000000000000000" pitchFamily="2" charset="2"/>
+              <a:buChar char="ü"/>
+            </a:pPr>
+            <a:r>
+              <a:rPr lang="en-US" dirty="0"/>
+              <a:t> </a:t>
+            </a:r>
+            <a:r>
+              <a:rPr lang="en-US" dirty="0" smtClean="0"/>
+              <a:t>              </a:t>
+            </a:r>
+            <a:r>
+              <a:rPr lang="en-US" dirty="0" err="1" smtClean="0"/>
+              <a:t>ibatis</a:t>
+            </a:r>
+            <a:endParaRPr lang="en-US" dirty="0"/>
+          </a:p>
+        </p:txBody>
+      </p:sp>
+      <p:sp>
+        <p:nvSpPr>
+          <p:cNvPr id="4" name="Title 3"/>
+          <p:cNvSpPr>
+            <a:spLocks noGrp="1"/>
+          </p:cNvSpPr>
+          <p:nvPr>
+            <p:ph type="title"/>
+          </p:nvPr>
+        </p:nvSpPr>
+        <p:spPr/>
+        <p:txBody>
+          <a:bodyPr/>
+          <a:lstStyle/>
+          <a:p>
+            <a:r>
+              <a:rPr lang="en-US" dirty="0" smtClean="0"/>
+              <a:t>Spring Data Access</a:t>
+            </a:r>
+            <a:endParaRPr lang="en-US" dirty="0"/>
+          </a:p>
+        </p:txBody>
+      </p:sp>
+    </p:spTree>
+    <p:extLst>
+      <p:ext uri="{BB962C8B-B14F-4D97-AF65-F5344CB8AC3E}">
+        <p14:creationId xmlns:p14="http://schemas.microsoft.com/office/powerpoint/2010/main" val="3753240432"/>
+      </p:ext>
+    </p:extLst>
+  </p:cSld>
+  <p:clrMapOvr>
+    <a:masterClrMapping/>
+  </p:clrMapOvr>
+</p:sld>
+</file>
+
+<file path=ppt/slides/slide34.xml><?xml version="1.0" encoding="utf-8"?>
+<p:sld xmlns:a="http://schemas.openxmlformats.org/drawingml/2006/main" xmlns:r="http://schemas.openxmlformats.org/officeDocument/2006/relationships" xmlns:p="http://schemas.openxmlformats.org/presentationml/2006/main">
+  <p:cSld>
+    <p:spTree>
+      <p:nvGrpSpPr>
+        <p:cNvPr id="1" name=""/>
+        <p:cNvGrpSpPr/>
+        <p:nvPr/>
+      </p:nvGrpSpPr>
+      <p:grpSpPr>
+        <a:xfrm>
+          <a:off x="0" y="0"/>
+          <a:ext cx="0" cy="0"/>
+          <a:chOff x="0" y="0"/>
+          <a:chExt cx="0" cy="0"/>
+        </a:xfrm>
+      </p:grpSpPr>
+      <p:sp>
+        <p:nvSpPr>
+          <p:cNvPr id="2" name="Content Placeholder 1"/>
+          <p:cNvSpPr>
+            <a:spLocks noGrp="1"/>
+          </p:cNvSpPr>
+          <p:nvPr>
+            <p:ph idx="1"/>
+          </p:nvPr>
+        </p:nvSpPr>
+        <p:spPr/>
+        <p:txBody>
+          <a:bodyPr/>
+          <a:lstStyle/>
+          <a:p>
+            <a:r>
+              <a:rPr lang="en-US" dirty="0" smtClean="0"/>
+              <a:t>We are going to create database schema called </a:t>
+            </a:r>
+            <a:r>
+              <a:rPr lang="en-US" dirty="0" err="1" smtClean="0"/>
+              <a:t>testdb</a:t>
+            </a:r>
+            <a:endParaRPr lang="en-US" dirty="0"/>
+          </a:p>
+          <a:p>
+            <a:r>
+              <a:rPr lang="en-US" dirty="0" smtClean="0"/>
+              <a:t>Create a table called </a:t>
+            </a:r>
+            <a:r>
+              <a:rPr lang="en-US" dirty="0" err="1" smtClean="0"/>
+              <a:t>tutorials_tbl</a:t>
+            </a:r>
+            <a:r>
+              <a:rPr lang="en-US" dirty="0" smtClean="0"/>
+              <a:t>, insert data to the table </a:t>
+            </a:r>
+          </a:p>
+          <a:p>
+            <a:r>
+              <a:rPr lang="en-US" dirty="0" smtClean="0"/>
+              <a:t>Use that table as a basis to create our domain class in java.</a:t>
+            </a:r>
+          </a:p>
+          <a:p>
+            <a:r>
+              <a:rPr lang="en-US" dirty="0" smtClean="0"/>
+              <a:t>Define  a DAO(Data Access object) or a service </a:t>
+            </a:r>
+          </a:p>
+          <a:p>
+            <a:r>
+              <a:rPr lang="en-US" dirty="0" smtClean="0"/>
+              <a:t>Implement one of DAO’s method to insert data into the </a:t>
+            </a:r>
+            <a:r>
+              <a:rPr lang="en-US" dirty="0" err="1" smtClean="0"/>
+              <a:t>tutorials_tbl</a:t>
+            </a:r>
+            <a:r>
+              <a:rPr lang="en-US" dirty="0"/>
+              <a:t> </a:t>
+            </a:r>
+            <a:r>
+              <a:rPr lang="en-US" dirty="0" smtClean="0"/>
+              <a:t>using Spring JDBC. </a:t>
+            </a:r>
+          </a:p>
+          <a:p>
+            <a:endParaRPr lang="en-US" dirty="0"/>
+          </a:p>
+        </p:txBody>
+      </p:sp>
+      <p:sp>
+        <p:nvSpPr>
+          <p:cNvPr id="3" name="Date Placeholder 2"/>
+          <p:cNvSpPr>
+            <a:spLocks noGrp="1"/>
+          </p:cNvSpPr>
+          <p:nvPr>
+            <p:ph type="dt" sz="half" idx="10"/>
+          </p:nvPr>
+        </p:nvSpPr>
+        <p:spPr/>
+        <p:txBody>
+          <a:bodyPr/>
+          <a:lstStyle/>
+          <a:p>
+            <a:fld id="{7AC11F0B-9A29-4EBD-B631-6648006CA4E4}" type="datetime1">
+              <a:rPr lang="en-US" smtClean="0"/>
+              <a:t>3/24/2016</a:t>
+            </a:fld>
+            <a:endParaRPr lang="en-US" dirty="0"/>
+          </a:p>
+        </p:txBody>
+      </p:sp>
+      <p:sp>
+        <p:nvSpPr>
+          <p:cNvPr id="4" name="Footer Placeholder 3"/>
+          <p:cNvSpPr>
+            <a:spLocks noGrp="1"/>
+          </p:cNvSpPr>
+          <p:nvPr>
             <p:ph type="ftr" sz="quarter" idx="11"/>
           </p:nvPr>
         </p:nvSpPr>
@@ -8354,7 +8918,1283 @@
           <a:p>
             <a:fld id="{125AF1D8-B0AE-4E77-AA99-EC861FD2EC07}" type="slidenum">
               <a:rPr lang="en-US" smtClean="0"/>
-              <a:t>29</a:t>
+              <a:t>33</a:t>
+            </a:fld>
+            <a:endParaRPr lang="en-US"/>
+          </a:p>
+        </p:txBody>
+      </p:sp>
+      <p:sp>
+        <p:nvSpPr>
+          <p:cNvPr id="6" name="Title 5"/>
+          <p:cNvSpPr>
+            <a:spLocks noGrp="1"/>
+          </p:cNvSpPr>
+          <p:nvPr>
+            <p:ph type="title"/>
+          </p:nvPr>
+        </p:nvSpPr>
+        <p:spPr/>
+        <p:txBody>
+          <a:bodyPr/>
+          <a:lstStyle/>
+          <a:p>
+            <a:r>
+              <a:rPr lang="en-US" dirty="0" smtClean="0"/>
+              <a:t>Getting hands dirty…</a:t>
+            </a:r>
+            <a:endParaRPr lang="en-US" dirty="0"/>
+          </a:p>
+        </p:txBody>
+      </p:sp>
+    </p:spTree>
+    <p:extLst>
+      <p:ext uri="{BB962C8B-B14F-4D97-AF65-F5344CB8AC3E}">
+        <p14:creationId xmlns:p14="http://schemas.microsoft.com/office/powerpoint/2010/main" val="4080116988"/>
+      </p:ext>
+    </p:extLst>
+  </p:cSld>
+  <p:clrMapOvr>
+    <a:masterClrMapping/>
+  </p:clrMapOvr>
+</p:sld>
+</file>
+
+<file path=ppt/slides/slide35.xml><?xml version="1.0" encoding="utf-8"?>
+<p:sld xmlns:a="http://schemas.openxmlformats.org/drawingml/2006/main" xmlns:r="http://schemas.openxmlformats.org/officeDocument/2006/relationships" xmlns:p="http://schemas.openxmlformats.org/presentationml/2006/main">
+  <p:cSld>
+    <p:spTree>
+      <p:nvGrpSpPr>
+        <p:cNvPr id="1" name=""/>
+        <p:cNvGrpSpPr/>
+        <p:nvPr/>
+      </p:nvGrpSpPr>
+      <p:grpSpPr>
+        <a:xfrm>
+          <a:off x="0" y="0"/>
+          <a:ext cx="0" cy="0"/>
+          <a:chOff x="0" y="0"/>
+          <a:chExt cx="0" cy="0"/>
+        </a:xfrm>
+      </p:grpSpPr>
+      <p:sp>
+        <p:nvSpPr>
+          <p:cNvPr id="5" name="Content Placeholder 4"/>
+          <p:cNvSpPr>
+            <a:spLocks noGrp="1"/>
+          </p:cNvSpPr>
+          <p:nvPr>
+            <p:ph idx="1"/>
+          </p:nvPr>
+        </p:nvSpPr>
+        <p:spPr/>
+        <p:txBody>
+          <a:bodyPr/>
+          <a:lstStyle/>
+          <a:p>
+            <a:r>
+              <a:rPr lang="en-US" sz="2400" dirty="0" smtClean="0"/>
+              <a:t>Install </a:t>
+            </a:r>
+            <a:r>
+              <a:rPr lang="en-US" sz="2400" dirty="0" err="1" smtClean="0"/>
+              <a:t>MySql</a:t>
+            </a:r>
+            <a:r>
+              <a:rPr lang="en-US" sz="2400" dirty="0" smtClean="0"/>
+              <a:t> from the </a:t>
+            </a:r>
+            <a:r>
+              <a:rPr lang="en-US" sz="2400" dirty="0" err="1" smtClean="0"/>
+              <a:t>url</a:t>
+            </a:r>
+            <a:r>
+              <a:rPr lang="en-US" sz="2400" dirty="0" smtClean="0"/>
+              <a:t> below.</a:t>
+            </a:r>
+          </a:p>
+          <a:p>
+            <a:pPr marL="0" indent="0">
+              <a:buNone/>
+            </a:pPr>
+            <a:r>
+              <a:rPr lang="en-US" dirty="0">
+                <a:hlinkClick r:id="rId2"/>
+              </a:rPr>
+              <a:t>https://dev.mysql.com/downloads/mysql</a:t>
+            </a:r>
+            <a:r>
+              <a:rPr lang="en-US" dirty="0" smtClean="0">
+                <a:hlinkClick r:id="rId2"/>
+              </a:rPr>
+              <a:t>/</a:t>
+            </a:r>
+            <a:endParaRPr lang="en-US" dirty="0" smtClean="0"/>
+          </a:p>
+          <a:p>
+            <a:r>
+              <a:rPr lang="en-US" sz="2400" dirty="0" smtClean="0"/>
+              <a:t>Create a database schema </a:t>
+            </a:r>
+          </a:p>
+          <a:p>
+            <a:pPr marL="0" indent="0">
+              <a:buNone/>
+            </a:pPr>
+            <a:r>
+              <a:rPr lang="en-US" dirty="0"/>
+              <a:t> </a:t>
+            </a:r>
+            <a:r>
+              <a:rPr lang="en-US" dirty="0" smtClean="0"/>
+              <a:t>   </a:t>
+            </a:r>
+            <a:r>
+              <a:rPr lang="en-US" sz="2000" dirty="0" smtClean="0"/>
+              <a:t>shell&gt; create database </a:t>
+            </a:r>
+            <a:r>
+              <a:rPr lang="en-US" sz="2000" dirty="0" err="1" smtClean="0"/>
+              <a:t>testdb</a:t>
+            </a:r>
+            <a:r>
+              <a:rPr lang="en-US" dirty="0" smtClean="0"/>
+              <a:t>;</a:t>
+            </a:r>
+          </a:p>
+          <a:p>
+            <a:r>
+              <a:rPr lang="en-US" sz="2400" dirty="0"/>
+              <a:t>Create a user and grant all privileges to that user.</a:t>
+            </a:r>
+          </a:p>
+          <a:p>
+            <a:pPr marL="0" indent="0">
+              <a:buNone/>
+            </a:pPr>
+            <a:r>
+              <a:rPr lang="en-US" dirty="0"/>
+              <a:t>    </a:t>
+            </a:r>
+            <a:r>
+              <a:rPr lang="en-US" sz="2000" dirty="0"/>
+              <a:t>shell&gt; </a:t>
+            </a:r>
+            <a:r>
+              <a:rPr lang="en-US" sz="1400" b="1" dirty="0"/>
+              <a:t>CREATE USER </a:t>
+            </a:r>
+            <a:r>
+              <a:rPr lang="en-US" sz="1400" b="1" dirty="0" smtClean="0"/>
+              <a:t>‘</a:t>
+            </a:r>
+            <a:r>
+              <a:rPr lang="en-US" sz="1400" b="1" dirty="0" err="1" smtClean="0"/>
+              <a:t>bibhuti</a:t>
+            </a:r>
+            <a:r>
+              <a:rPr lang="en-US" sz="1400" b="1" dirty="0" smtClean="0"/>
+              <a:t>'@</a:t>
+            </a:r>
+            <a:r>
+              <a:rPr lang="en-US" sz="1400" b="1" dirty="0"/>
+              <a:t>'localhost' IDENTIFIED BY 'password';</a:t>
+            </a:r>
+          </a:p>
+          <a:p>
+            <a:pPr marL="0" indent="0">
+              <a:buNone/>
+            </a:pPr>
+            <a:r>
+              <a:rPr lang="en-US" sz="1800" dirty="0" smtClean="0"/>
+              <a:t>        </a:t>
+            </a:r>
+            <a:r>
+              <a:rPr lang="en-US" sz="2000" dirty="0"/>
+              <a:t>shell&gt;</a:t>
+            </a:r>
+            <a:r>
+              <a:rPr lang="en-US" sz="1400" b="1" dirty="0"/>
+              <a:t>GRANT ALL PRIVILEGES ON * . * TO </a:t>
+            </a:r>
+            <a:r>
+              <a:rPr lang="en-US" sz="1400" b="1" dirty="0" smtClean="0"/>
+              <a:t>‘</a:t>
+            </a:r>
+            <a:r>
+              <a:rPr lang="en-US" sz="1400" b="1" dirty="0" err="1" smtClean="0"/>
+              <a:t>bibhuti</a:t>
+            </a:r>
+            <a:r>
+              <a:rPr lang="en-US" sz="1400" b="1" dirty="0" smtClean="0"/>
+              <a:t>'@</a:t>
+            </a:r>
+            <a:r>
+              <a:rPr lang="en-US" sz="1400" b="1" dirty="0"/>
+              <a:t>'localhost';</a:t>
+            </a:r>
+          </a:p>
+          <a:p>
+            <a:r>
+              <a:rPr lang="en-US" sz="2400" dirty="0"/>
+              <a:t>Login as the created user:</a:t>
+            </a:r>
+          </a:p>
+          <a:p>
+            <a:pPr marL="0" indent="0">
+              <a:buNone/>
+            </a:pPr>
+            <a:r>
+              <a:rPr lang="en-US" sz="2000" dirty="0" smtClean="0"/>
+              <a:t>   shell</a:t>
+            </a:r>
+            <a:r>
+              <a:rPr lang="en-US" sz="2000" dirty="0"/>
+              <a:t>&gt; </a:t>
+            </a:r>
+            <a:r>
+              <a:rPr lang="en-US" sz="2000" dirty="0" err="1"/>
+              <a:t>mysql</a:t>
+            </a:r>
+            <a:r>
+              <a:rPr lang="en-US" sz="2000" dirty="0"/>
+              <a:t> -u </a:t>
+            </a:r>
+            <a:r>
+              <a:rPr lang="en-US" sz="2000" dirty="0" smtClean="0"/>
+              <a:t>&lt;</a:t>
+            </a:r>
+            <a:r>
+              <a:rPr lang="en-US" sz="2000" dirty="0" err="1" smtClean="0"/>
+              <a:t>bibhuti</a:t>
+            </a:r>
+            <a:r>
+              <a:rPr lang="en-US" sz="2000" dirty="0" smtClean="0"/>
+              <a:t>&gt; –p password </a:t>
+            </a:r>
+            <a:r>
+              <a:rPr lang="en-US" sz="2000" dirty="0" err="1" smtClean="0"/>
+              <a:t>testdb</a:t>
+            </a:r>
+            <a:endParaRPr lang="en-US" sz="2000" dirty="0"/>
+          </a:p>
+          <a:p>
+            <a:endParaRPr lang="en-US" sz="1100" dirty="0"/>
+          </a:p>
+          <a:p>
+            <a:pPr marL="0" indent="0">
+              <a:buNone/>
+            </a:pPr>
+            <a:endParaRPr lang="en-US" dirty="0"/>
+          </a:p>
+        </p:txBody>
+      </p:sp>
+      <p:sp>
+        <p:nvSpPr>
+          <p:cNvPr id="4" name="Title 3"/>
+          <p:cNvSpPr>
+            <a:spLocks noGrp="1"/>
+          </p:cNvSpPr>
+          <p:nvPr>
+            <p:ph type="title"/>
+          </p:nvPr>
+        </p:nvSpPr>
+        <p:spPr/>
+        <p:txBody>
+          <a:bodyPr/>
+          <a:lstStyle/>
+          <a:p>
+            <a:r>
+              <a:rPr lang="en-US" dirty="0" smtClean="0"/>
+              <a:t>Getting the Database Server</a:t>
+            </a:r>
+            <a:endParaRPr lang="en-US" dirty="0"/>
+          </a:p>
+        </p:txBody>
+      </p:sp>
+    </p:spTree>
+    <p:extLst>
+      <p:ext uri="{BB962C8B-B14F-4D97-AF65-F5344CB8AC3E}">
+        <p14:creationId xmlns:p14="http://schemas.microsoft.com/office/powerpoint/2010/main" val="717578830"/>
+      </p:ext>
+    </p:extLst>
+  </p:cSld>
+  <p:clrMapOvr>
+    <a:masterClrMapping/>
+  </p:clrMapOvr>
+</p:sld>
+</file>
+
+<file path=ppt/slides/slide36.xml><?xml version="1.0" encoding="utf-8"?>
+<p:sld xmlns:a="http://schemas.openxmlformats.org/drawingml/2006/main" xmlns:r="http://schemas.openxmlformats.org/officeDocument/2006/relationships" xmlns:p="http://schemas.openxmlformats.org/presentationml/2006/main">
+  <p:cSld>
+    <p:spTree>
+      <p:nvGrpSpPr>
+        <p:cNvPr id="1" name=""/>
+        <p:cNvGrpSpPr/>
+        <p:nvPr/>
+      </p:nvGrpSpPr>
+      <p:grpSpPr>
+        <a:xfrm>
+          <a:off x="0" y="0"/>
+          <a:ext cx="0" cy="0"/>
+          <a:chOff x="0" y="0"/>
+          <a:chExt cx="0" cy="0"/>
+        </a:xfrm>
+      </p:grpSpPr>
+      <p:sp>
+        <p:nvSpPr>
+          <p:cNvPr id="2" name="Content Placeholder 1"/>
+          <p:cNvSpPr>
+            <a:spLocks noGrp="1"/>
+          </p:cNvSpPr>
+          <p:nvPr>
+            <p:ph idx="1"/>
+          </p:nvPr>
+        </p:nvSpPr>
+        <p:spPr/>
+        <p:txBody>
+          <a:bodyPr/>
+          <a:lstStyle/>
+          <a:p>
+            <a:r>
+              <a:rPr lang="en-US" sz="2400" dirty="0"/>
+              <a:t>Create a table in the schema </a:t>
+            </a:r>
+          </a:p>
+          <a:p>
+            <a:pPr marL="0" indent="0">
+              <a:buNone/>
+            </a:pPr>
+            <a:r>
+              <a:rPr lang="en-US" sz="4800" dirty="0"/>
+              <a:t>     </a:t>
+            </a:r>
+            <a:r>
+              <a:rPr lang="en-US" sz="1600" dirty="0"/>
+              <a:t>shell&gt; use </a:t>
+            </a:r>
+            <a:r>
+              <a:rPr lang="en-US" sz="1600" dirty="0" err="1"/>
+              <a:t>testdb</a:t>
+            </a:r>
+            <a:r>
+              <a:rPr lang="en-US" sz="1600" dirty="0"/>
+              <a:t>;</a:t>
+            </a:r>
+          </a:p>
+          <a:p>
+            <a:pPr marL="0" indent="0">
+              <a:buNone/>
+            </a:pPr>
+            <a:r>
+              <a:rPr lang="en-US" sz="1600" dirty="0"/>
+              <a:t>   </a:t>
+            </a:r>
+            <a:r>
+              <a:rPr lang="en-US" sz="1600" dirty="0" smtClean="0"/>
+              <a:t>             </a:t>
+            </a:r>
+            <a:r>
+              <a:rPr lang="en-US" sz="1600" dirty="0"/>
+              <a:t>shell&gt; CREATE TABLE </a:t>
+            </a:r>
+            <a:r>
+              <a:rPr lang="en-US" sz="1600" dirty="0" err="1"/>
+              <a:t>tutorials_tbl</a:t>
+            </a:r>
+            <a:r>
+              <a:rPr lang="en-US" sz="1600" dirty="0"/>
+              <a:t>(</a:t>
+            </a:r>
+          </a:p>
+          <a:p>
+            <a:pPr marL="0" indent="0">
+              <a:buNone/>
+            </a:pPr>
+            <a:r>
+              <a:rPr lang="en-US" sz="1600" dirty="0"/>
+              <a:t>                                                            </a:t>
+            </a:r>
+            <a:r>
+              <a:rPr lang="en-US" sz="1600" dirty="0" err="1"/>
+              <a:t>tutorial_id</a:t>
+            </a:r>
+            <a:r>
+              <a:rPr lang="en-US" sz="1600" dirty="0"/>
+              <a:t> INT NOT NULL AUTO_INCREMENT,</a:t>
+            </a:r>
+          </a:p>
+          <a:p>
+            <a:pPr marL="0" indent="0">
+              <a:buNone/>
+            </a:pPr>
+            <a:r>
+              <a:rPr lang="en-US" sz="1600" dirty="0"/>
+              <a:t>                                                             </a:t>
+            </a:r>
+            <a:r>
+              <a:rPr lang="en-US" sz="1600" dirty="0" err="1"/>
+              <a:t>tutorial_title</a:t>
+            </a:r>
+            <a:r>
+              <a:rPr lang="en-US" sz="1600" dirty="0"/>
+              <a:t> VARCHAR(100) NOT NULL,</a:t>
+            </a:r>
+          </a:p>
+          <a:p>
+            <a:pPr marL="0" indent="0">
+              <a:buNone/>
+            </a:pPr>
+            <a:r>
+              <a:rPr lang="en-US" sz="1600" dirty="0"/>
+              <a:t>                                                           </a:t>
+            </a:r>
+            <a:r>
+              <a:rPr lang="en-US" sz="1600" dirty="0" err="1"/>
+              <a:t>tutorial_author</a:t>
+            </a:r>
+            <a:r>
+              <a:rPr lang="en-US" sz="1600" dirty="0"/>
+              <a:t> VARCHAR(40) NOT NULL,</a:t>
+            </a:r>
+          </a:p>
+          <a:p>
+            <a:pPr marL="0" indent="0">
+              <a:buNone/>
+            </a:pPr>
+            <a:r>
+              <a:rPr lang="en-US" sz="1600" dirty="0"/>
+              <a:t> </a:t>
+            </a:r>
+            <a:r>
+              <a:rPr lang="en-US" sz="1600" dirty="0" smtClean="0"/>
+              <a:t>                                                           </a:t>
+            </a:r>
+            <a:r>
+              <a:rPr lang="en-US" sz="1600" dirty="0" err="1" smtClean="0"/>
+              <a:t>tutorial_description</a:t>
+            </a:r>
+            <a:r>
+              <a:rPr lang="en-US" sz="1600" dirty="0" smtClean="0"/>
+              <a:t> VARCHAR(100</a:t>
+            </a:r>
+            <a:r>
+              <a:rPr lang="en-US" sz="1600" dirty="0"/>
+              <a:t>)</a:t>
+            </a:r>
+            <a:r>
+              <a:rPr lang="en-US" dirty="0" smtClean="0"/>
+              <a:t>,</a:t>
+            </a:r>
+            <a:endParaRPr lang="en-US" dirty="0"/>
+          </a:p>
+          <a:p>
+            <a:pPr marL="0" indent="0">
+              <a:buNone/>
+            </a:pPr>
+            <a:r>
+              <a:rPr lang="en-US" dirty="0"/>
+              <a:t>                                  </a:t>
+            </a:r>
+            <a:r>
+              <a:rPr lang="en-US" dirty="0" smtClean="0"/>
+              <a:t> </a:t>
+            </a:r>
+            <a:r>
+              <a:rPr lang="en-US" sz="1400" dirty="0"/>
+              <a:t>PRIMARY KEY ( </a:t>
+            </a:r>
+            <a:r>
+              <a:rPr lang="en-US" sz="1400" dirty="0" err="1"/>
+              <a:t>tutorial_id</a:t>
+            </a:r>
+            <a:r>
+              <a:rPr lang="en-US" sz="1400" dirty="0"/>
+              <a:t> ) );</a:t>
+            </a:r>
+          </a:p>
+        </p:txBody>
+      </p:sp>
+      <p:sp>
+        <p:nvSpPr>
+          <p:cNvPr id="3" name="Date Placeholder 2"/>
+          <p:cNvSpPr>
+            <a:spLocks noGrp="1"/>
+          </p:cNvSpPr>
+          <p:nvPr>
+            <p:ph type="dt" sz="half" idx="10"/>
+          </p:nvPr>
+        </p:nvSpPr>
+        <p:spPr/>
+        <p:txBody>
+          <a:bodyPr/>
+          <a:lstStyle/>
+          <a:p>
+            <a:fld id="{7AC11F0B-9A29-4EBD-B631-6648006CA4E4}" type="datetime1">
+              <a:rPr lang="en-US" smtClean="0"/>
+              <a:t>3/24/2016</a:t>
+            </a:fld>
+            <a:endParaRPr lang="en-US" dirty="0"/>
+          </a:p>
+        </p:txBody>
+      </p:sp>
+      <p:sp>
+        <p:nvSpPr>
+          <p:cNvPr id="4" name="Footer Placeholder 3"/>
+          <p:cNvSpPr>
+            <a:spLocks noGrp="1"/>
+          </p:cNvSpPr>
+          <p:nvPr>
+            <p:ph type="ftr" sz="quarter" idx="11"/>
+          </p:nvPr>
+        </p:nvSpPr>
+        <p:spPr/>
+        <p:txBody>
+          <a:bodyPr/>
+          <a:lstStyle/>
+          <a:p>
+            <a:r>
+              <a:rPr lang="en-US" smtClean="0"/>
+              <a:t>All rights reserved by Five 9 Group, Inc.</a:t>
+            </a:r>
+            <a:endParaRPr lang="en-US" dirty="0"/>
+          </a:p>
+        </p:txBody>
+      </p:sp>
+      <p:sp>
+        <p:nvSpPr>
+          <p:cNvPr id="5" name="Slide Number Placeholder 4"/>
+          <p:cNvSpPr>
+            <a:spLocks noGrp="1"/>
+          </p:cNvSpPr>
+          <p:nvPr>
+            <p:ph type="sldNum" sz="quarter" idx="12"/>
+          </p:nvPr>
+        </p:nvSpPr>
+        <p:spPr/>
+        <p:txBody>
+          <a:bodyPr/>
+          <a:lstStyle/>
+          <a:p>
+            <a:fld id="{125AF1D8-B0AE-4E77-AA99-EC861FD2EC07}" type="slidenum">
+              <a:rPr lang="en-US" smtClean="0"/>
+              <a:t>35</a:t>
+            </a:fld>
+            <a:endParaRPr lang="en-US"/>
+          </a:p>
+        </p:txBody>
+      </p:sp>
+      <p:sp>
+        <p:nvSpPr>
+          <p:cNvPr id="6" name="Title 5"/>
+          <p:cNvSpPr>
+            <a:spLocks noGrp="1"/>
+          </p:cNvSpPr>
+          <p:nvPr>
+            <p:ph type="title"/>
+          </p:nvPr>
+        </p:nvSpPr>
+        <p:spPr/>
+        <p:txBody>
+          <a:bodyPr/>
+          <a:lstStyle/>
+          <a:p>
+            <a:r>
+              <a:rPr lang="en-US" dirty="0" smtClean="0"/>
+              <a:t>Create a table</a:t>
+            </a:r>
+            <a:endParaRPr lang="en-US" dirty="0"/>
+          </a:p>
+        </p:txBody>
+      </p:sp>
+    </p:spTree>
+    <p:extLst>
+      <p:ext uri="{BB962C8B-B14F-4D97-AF65-F5344CB8AC3E}">
+        <p14:creationId xmlns:p14="http://schemas.microsoft.com/office/powerpoint/2010/main" val="2244459950"/>
+      </p:ext>
+    </p:extLst>
+  </p:cSld>
+  <p:clrMapOvr>
+    <a:masterClrMapping/>
+  </p:clrMapOvr>
+</p:sld>
+</file>
+
+<file path=ppt/slides/slide37.xml><?xml version="1.0" encoding="utf-8"?>
+<p:sld xmlns:a="http://schemas.openxmlformats.org/drawingml/2006/main" xmlns:r="http://schemas.openxmlformats.org/officeDocument/2006/relationships" xmlns:p="http://schemas.openxmlformats.org/presentationml/2006/main">
+  <p:cSld>
+    <p:spTree>
+      <p:nvGrpSpPr>
+        <p:cNvPr id="1" name=""/>
+        <p:cNvGrpSpPr/>
+        <p:nvPr/>
+      </p:nvGrpSpPr>
+      <p:grpSpPr>
+        <a:xfrm>
+          <a:off x="0" y="0"/>
+          <a:ext cx="0" cy="0"/>
+          <a:chOff x="0" y="0"/>
+          <a:chExt cx="0" cy="0"/>
+        </a:xfrm>
+      </p:grpSpPr>
+      <p:sp>
+        <p:nvSpPr>
+          <p:cNvPr id="2" name="Content Placeholder 1"/>
+          <p:cNvSpPr>
+            <a:spLocks noGrp="1"/>
+          </p:cNvSpPr>
+          <p:nvPr>
+            <p:ph idx="1"/>
+          </p:nvPr>
+        </p:nvSpPr>
+        <p:spPr/>
+        <p:txBody>
+          <a:bodyPr/>
+          <a:lstStyle/>
+          <a:p>
+            <a:pPr marL="0" indent="0">
+              <a:buNone/>
+            </a:pPr>
+            <a:r>
+              <a:rPr lang="en-US" sz="1100" dirty="0"/>
+              <a:t>INSERT INTO </a:t>
+            </a:r>
+            <a:r>
+              <a:rPr lang="en-US" sz="1100" dirty="0" err="1" smtClean="0"/>
+              <a:t>tutorials_tbl</a:t>
+            </a:r>
+            <a:endParaRPr lang="en-US" sz="1100" dirty="0" smtClean="0"/>
+          </a:p>
+          <a:p>
+            <a:pPr marL="0" indent="0">
+              <a:buNone/>
+            </a:pPr>
+            <a:r>
+              <a:rPr lang="en-US" sz="1100" dirty="0" smtClean="0"/>
+              <a:t>    </a:t>
+            </a:r>
+            <a:r>
+              <a:rPr lang="en-US" sz="1100" dirty="0"/>
+              <a:t>(</a:t>
+            </a:r>
+            <a:r>
+              <a:rPr lang="en-US" sz="1100" dirty="0" err="1"/>
+              <a:t>tutorial_title</a:t>
+            </a:r>
+            <a:r>
+              <a:rPr lang="en-US" sz="1100" dirty="0"/>
+              <a:t>, </a:t>
+            </a:r>
+            <a:r>
+              <a:rPr lang="en-US" sz="1100" dirty="0" err="1"/>
+              <a:t>tutorial_author</a:t>
+            </a:r>
+            <a:r>
+              <a:rPr lang="en-US" sz="1100" dirty="0"/>
+              <a:t>, </a:t>
+            </a:r>
+            <a:r>
+              <a:rPr lang="en-US" sz="1100" dirty="0" err="1"/>
+              <a:t>tutorial_description</a:t>
+            </a:r>
+            <a:r>
+              <a:rPr lang="en-US" sz="1100" dirty="0"/>
+              <a:t> )</a:t>
+            </a:r>
+          </a:p>
+          <a:p>
+            <a:pPr marL="0" indent="0">
+              <a:buNone/>
+            </a:pPr>
+            <a:r>
+              <a:rPr lang="en-US" sz="1100" dirty="0"/>
+              <a:t>    </a:t>
+            </a:r>
+            <a:r>
+              <a:rPr lang="en-US" sz="1100" dirty="0" smtClean="0"/>
+              <a:t>VALUES   </a:t>
+            </a:r>
+            <a:r>
+              <a:rPr lang="en-US" sz="1100" dirty="0"/>
+              <a:t>("JAVA Tutorial", "Sanjay", </a:t>
+            </a:r>
+            <a:r>
+              <a:rPr lang="en-US" sz="1100" dirty="0" smtClean="0"/>
+              <a:t>“Spring 3.0 Basic example”);</a:t>
+            </a:r>
+            <a:endParaRPr lang="en-US" sz="1100" dirty="0"/>
+          </a:p>
+          <a:p>
+            <a:pPr marL="0" indent="0">
+              <a:buNone/>
+            </a:pPr>
+            <a:r>
+              <a:rPr lang="en-US" sz="1100" dirty="0"/>
+              <a:t>	 </a:t>
+            </a:r>
+            <a:endParaRPr lang="en-US" sz="1100" dirty="0" smtClean="0"/>
+          </a:p>
+          <a:p>
+            <a:pPr marL="0" indent="0">
+              <a:buNone/>
+            </a:pPr>
+            <a:r>
+              <a:rPr lang="en-US" sz="1100" dirty="0" smtClean="0"/>
+              <a:t> </a:t>
+            </a:r>
+            <a:r>
+              <a:rPr lang="en-US" sz="1100" dirty="0"/>
+              <a:t>INSERT INTO </a:t>
+            </a:r>
+            <a:r>
+              <a:rPr lang="en-US" sz="1100" dirty="0" err="1"/>
+              <a:t>tutorials_tbl</a:t>
+            </a:r>
+            <a:endParaRPr lang="en-US" sz="1100" dirty="0"/>
+          </a:p>
+          <a:p>
+            <a:pPr marL="0" indent="0">
+              <a:buNone/>
+            </a:pPr>
+            <a:r>
+              <a:rPr lang="en-US" sz="1100" dirty="0" smtClean="0"/>
+              <a:t>    </a:t>
+            </a:r>
+            <a:r>
+              <a:rPr lang="en-US" sz="1100" dirty="0"/>
+              <a:t>(</a:t>
+            </a:r>
+            <a:r>
+              <a:rPr lang="en-US" sz="1100" dirty="0" err="1"/>
+              <a:t>tutorial_title</a:t>
+            </a:r>
+            <a:r>
+              <a:rPr lang="en-US" sz="1100" dirty="0"/>
+              <a:t>, </a:t>
+            </a:r>
+            <a:r>
+              <a:rPr lang="en-US" sz="1100" dirty="0" err="1"/>
+              <a:t>tutorial_author</a:t>
+            </a:r>
+            <a:r>
+              <a:rPr lang="en-US" sz="1100" dirty="0"/>
+              <a:t>, </a:t>
+            </a:r>
+            <a:r>
+              <a:rPr lang="en-US" sz="1100" dirty="0" err="1"/>
+              <a:t>tutorial_description</a:t>
+            </a:r>
+            <a:r>
+              <a:rPr lang="en-US" sz="1100" dirty="0"/>
+              <a:t> )</a:t>
+            </a:r>
+          </a:p>
+          <a:p>
+            <a:pPr marL="0" indent="0">
+              <a:buNone/>
+            </a:pPr>
+            <a:r>
+              <a:rPr lang="en-US" sz="1100" dirty="0" smtClean="0"/>
+              <a:t>VALUES </a:t>
+            </a:r>
+            <a:r>
+              <a:rPr lang="en-US" sz="1100" dirty="0"/>
+              <a:t>("Learn MySQL", "Abdul S", </a:t>
+            </a:r>
+            <a:r>
+              <a:rPr lang="en-US" sz="1100" dirty="0" smtClean="0"/>
+              <a:t>“Spring Security”);</a:t>
+            </a:r>
+          </a:p>
+          <a:p>
+            <a:pPr marL="0" indent="0">
+              <a:buNone/>
+            </a:pPr>
+            <a:r>
+              <a:rPr lang="en-US" sz="1100" dirty="0"/>
+              <a:t>	 </a:t>
+            </a:r>
+          </a:p>
+          <a:p>
+            <a:pPr marL="0" indent="0">
+              <a:buNone/>
+            </a:pPr>
+            <a:r>
+              <a:rPr lang="en-US" sz="1100" dirty="0" smtClean="0"/>
+              <a:t>INSERT </a:t>
+            </a:r>
+            <a:r>
+              <a:rPr lang="en-US" sz="1100" dirty="0"/>
+              <a:t>INTO </a:t>
+            </a:r>
+            <a:r>
+              <a:rPr lang="en-US" sz="1100" dirty="0" err="1"/>
+              <a:t>tutorials_tbl</a:t>
+            </a:r>
+            <a:r>
+              <a:rPr lang="en-US" sz="1100" dirty="0"/>
+              <a:t> </a:t>
+            </a:r>
+          </a:p>
+          <a:p>
+            <a:pPr marL="0" indent="0">
+              <a:buNone/>
+            </a:pPr>
+            <a:r>
+              <a:rPr lang="en-US" sz="1100" dirty="0" smtClean="0"/>
+              <a:t>(</a:t>
+            </a:r>
+            <a:r>
+              <a:rPr lang="en-US" sz="1100" dirty="0" err="1"/>
+              <a:t>tutorial_title</a:t>
+            </a:r>
+            <a:r>
+              <a:rPr lang="en-US" sz="1100" dirty="0"/>
+              <a:t>, </a:t>
+            </a:r>
+            <a:r>
+              <a:rPr lang="en-US" sz="1100" dirty="0" err="1"/>
+              <a:t>tutorial_author</a:t>
+            </a:r>
+            <a:r>
+              <a:rPr lang="en-US" sz="1100" dirty="0"/>
+              <a:t>, </a:t>
+            </a:r>
+            <a:r>
+              <a:rPr lang="en-US" sz="1100" dirty="0" err="1"/>
+              <a:t>tutorial_description</a:t>
+            </a:r>
+            <a:r>
+              <a:rPr lang="en-US" sz="1100" dirty="0"/>
+              <a:t> )</a:t>
+            </a:r>
+          </a:p>
+          <a:p>
+            <a:pPr marL="0" indent="0">
+              <a:buNone/>
+            </a:pPr>
+            <a:r>
+              <a:rPr lang="en-US" sz="1100" dirty="0" smtClean="0"/>
+              <a:t>    VALUES </a:t>
+            </a:r>
+            <a:r>
+              <a:rPr lang="en-US" sz="1100" dirty="0"/>
+              <a:t>("Learn PHP", "John </a:t>
+            </a:r>
+            <a:r>
+              <a:rPr lang="en-US" sz="1100" dirty="0" err="1"/>
+              <a:t>Poul</a:t>
+            </a:r>
+            <a:r>
+              <a:rPr lang="en-US" sz="1100" dirty="0"/>
+              <a:t>", </a:t>
+            </a:r>
+            <a:r>
+              <a:rPr lang="en-US" sz="1100" dirty="0" smtClean="0"/>
+              <a:t>“Spring by example”); </a:t>
+            </a:r>
+            <a:endParaRPr lang="en-US" sz="1100" dirty="0"/>
+          </a:p>
+        </p:txBody>
+      </p:sp>
+      <p:sp>
+        <p:nvSpPr>
+          <p:cNvPr id="3" name="Date Placeholder 2"/>
+          <p:cNvSpPr>
+            <a:spLocks noGrp="1"/>
+          </p:cNvSpPr>
+          <p:nvPr>
+            <p:ph type="dt" sz="half" idx="10"/>
+          </p:nvPr>
+        </p:nvSpPr>
+        <p:spPr/>
+        <p:txBody>
+          <a:bodyPr/>
+          <a:lstStyle/>
+          <a:p>
+            <a:fld id="{7AC11F0B-9A29-4EBD-B631-6648006CA4E4}" type="datetime1">
+              <a:rPr lang="en-US" smtClean="0"/>
+              <a:t>3/24/2016</a:t>
+            </a:fld>
+            <a:endParaRPr lang="en-US" dirty="0"/>
+          </a:p>
+        </p:txBody>
+      </p:sp>
+      <p:sp>
+        <p:nvSpPr>
+          <p:cNvPr id="4" name="Footer Placeholder 3"/>
+          <p:cNvSpPr>
+            <a:spLocks noGrp="1"/>
+          </p:cNvSpPr>
+          <p:nvPr>
+            <p:ph type="ftr" sz="quarter" idx="11"/>
+          </p:nvPr>
+        </p:nvSpPr>
+        <p:spPr/>
+        <p:txBody>
+          <a:bodyPr/>
+          <a:lstStyle/>
+          <a:p>
+            <a:r>
+              <a:rPr lang="en-US" smtClean="0"/>
+              <a:t>All rights reserved by Five 9 Group, Inc.</a:t>
+            </a:r>
+            <a:endParaRPr lang="en-US" dirty="0"/>
+          </a:p>
+        </p:txBody>
+      </p:sp>
+      <p:sp>
+        <p:nvSpPr>
+          <p:cNvPr id="5" name="Slide Number Placeholder 4"/>
+          <p:cNvSpPr>
+            <a:spLocks noGrp="1"/>
+          </p:cNvSpPr>
+          <p:nvPr>
+            <p:ph type="sldNum" sz="quarter" idx="12"/>
+          </p:nvPr>
+        </p:nvSpPr>
+        <p:spPr/>
+        <p:txBody>
+          <a:bodyPr/>
+          <a:lstStyle/>
+          <a:p>
+            <a:fld id="{125AF1D8-B0AE-4E77-AA99-EC861FD2EC07}" type="slidenum">
+              <a:rPr lang="en-US" smtClean="0"/>
+              <a:t>36</a:t>
+            </a:fld>
+            <a:endParaRPr lang="en-US"/>
+          </a:p>
+        </p:txBody>
+      </p:sp>
+      <p:sp>
+        <p:nvSpPr>
+          <p:cNvPr id="6" name="Title 5"/>
+          <p:cNvSpPr>
+            <a:spLocks noGrp="1"/>
+          </p:cNvSpPr>
+          <p:nvPr>
+            <p:ph type="title"/>
+          </p:nvPr>
+        </p:nvSpPr>
+        <p:spPr/>
+        <p:txBody>
+          <a:bodyPr/>
+          <a:lstStyle/>
+          <a:p>
+            <a:r>
+              <a:rPr lang="en-US" dirty="0" smtClean="0"/>
+              <a:t>Inserting data in the table</a:t>
+            </a:r>
+            <a:endParaRPr lang="en-US" dirty="0"/>
+          </a:p>
+        </p:txBody>
+      </p:sp>
+    </p:spTree>
+    <p:extLst>
+      <p:ext uri="{BB962C8B-B14F-4D97-AF65-F5344CB8AC3E}">
+        <p14:creationId xmlns:p14="http://schemas.microsoft.com/office/powerpoint/2010/main" val="2585444857"/>
+      </p:ext>
+    </p:extLst>
+  </p:cSld>
+  <p:clrMapOvr>
+    <a:masterClrMapping/>
+  </p:clrMapOvr>
+</p:sld>
+</file>
+
+<file path=ppt/slides/slide38.xml><?xml version="1.0" encoding="utf-8"?>
+<p:sld xmlns:a="http://schemas.openxmlformats.org/drawingml/2006/main" xmlns:r="http://schemas.openxmlformats.org/officeDocument/2006/relationships" xmlns:p="http://schemas.openxmlformats.org/presentationml/2006/main">
+  <p:cSld>
+    <p:spTree>
+      <p:nvGrpSpPr>
+        <p:cNvPr id="1" name=""/>
+        <p:cNvGrpSpPr/>
+        <p:nvPr/>
+      </p:nvGrpSpPr>
+      <p:grpSpPr>
+        <a:xfrm>
+          <a:off x="0" y="0"/>
+          <a:ext cx="0" cy="0"/>
+          <a:chOff x="0" y="0"/>
+          <a:chExt cx="0" cy="0"/>
+        </a:xfrm>
+      </p:grpSpPr>
+      <p:sp>
+        <p:nvSpPr>
+          <p:cNvPr id="2" name="Content Placeholder 1"/>
+          <p:cNvSpPr>
+            <a:spLocks noGrp="1"/>
+          </p:cNvSpPr>
+          <p:nvPr>
+            <p:ph idx="1"/>
+          </p:nvPr>
+        </p:nvSpPr>
+        <p:spPr/>
+        <p:txBody>
+          <a:bodyPr/>
+          <a:lstStyle/>
+          <a:p>
+            <a:r>
+              <a:rPr lang="en-US" sz="2400" dirty="0" smtClean="0"/>
+              <a:t>Spring JDBC is the central </a:t>
+            </a:r>
+            <a:r>
+              <a:rPr lang="en-US" sz="2400" dirty="0"/>
+              <a:t>framework class that manages all the database communication and exception </a:t>
+            </a:r>
+            <a:r>
+              <a:rPr lang="en-US" sz="2400" dirty="0" smtClean="0"/>
+              <a:t>handling</a:t>
+            </a:r>
+          </a:p>
+          <a:p>
+            <a:r>
+              <a:rPr lang="en-US" sz="2400" dirty="0" err="1"/>
+              <a:t>JdbcTemplate</a:t>
+            </a:r>
+            <a:r>
+              <a:rPr lang="en-US" sz="2400" dirty="0"/>
+              <a:t> class executes SQL queries, update statements and stored procedure calls, performs iteration over </a:t>
+            </a:r>
+            <a:r>
+              <a:rPr lang="en-US" sz="2400" dirty="0" err="1"/>
+              <a:t>ResultSets</a:t>
+            </a:r>
+            <a:r>
+              <a:rPr lang="en-US" sz="2400" dirty="0"/>
+              <a:t> and extraction of returned parameter </a:t>
+            </a:r>
+            <a:r>
+              <a:rPr lang="en-US" sz="2400" dirty="0" smtClean="0"/>
+              <a:t>values.</a:t>
+            </a:r>
+          </a:p>
+          <a:p>
+            <a:endParaRPr lang="en-US" sz="2400" dirty="0"/>
+          </a:p>
+          <a:p>
+            <a:r>
+              <a:rPr lang="en-US" sz="2400" dirty="0" smtClean="0"/>
+              <a:t>Instances </a:t>
+            </a:r>
+            <a:r>
+              <a:rPr lang="en-US" sz="2400" dirty="0"/>
+              <a:t>of the </a:t>
+            </a:r>
+            <a:r>
+              <a:rPr lang="en-US" sz="2400" i="1" dirty="0" err="1"/>
+              <a:t>JdbcTemplate</a:t>
+            </a:r>
+            <a:r>
+              <a:rPr lang="en-US" sz="2400" dirty="0"/>
+              <a:t> class are </a:t>
+            </a:r>
+            <a:r>
+              <a:rPr lang="en-US" sz="2400" i="1" dirty="0" err="1"/>
+              <a:t>threadsafe</a:t>
+            </a:r>
+            <a:r>
+              <a:rPr lang="en-US" sz="2400" dirty="0"/>
+              <a:t> once configured. So you can configure a single instance of a </a:t>
+            </a:r>
+            <a:r>
+              <a:rPr lang="en-US" sz="2400" i="1" dirty="0" err="1"/>
+              <a:t>JdbcTemplate</a:t>
+            </a:r>
+            <a:r>
+              <a:rPr lang="en-US" sz="2400" dirty="0"/>
+              <a:t> and then safely inject this shared reference into multiple DAOs</a:t>
+            </a:r>
+          </a:p>
+        </p:txBody>
+      </p:sp>
+      <p:sp>
+        <p:nvSpPr>
+          <p:cNvPr id="3" name="Date Placeholder 2"/>
+          <p:cNvSpPr>
+            <a:spLocks noGrp="1"/>
+          </p:cNvSpPr>
+          <p:nvPr>
+            <p:ph type="dt" sz="half" idx="10"/>
+          </p:nvPr>
+        </p:nvSpPr>
+        <p:spPr/>
+        <p:txBody>
+          <a:bodyPr/>
+          <a:lstStyle/>
+          <a:p>
+            <a:fld id="{7AC11F0B-9A29-4EBD-B631-6648006CA4E4}" type="datetime1">
+              <a:rPr lang="en-US" smtClean="0"/>
+              <a:t>3/24/2016</a:t>
+            </a:fld>
+            <a:endParaRPr lang="en-US" dirty="0"/>
+          </a:p>
+        </p:txBody>
+      </p:sp>
+      <p:sp>
+        <p:nvSpPr>
+          <p:cNvPr id="4" name="Footer Placeholder 3"/>
+          <p:cNvSpPr>
+            <a:spLocks noGrp="1"/>
+          </p:cNvSpPr>
+          <p:nvPr>
+            <p:ph type="ftr" sz="quarter" idx="11"/>
+          </p:nvPr>
+        </p:nvSpPr>
+        <p:spPr/>
+        <p:txBody>
+          <a:bodyPr/>
+          <a:lstStyle/>
+          <a:p>
+            <a:r>
+              <a:rPr lang="en-US" smtClean="0"/>
+              <a:t>All rights reserved by Five 9 Group, Inc.</a:t>
+            </a:r>
+            <a:endParaRPr lang="en-US" dirty="0"/>
+          </a:p>
+        </p:txBody>
+      </p:sp>
+      <p:sp>
+        <p:nvSpPr>
+          <p:cNvPr id="5" name="Slide Number Placeholder 4"/>
+          <p:cNvSpPr>
+            <a:spLocks noGrp="1"/>
+          </p:cNvSpPr>
+          <p:nvPr>
+            <p:ph type="sldNum" sz="quarter" idx="12"/>
+          </p:nvPr>
+        </p:nvSpPr>
+        <p:spPr/>
+        <p:txBody>
+          <a:bodyPr/>
+          <a:lstStyle/>
+          <a:p>
+            <a:fld id="{125AF1D8-B0AE-4E77-AA99-EC861FD2EC07}" type="slidenum">
+              <a:rPr lang="en-US" smtClean="0"/>
+              <a:t>37</a:t>
+            </a:fld>
+            <a:endParaRPr lang="en-US"/>
+          </a:p>
+        </p:txBody>
+      </p:sp>
+      <p:sp>
+        <p:nvSpPr>
+          <p:cNvPr id="6" name="Title 5"/>
+          <p:cNvSpPr>
+            <a:spLocks noGrp="1"/>
+          </p:cNvSpPr>
+          <p:nvPr>
+            <p:ph type="title"/>
+          </p:nvPr>
+        </p:nvSpPr>
+        <p:spPr/>
+        <p:txBody>
+          <a:bodyPr/>
+          <a:lstStyle/>
+          <a:p>
+            <a:r>
+              <a:rPr lang="en-US" dirty="0" smtClean="0"/>
+              <a:t>Spring JDBC</a:t>
+            </a:r>
+            <a:endParaRPr lang="en-US" dirty="0"/>
+          </a:p>
+        </p:txBody>
+      </p:sp>
+    </p:spTree>
+    <p:extLst>
+      <p:ext uri="{BB962C8B-B14F-4D97-AF65-F5344CB8AC3E}">
+        <p14:creationId xmlns:p14="http://schemas.microsoft.com/office/powerpoint/2010/main" val="2012471350"/>
+      </p:ext>
+    </p:extLst>
+  </p:cSld>
+  <p:clrMapOvr>
+    <a:masterClrMapping/>
+  </p:clrMapOvr>
+</p:sld>
+</file>
+
+<file path=ppt/slides/slide39.xml><?xml version="1.0" encoding="utf-8"?>
+<p:sld xmlns:a="http://schemas.openxmlformats.org/drawingml/2006/main" xmlns:r="http://schemas.openxmlformats.org/officeDocument/2006/relationships" xmlns:p="http://schemas.openxmlformats.org/presentationml/2006/main">
+  <p:cSld>
+    <p:spTree>
+      <p:nvGrpSpPr>
+        <p:cNvPr id="1" name=""/>
+        <p:cNvGrpSpPr/>
+        <p:nvPr/>
+      </p:nvGrpSpPr>
+      <p:grpSpPr>
+        <a:xfrm>
+          <a:off x="0" y="0"/>
+          <a:ext cx="0" cy="0"/>
+          <a:chOff x="0" y="0"/>
+          <a:chExt cx="0" cy="0"/>
+        </a:xfrm>
+      </p:grpSpPr>
+      <p:sp>
+        <p:nvSpPr>
+          <p:cNvPr id="3" name="Date Placeholder 2"/>
+          <p:cNvSpPr>
+            <a:spLocks noGrp="1"/>
+          </p:cNvSpPr>
+          <p:nvPr>
+            <p:ph type="dt" sz="half" idx="10"/>
+          </p:nvPr>
+        </p:nvSpPr>
+        <p:spPr/>
+        <p:txBody>
+          <a:bodyPr/>
+          <a:lstStyle/>
+          <a:p>
+            <a:fld id="{7AC11F0B-9A29-4EBD-B631-6648006CA4E4}" type="datetime1">
+              <a:rPr lang="en-US" smtClean="0"/>
+              <a:t>3/24/2016</a:t>
+            </a:fld>
+            <a:endParaRPr lang="en-US" dirty="0"/>
+          </a:p>
+        </p:txBody>
+      </p:sp>
+      <p:sp>
+        <p:nvSpPr>
+          <p:cNvPr id="4" name="Footer Placeholder 3"/>
+          <p:cNvSpPr>
+            <a:spLocks noGrp="1"/>
+          </p:cNvSpPr>
+          <p:nvPr>
+            <p:ph type="ftr" sz="quarter" idx="11"/>
+          </p:nvPr>
+        </p:nvSpPr>
+        <p:spPr/>
+        <p:txBody>
+          <a:bodyPr/>
+          <a:lstStyle/>
+          <a:p>
+            <a:r>
+              <a:rPr lang="en-US" smtClean="0"/>
+              <a:t>All rights reserved by Five 9 Group, Inc.</a:t>
+            </a:r>
+            <a:endParaRPr lang="en-US" dirty="0"/>
+          </a:p>
+        </p:txBody>
+      </p:sp>
+      <p:sp>
+        <p:nvSpPr>
+          <p:cNvPr id="5" name="Slide Number Placeholder 4"/>
+          <p:cNvSpPr>
+            <a:spLocks noGrp="1"/>
+          </p:cNvSpPr>
+          <p:nvPr>
+            <p:ph type="sldNum" sz="quarter" idx="12"/>
+          </p:nvPr>
+        </p:nvSpPr>
+        <p:spPr/>
+        <p:txBody>
+          <a:bodyPr/>
+          <a:lstStyle/>
+          <a:p>
+            <a:fld id="{125AF1D8-B0AE-4E77-AA99-EC861FD2EC07}" type="slidenum">
+              <a:rPr lang="en-US" smtClean="0"/>
+              <a:t>38</a:t>
             </a:fld>
             <a:endParaRPr lang="en-US"/>
           </a:p>
@@ -8462,7 +10302,7 @@
 </p:sld>
 </file>
 
-<file path=ppt/slides/slide31.xml><?xml version="1.0" encoding="utf-8"?>
+<file path=ppt/slides/slide4.xml><?xml version="1.0" encoding="utf-8"?>
 <p:sld xmlns:a="http://schemas.openxmlformats.org/drawingml/2006/main" xmlns:r="http://schemas.openxmlformats.org/officeDocument/2006/relationships" xmlns:p="http://schemas.openxmlformats.org/presentationml/2006/main">
   <p:cSld>
     <p:spTree>
@@ -8481,6 +10321,221 @@
       </p:grpSpPr>
       <p:sp>
         <p:nvSpPr>
+          <p:cNvPr id="8" name="Content Placeholder 7"/>
+          <p:cNvSpPr>
+            <a:spLocks noGrp="1"/>
+          </p:cNvSpPr>
+          <p:nvPr>
+            <p:ph idx="1"/>
+          </p:nvPr>
+        </p:nvSpPr>
+        <p:spPr>
+          <a:xfrm>
+            <a:off x="628648" y="1014349"/>
+            <a:ext cx="8020115" cy="5143260"/>
+          </a:xfrm>
+        </p:spPr>
+        <p:txBody>
+          <a:bodyPr/>
+          <a:lstStyle/>
+          <a:p>
+            <a:r>
+              <a:rPr lang="en-US" dirty="0" smtClean="0"/>
+              <a:t>The Spring Framework is an open source application framework.</a:t>
+            </a:r>
+          </a:p>
+          <a:p>
+            <a:r>
+              <a:rPr lang="en-US" dirty="0" smtClean="0"/>
+              <a:t>It provides comprehensive infrastructure support for developing Java application</a:t>
+            </a:r>
+          </a:p>
+          <a:p>
+            <a:pPr marL="0" indent="0">
+              <a:buNone/>
+            </a:pPr>
+            <a:r>
+              <a:rPr lang="en-US" dirty="0"/>
+              <a:t> </a:t>
+            </a:r>
+            <a:r>
+              <a:rPr lang="en-US" dirty="0" smtClean="0"/>
+              <a:t>        </a:t>
+            </a:r>
+            <a:r>
+              <a:rPr lang="en-US" sz="2000" dirty="0" smtClean="0"/>
+              <a:t>Spring deals with plumbing </a:t>
+            </a:r>
+          </a:p>
+          <a:p>
+            <a:pPr marL="0" indent="0">
+              <a:buNone/>
+            </a:pPr>
+            <a:r>
+              <a:rPr lang="en-US" dirty="0" smtClean="0"/>
+              <a:t>Spring Integrates well with other enterprise services</a:t>
+            </a:r>
+          </a:p>
+          <a:p>
+            <a:pPr marL="0" indent="0">
+              <a:buNone/>
+            </a:pPr>
+            <a:r>
+              <a:rPr lang="en-US" sz="2000" dirty="0"/>
+              <a:t> </a:t>
+            </a:r>
+            <a:r>
+              <a:rPr lang="en-US" sz="2000" dirty="0" smtClean="0"/>
+              <a:t>             Messaging, Remote Access</a:t>
+            </a:r>
+          </a:p>
+          <a:p>
+            <a:r>
+              <a:rPr lang="en-US" dirty="0" smtClean="0"/>
+              <a:t>Spring makes data access easier to do</a:t>
+            </a:r>
+          </a:p>
+          <a:p>
+            <a:pPr lvl="1"/>
+            <a:r>
+              <a:rPr lang="en-US" sz="2000" dirty="0" smtClean="0"/>
+              <a:t>Manages Resources, supports all major data access technologies.</a:t>
+            </a:r>
+            <a:endParaRPr lang="en-US" sz="2000" dirty="0"/>
+          </a:p>
+        </p:txBody>
+      </p:sp>
+      <p:sp>
+        <p:nvSpPr>
+          <p:cNvPr id="3" name="Date Placeholder 2"/>
+          <p:cNvSpPr>
+            <a:spLocks noGrp="1"/>
+          </p:cNvSpPr>
+          <p:nvPr>
+            <p:ph type="dt" sz="half" idx="10"/>
+          </p:nvPr>
+        </p:nvSpPr>
+        <p:spPr/>
+        <p:txBody>
+          <a:bodyPr/>
+          <a:lstStyle/>
+          <a:p>
+            <a:fld id="{7AC11F0B-9A29-4EBD-B631-6648006CA4E4}" type="datetime1">
+              <a:rPr lang="en-US" smtClean="0"/>
+              <a:t>3/24/2016</a:t>
+            </a:fld>
+            <a:endParaRPr lang="en-US" dirty="0"/>
+          </a:p>
+        </p:txBody>
+      </p:sp>
+      <p:sp>
+        <p:nvSpPr>
+          <p:cNvPr id="4" name="Footer Placeholder 3"/>
+          <p:cNvSpPr>
+            <a:spLocks noGrp="1"/>
+          </p:cNvSpPr>
+          <p:nvPr>
+            <p:ph type="ftr" sz="quarter" idx="11"/>
+          </p:nvPr>
+        </p:nvSpPr>
+        <p:spPr/>
+        <p:txBody>
+          <a:bodyPr/>
+          <a:lstStyle/>
+          <a:p>
+            <a:r>
+              <a:rPr lang="en-US" smtClean="0"/>
+              <a:t>All rights reserved by Five 9 Group, Inc.</a:t>
+            </a:r>
+            <a:endParaRPr lang="en-US" dirty="0"/>
+          </a:p>
+        </p:txBody>
+      </p:sp>
+      <p:sp>
+        <p:nvSpPr>
+          <p:cNvPr id="5" name="Slide Number Placeholder 4"/>
+          <p:cNvSpPr>
+            <a:spLocks noGrp="1"/>
+          </p:cNvSpPr>
+          <p:nvPr>
+            <p:ph type="sldNum" sz="quarter" idx="12"/>
+          </p:nvPr>
+        </p:nvSpPr>
+        <p:spPr/>
+        <p:txBody>
+          <a:bodyPr/>
+          <a:lstStyle/>
+          <a:p>
+            <a:fld id="{125AF1D8-B0AE-4E77-AA99-EC861FD2EC07}" type="slidenum">
+              <a:rPr lang="en-US" smtClean="0"/>
+              <a:t>3</a:t>
+            </a:fld>
+            <a:endParaRPr lang="en-US"/>
+          </a:p>
+        </p:txBody>
+      </p:sp>
+      <p:sp>
+        <p:nvSpPr>
+          <p:cNvPr id="7" name="Title 6"/>
+          <p:cNvSpPr>
+            <a:spLocks noGrp="1"/>
+          </p:cNvSpPr>
+          <p:nvPr>
+            <p:ph type="title"/>
+          </p:nvPr>
+        </p:nvSpPr>
+        <p:spPr/>
+        <p:txBody>
+          <a:bodyPr/>
+          <a:lstStyle/>
+          <a:p>
+            <a:r>
+              <a:rPr lang="en-US" dirty="0" smtClean="0"/>
+              <a:t>Introduction to Spring</a:t>
+            </a:r>
+            <a:endParaRPr lang="en-US" dirty="0"/>
+          </a:p>
+        </p:txBody>
+      </p:sp>
+    </p:spTree>
+    <p:extLst>
+      <p:ext uri="{BB962C8B-B14F-4D97-AF65-F5344CB8AC3E}">
+        <p14:creationId xmlns:p14="http://schemas.microsoft.com/office/powerpoint/2010/main" val="1558695442"/>
+      </p:ext>
+    </p:extLst>
+  </p:cSld>
+  <p:clrMapOvr>
+    <a:masterClrMapping/>
+  </p:clrMapOvr>
+  <p:timing>
+    <p:tnLst>
+      <p:par>
+        <p:cTn id="1" dur="indefinite" restart="never" nodeType="tmRoot"/>
+      </p:par>
+    </p:tnLst>
+  </p:timing>
+</p:sld>
+</file>
+
+<file path=ppt/slides/slide40.xml><?xml version="1.0" encoding="utf-8"?>
+<p:sld xmlns:a="http://schemas.openxmlformats.org/drawingml/2006/main" xmlns:r="http://schemas.openxmlformats.org/officeDocument/2006/relationships" xmlns:p="http://schemas.openxmlformats.org/presentationml/2006/main">
+  <p:cSld>
+    <p:spTree>
+      <p:nvGrpSpPr>
+        <p:cNvPr id="1" name=""/>
+        <p:cNvGrpSpPr/>
+        <p:nvPr/>
+      </p:nvGrpSpPr>
+      <p:grpSpPr>
+        <a:xfrm>
+          <a:off x="0" y="0"/>
+          <a:ext cx="0" cy="0"/>
+          <a:chOff x="0" y="0"/>
+          <a:chExt cx="0" cy="0"/>
+        </a:xfrm>
+      </p:grpSpPr>
+      <p:sp>
+        <p:nvSpPr>
           <p:cNvPr id="2" name="Content Placeholder 1"/>
           <p:cNvSpPr>
             <a:spLocks noGrp="1"/>
@@ -8547,7 +10602,7 @@
           <a:p>
             <a:fld id="{7AC11F0B-9A29-4EBD-B631-6648006CA4E4}" type="datetime1">
               <a:rPr lang="en-US" smtClean="0"/>
-              <a:t>3/16/2016</a:t>
+              <a:t>3/24/2016</a:t>
             </a:fld>
             <a:endParaRPr lang="en-US" dirty="0"/>
           </a:p>
@@ -8593,7 +10648,7 @@
           <a:p>
             <a:fld id="{125AF1D8-B0AE-4E77-AA99-EC861FD2EC07}" type="slidenum">
               <a:rPr lang="en-US" smtClean="0"/>
-              <a:t>30</a:t>
+              <a:t>39</a:t>
             </a:fld>
             <a:endParaRPr lang="en-US"/>
           </a:p>
@@ -8665,7 +10720,555 @@
 </p:sld>
 </file>
 
-<file path=ppt/slides/slide32.xml><?xml version="1.0" encoding="utf-8"?>
+<file path=ppt/slides/slide41.xml><?xml version="1.0" encoding="utf-8"?>
+<p:sld xmlns:a="http://schemas.openxmlformats.org/drawingml/2006/main" xmlns:r="http://schemas.openxmlformats.org/officeDocument/2006/relationships" xmlns:p="http://schemas.openxmlformats.org/presentationml/2006/main">
+  <p:cSld>
+    <p:spTree>
+      <p:nvGrpSpPr>
+        <p:cNvPr id="1" name=""/>
+        <p:cNvGrpSpPr/>
+        <p:nvPr/>
+      </p:nvGrpSpPr>
+      <p:grpSpPr>
+        <a:xfrm>
+          <a:off x="0" y="0"/>
+          <a:ext cx="0" cy="0"/>
+          <a:chOff x="0" y="0"/>
+          <a:chExt cx="0" cy="0"/>
+        </a:xfrm>
+      </p:grpSpPr>
+      <p:sp>
+        <p:nvSpPr>
+          <p:cNvPr id="7" name="Title 6"/>
+          <p:cNvSpPr>
+            <a:spLocks noGrp="1"/>
+          </p:cNvSpPr>
+          <p:nvPr>
+            <p:ph type="title"/>
+          </p:nvPr>
+        </p:nvSpPr>
+        <p:spPr>
+          <a:xfrm>
+            <a:off x="768095" y="3127248"/>
+            <a:ext cx="6226091" cy="1311128"/>
+          </a:xfrm>
+        </p:spPr>
+        <p:txBody>
+          <a:bodyPr/>
+          <a:lstStyle/>
+          <a:p>
+            <a:r>
+              <a:rPr lang="en-US" dirty="0" smtClean="0"/>
+              <a:t>Integration Testing using SpringJUnit4Runner class</a:t>
+            </a:r>
+            <a:endParaRPr lang="en-US" dirty="0"/>
+          </a:p>
+        </p:txBody>
+      </p:sp>
+      <p:sp>
+        <p:nvSpPr>
+          <p:cNvPr id="8" name="Text Placeholder 7"/>
+          <p:cNvSpPr>
+            <a:spLocks noGrp="1"/>
+          </p:cNvSpPr>
+          <p:nvPr>
+            <p:ph type="body" sz="quarter" idx="11"/>
+          </p:nvPr>
+        </p:nvSpPr>
+        <p:spPr>
+          <a:xfrm>
+            <a:off x="768094" y="2651760"/>
+            <a:ext cx="8075459" cy="2364377"/>
+          </a:xfrm>
+        </p:spPr>
+        <p:txBody>
+          <a:bodyPr/>
+          <a:lstStyle/>
+          <a:p>
+            <a:endParaRPr lang="en-US" dirty="0"/>
+          </a:p>
+        </p:txBody>
+      </p:sp>
+      <p:sp>
+        <p:nvSpPr>
+          <p:cNvPr id="3" name="Date Placeholder 2"/>
+          <p:cNvSpPr>
+            <a:spLocks noGrp="1"/>
+          </p:cNvSpPr>
+          <p:nvPr>
+            <p:ph type="dt" sz="half" idx="4294967295"/>
+          </p:nvPr>
+        </p:nvSpPr>
+        <p:spPr>
+          <a:xfrm>
+            <a:off x="0" y="6356350"/>
+            <a:ext cx="2057400" cy="365125"/>
+          </a:xfrm>
+        </p:spPr>
+        <p:txBody>
+          <a:bodyPr/>
+          <a:lstStyle/>
+          <a:p>
+            <a:fld id="{7AC11F0B-9A29-4EBD-B631-6648006CA4E4}" type="datetime1">
+              <a:rPr lang="en-US" smtClean="0"/>
+              <a:t>3/24/2016</a:t>
+            </a:fld>
+            <a:endParaRPr lang="en-US" dirty="0"/>
+          </a:p>
+        </p:txBody>
+      </p:sp>
+      <p:sp>
+        <p:nvSpPr>
+          <p:cNvPr id="4" name="Footer Placeholder 3"/>
+          <p:cNvSpPr>
+            <a:spLocks noGrp="1"/>
+          </p:cNvSpPr>
+          <p:nvPr>
+            <p:ph type="ftr" sz="quarter" idx="4294967295"/>
+          </p:nvPr>
+        </p:nvSpPr>
+        <p:spPr>
+          <a:xfrm>
+            <a:off x="0" y="6356350"/>
+            <a:ext cx="3086100" cy="365125"/>
+          </a:xfrm>
+        </p:spPr>
+        <p:txBody>
+          <a:bodyPr/>
+          <a:lstStyle/>
+          <a:p>
+            <a:r>
+              <a:rPr lang="en-US" smtClean="0"/>
+              <a:t>All rights reserved by Five 9 Group, Inc.</a:t>
+            </a:r>
+            <a:endParaRPr lang="en-US" dirty="0"/>
+          </a:p>
+        </p:txBody>
+      </p:sp>
+      <p:sp>
+        <p:nvSpPr>
+          <p:cNvPr id="5" name="Slide Number Placeholder 4"/>
+          <p:cNvSpPr>
+            <a:spLocks noGrp="1"/>
+          </p:cNvSpPr>
+          <p:nvPr>
+            <p:ph type="sldNum" sz="quarter" idx="4294967295"/>
+          </p:nvPr>
+        </p:nvSpPr>
+        <p:spPr>
+          <a:xfrm>
+            <a:off x="7086600" y="6356350"/>
+            <a:ext cx="2057400" cy="365125"/>
+          </a:xfrm>
+        </p:spPr>
+        <p:txBody>
+          <a:bodyPr/>
+          <a:lstStyle/>
+          <a:p>
+            <a:fld id="{125AF1D8-B0AE-4E77-AA99-EC861FD2EC07}" type="slidenum">
+              <a:rPr lang="en-US" smtClean="0"/>
+              <a:t>40</a:t>
+            </a:fld>
+            <a:endParaRPr lang="en-US"/>
+          </a:p>
+        </p:txBody>
+      </p:sp>
+    </p:spTree>
+    <p:extLst>
+      <p:ext uri="{BB962C8B-B14F-4D97-AF65-F5344CB8AC3E}">
+        <p14:creationId xmlns:p14="http://schemas.microsoft.com/office/powerpoint/2010/main" val="700179397"/>
+      </p:ext>
+    </p:extLst>
+  </p:cSld>
+  <p:clrMapOvr>
+    <a:masterClrMapping/>
+  </p:clrMapOvr>
+</p:sld>
+</file>
+
+<file path=ppt/slides/slide42.xml><?xml version="1.0" encoding="utf-8"?>
+<p:sld xmlns:a="http://schemas.openxmlformats.org/drawingml/2006/main" xmlns:r="http://schemas.openxmlformats.org/officeDocument/2006/relationships" xmlns:p="http://schemas.openxmlformats.org/presentationml/2006/main">
+  <p:cSld>
+    <p:spTree>
+      <p:nvGrpSpPr>
+        <p:cNvPr id="1" name=""/>
+        <p:cNvGrpSpPr/>
+        <p:nvPr/>
+      </p:nvGrpSpPr>
+      <p:grpSpPr>
+        <a:xfrm>
+          <a:off x="0" y="0"/>
+          <a:ext cx="0" cy="0"/>
+          <a:chOff x="0" y="0"/>
+          <a:chExt cx="0" cy="0"/>
+        </a:xfrm>
+      </p:grpSpPr>
+      <p:sp>
+        <p:nvSpPr>
+          <p:cNvPr id="2" name="Content Placeholder 1"/>
+          <p:cNvSpPr>
+            <a:spLocks noGrp="1"/>
+          </p:cNvSpPr>
+          <p:nvPr>
+            <p:ph idx="1"/>
+          </p:nvPr>
+        </p:nvSpPr>
+        <p:spPr>
+          <a:xfrm>
+            <a:off x="628648" y="1724297"/>
+            <a:ext cx="8020115" cy="4433312"/>
+          </a:xfrm>
+        </p:spPr>
+        <p:txBody>
+          <a:bodyPr/>
+          <a:lstStyle/>
+          <a:p>
+            <a:r>
+              <a:rPr lang="en-US" dirty="0" smtClean="0"/>
+              <a:t>The code can be tested without deploying to any container.</a:t>
+            </a:r>
+          </a:p>
+          <a:p>
+            <a:pPr marL="0" indent="0">
+              <a:buNone/>
+            </a:pPr>
+            <a:r>
+              <a:rPr lang="en-US" sz="1800" dirty="0"/>
+              <a:t> </a:t>
+            </a:r>
+            <a:r>
+              <a:rPr lang="en-US" sz="1800" dirty="0" smtClean="0"/>
+              <a:t>      i.e. you can test everything within eclipse.</a:t>
+            </a:r>
+          </a:p>
+          <a:p>
+            <a:r>
+              <a:rPr lang="en-US" dirty="0" smtClean="0"/>
+              <a:t>You can re-use your configuration file to test in different environments.</a:t>
+            </a:r>
+          </a:p>
+          <a:p>
+            <a:pPr marL="0" indent="0">
+              <a:buNone/>
+            </a:pPr>
+            <a:r>
+              <a:rPr lang="en-US" sz="1800" dirty="0"/>
+              <a:t> </a:t>
+            </a:r>
+            <a:r>
+              <a:rPr lang="en-US" sz="1800" dirty="0" smtClean="0"/>
+              <a:t>     i.e. create different configuration file for each environment if the infrastructure is different without having to change an code.</a:t>
+            </a:r>
+            <a:endParaRPr lang="en-US" sz="1800" dirty="0"/>
+          </a:p>
+        </p:txBody>
+      </p:sp>
+      <p:sp>
+        <p:nvSpPr>
+          <p:cNvPr id="3" name="Date Placeholder 2"/>
+          <p:cNvSpPr>
+            <a:spLocks noGrp="1"/>
+          </p:cNvSpPr>
+          <p:nvPr>
+            <p:ph type="dt" sz="half" idx="10"/>
+          </p:nvPr>
+        </p:nvSpPr>
+        <p:spPr/>
+        <p:txBody>
+          <a:bodyPr/>
+          <a:lstStyle/>
+          <a:p>
+            <a:fld id="{C8949D56-DBDD-4CB9-A3EC-4A16FD22C3CB}" type="datetime1">
+              <a:rPr lang="en-US" smtClean="0"/>
+              <a:t>3/24/2016</a:t>
+            </a:fld>
+            <a:endParaRPr lang="en-US" dirty="0"/>
+          </a:p>
+        </p:txBody>
+      </p:sp>
+      <p:sp>
+        <p:nvSpPr>
+          <p:cNvPr id="4" name="Footer Placeholder 3"/>
+          <p:cNvSpPr>
+            <a:spLocks noGrp="1"/>
+          </p:cNvSpPr>
+          <p:nvPr>
+            <p:ph type="ftr" sz="quarter" idx="11"/>
+          </p:nvPr>
+        </p:nvSpPr>
+        <p:spPr/>
+        <p:txBody>
+          <a:bodyPr/>
+          <a:lstStyle/>
+          <a:p>
+            <a:r>
+              <a:rPr lang="en-US" smtClean="0"/>
+              <a:t>All rights reserved by Five 9 Group, Inc.</a:t>
+            </a:r>
+            <a:endParaRPr lang="en-US" dirty="0"/>
+          </a:p>
+        </p:txBody>
+      </p:sp>
+      <p:sp>
+        <p:nvSpPr>
+          <p:cNvPr id="5" name="Slide Number Placeholder 4"/>
+          <p:cNvSpPr>
+            <a:spLocks noGrp="1"/>
+          </p:cNvSpPr>
+          <p:nvPr>
+            <p:ph type="sldNum" sz="quarter" idx="12"/>
+          </p:nvPr>
+        </p:nvSpPr>
+        <p:spPr/>
+        <p:txBody>
+          <a:bodyPr/>
+          <a:lstStyle/>
+          <a:p>
+            <a:fld id="{125AF1D8-B0AE-4E77-AA99-EC861FD2EC07}" type="slidenum">
+              <a:rPr lang="en-US" smtClean="0"/>
+              <a:t>41</a:t>
+            </a:fld>
+            <a:endParaRPr lang="en-US"/>
+          </a:p>
+        </p:txBody>
+      </p:sp>
+      <p:sp>
+        <p:nvSpPr>
+          <p:cNvPr id="6" name="Title 5"/>
+          <p:cNvSpPr>
+            <a:spLocks noGrp="1"/>
+          </p:cNvSpPr>
+          <p:nvPr>
+            <p:ph type="title"/>
+          </p:nvPr>
+        </p:nvSpPr>
+        <p:spPr/>
+        <p:txBody>
+          <a:bodyPr/>
+          <a:lstStyle/>
+          <a:p>
+            <a:r>
+              <a:rPr lang="en-US" dirty="0" smtClean="0"/>
+              <a:t>Advantages of Integration Testing</a:t>
+            </a:r>
+            <a:endParaRPr lang="en-US" dirty="0"/>
+          </a:p>
+        </p:txBody>
+      </p:sp>
+    </p:spTree>
+    <p:extLst>
+      <p:ext uri="{BB962C8B-B14F-4D97-AF65-F5344CB8AC3E}">
+        <p14:creationId xmlns:p14="http://schemas.microsoft.com/office/powerpoint/2010/main" val="3217998178"/>
+      </p:ext>
+    </p:extLst>
+  </p:cSld>
+  <p:clrMapOvr>
+    <a:masterClrMapping/>
+  </p:clrMapOvr>
+</p:sld>
+</file>
+
+<file path=ppt/slides/slide43.xml><?xml version="1.0" encoding="utf-8"?>
+<p:sld xmlns:a="http://schemas.openxmlformats.org/drawingml/2006/main" xmlns:r="http://schemas.openxmlformats.org/officeDocument/2006/relationships" xmlns:p="http://schemas.openxmlformats.org/presentationml/2006/main">
+  <p:cSld>
+    <p:spTree>
+      <p:nvGrpSpPr>
+        <p:cNvPr id="1" name=""/>
+        <p:cNvGrpSpPr/>
+        <p:nvPr/>
+      </p:nvGrpSpPr>
+      <p:grpSpPr>
+        <a:xfrm>
+          <a:off x="0" y="0"/>
+          <a:ext cx="0" cy="0"/>
+          <a:chOff x="0" y="0"/>
+          <a:chExt cx="0" cy="0"/>
+        </a:xfrm>
+      </p:grpSpPr>
+      <p:sp>
+        <p:nvSpPr>
+          <p:cNvPr id="2" name="Content Placeholder 1"/>
+          <p:cNvSpPr>
+            <a:spLocks noGrp="1"/>
+          </p:cNvSpPr>
+          <p:nvPr>
+            <p:ph idx="1"/>
+          </p:nvPr>
+        </p:nvSpPr>
+        <p:spPr>
+          <a:xfrm>
+            <a:off x="628648" y="1394928"/>
+            <a:ext cx="8020115" cy="4762682"/>
+          </a:xfrm>
+        </p:spPr>
+        <p:txBody>
+          <a:bodyPr/>
+          <a:lstStyle/>
+          <a:p>
+            <a:r>
+              <a:rPr lang="en-US" dirty="0" smtClean="0"/>
+              <a:t>SpringJUnit4Runner consists of  several Junit test support classes.</a:t>
+            </a:r>
+          </a:p>
+          <a:p>
+            <a:r>
+              <a:rPr lang="en-US" dirty="0" smtClean="0"/>
+              <a:t>It uses shared Application Context across test methods.</a:t>
+            </a:r>
+          </a:p>
+          <a:p>
+            <a:r>
+              <a:rPr lang="en-US" dirty="0" smtClean="0"/>
+              <a:t>The tests are annotated with @</a:t>
+            </a:r>
+            <a:r>
+              <a:rPr lang="en-US" dirty="0" err="1" smtClean="0"/>
+              <a:t>ContextConfiguration</a:t>
+            </a:r>
+            <a:endParaRPr lang="en-US" dirty="0" smtClean="0"/>
+          </a:p>
+          <a:p>
+            <a:r>
+              <a:rPr lang="en-US" dirty="0" smtClean="0"/>
+              <a:t>We can specify the location of our configuration file by specifying the </a:t>
+            </a:r>
+            <a:r>
+              <a:rPr lang="en-US" dirty="0" err="1" smtClean="0"/>
+              <a:t>classpath</a:t>
+            </a:r>
+            <a:r>
+              <a:rPr lang="en-US" dirty="0" smtClean="0"/>
+              <a:t>.</a:t>
+            </a:r>
+          </a:p>
+          <a:p>
+            <a:r>
+              <a:rPr lang="en-US" dirty="0" smtClean="0"/>
+              <a:t>We can inject a bean by using @</a:t>
+            </a:r>
+            <a:r>
+              <a:rPr lang="en-US" dirty="0" err="1" smtClean="0"/>
+              <a:t>Autowired</a:t>
+            </a:r>
+            <a:r>
+              <a:rPr lang="en-US" dirty="0" smtClean="0"/>
+              <a:t> annotation.</a:t>
+            </a:r>
+            <a:endParaRPr lang="en-US" dirty="0"/>
+          </a:p>
+        </p:txBody>
+      </p:sp>
+      <p:sp>
+        <p:nvSpPr>
+          <p:cNvPr id="3" name="Date Placeholder 2"/>
+          <p:cNvSpPr>
+            <a:spLocks noGrp="1"/>
+          </p:cNvSpPr>
+          <p:nvPr>
+            <p:ph type="dt" sz="half" idx="10"/>
+          </p:nvPr>
+        </p:nvSpPr>
+        <p:spPr/>
+        <p:txBody>
+          <a:bodyPr/>
+          <a:lstStyle/>
+          <a:p>
+            <a:fld id="{C8949D56-DBDD-4CB9-A3EC-4A16FD22C3CB}" type="datetime1">
+              <a:rPr lang="en-US" smtClean="0"/>
+              <a:t>3/24/2016</a:t>
+            </a:fld>
+            <a:endParaRPr lang="en-US" dirty="0"/>
+          </a:p>
+        </p:txBody>
+      </p:sp>
+      <p:sp>
+        <p:nvSpPr>
+          <p:cNvPr id="4" name="Footer Placeholder 3"/>
+          <p:cNvSpPr>
+            <a:spLocks noGrp="1"/>
+          </p:cNvSpPr>
+          <p:nvPr>
+            <p:ph type="ftr" sz="quarter" idx="11"/>
+          </p:nvPr>
+        </p:nvSpPr>
+        <p:spPr/>
+        <p:txBody>
+          <a:bodyPr/>
+          <a:lstStyle/>
+          <a:p>
+            <a:r>
+              <a:rPr lang="en-US" smtClean="0"/>
+              <a:t>All rights reserved by Five 9 Group, Inc.</a:t>
+            </a:r>
+            <a:endParaRPr lang="en-US" dirty="0"/>
+          </a:p>
+        </p:txBody>
+      </p:sp>
+      <p:sp>
+        <p:nvSpPr>
+          <p:cNvPr id="5" name="Slide Number Placeholder 4"/>
+          <p:cNvSpPr>
+            <a:spLocks noGrp="1"/>
+          </p:cNvSpPr>
+          <p:nvPr>
+            <p:ph type="sldNum" sz="quarter" idx="12"/>
+          </p:nvPr>
+        </p:nvSpPr>
+        <p:spPr/>
+        <p:txBody>
+          <a:bodyPr/>
+          <a:lstStyle/>
+          <a:p>
+            <a:fld id="{125AF1D8-B0AE-4E77-AA99-EC861FD2EC07}" type="slidenum">
+              <a:rPr lang="en-US" smtClean="0"/>
+              <a:t>42</a:t>
+            </a:fld>
+            <a:endParaRPr lang="en-US"/>
+          </a:p>
+        </p:txBody>
+      </p:sp>
+      <p:sp>
+        <p:nvSpPr>
+          <p:cNvPr id="6" name="Title 5"/>
+          <p:cNvSpPr>
+            <a:spLocks noGrp="1"/>
+          </p:cNvSpPr>
+          <p:nvPr>
+            <p:ph type="title"/>
+          </p:nvPr>
+        </p:nvSpPr>
+        <p:spPr>
+          <a:xfrm>
+            <a:off x="628648" y="365124"/>
+            <a:ext cx="8306346" cy="1029803"/>
+          </a:xfrm>
+        </p:spPr>
+        <p:txBody>
+          <a:bodyPr/>
+          <a:lstStyle/>
+          <a:p>
+            <a:r>
+              <a:rPr lang="en-US" dirty="0" smtClean="0"/>
+              <a:t>Integration Testing :SpringJUnit4Runner</a:t>
+            </a:r>
+            <a:endParaRPr lang="en-US" dirty="0"/>
+          </a:p>
+        </p:txBody>
+      </p:sp>
+    </p:spTree>
+    <p:extLst>
+      <p:ext uri="{BB962C8B-B14F-4D97-AF65-F5344CB8AC3E}">
+        <p14:creationId xmlns:p14="http://schemas.microsoft.com/office/powerpoint/2010/main" val="3475273530"/>
+      </p:ext>
+    </p:extLst>
+  </p:cSld>
+  <p:clrMapOvr>
+    <a:masterClrMapping/>
+  </p:clrMapOvr>
+</p:sld>
+</file>
+
+<file path=ppt/slides/slide44.xml><?xml version="1.0" encoding="utf-8"?>
 <p:sld xmlns:a="http://schemas.openxmlformats.org/drawingml/2006/main" xmlns:r="http://schemas.openxmlformats.org/officeDocument/2006/relationships" xmlns:p="http://schemas.openxmlformats.org/presentationml/2006/main">
   <p:cSld>
     <p:spTree>
@@ -8728,7 +11331,7 @@
           <a:p>
             <a:fld id="{7AC11F0B-9A29-4EBD-B631-6648006CA4E4}" type="datetime1">
               <a:rPr lang="en-US" smtClean="0"/>
-              <a:t>3/16/2016</a:t>
+              <a:t>3/24/2016</a:t>
             </a:fld>
             <a:endParaRPr lang="en-US" dirty="0"/>
           </a:p>
@@ -8774,7 +11377,7 @@
           <a:p>
             <a:fld id="{125AF1D8-B0AE-4E77-AA99-EC861FD2EC07}" type="slidenum">
               <a:rPr lang="en-US" smtClean="0"/>
-              <a:t>31</a:t>
+              <a:t>43</a:t>
             </a:fld>
             <a:endParaRPr lang="en-US"/>
           </a:p>
@@ -8797,7 +11400,7 @@
           <a:p>
             <a:r>
               <a:rPr lang="en-US" dirty="0" smtClean="0"/>
-              <a:t>Write a Junit test and run it…</a:t>
+              <a:t>Configurations to run Integration Test</a:t>
             </a:r>
             <a:endParaRPr lang="en-US" dirty="0"/>
           </a:p>
@@ -8816,7 +11419,7 @@
 </p:sld>
 </file>
 
-<file path=ppt/slides/slide33.xml><?xml version="1.0" encoding="utf-8"?>
+<file path=ppt/slides/slide45.xml><?xml version="1.0" encoding="utf-8"?>
 <p:sld xmlns:a="http://schemas.openxmlformats.org/drawingml/2006/main" xmlns:r="http://schemas.openxmlformats.org/officeDocument/2006/relationships" xmlns:p="http://schemas.openxmlformats.org/presentationml/2006/main">
   <p:cSld>
     <p:spTree>
@@ -8879,7 +11482,15 @@
             </a:pPr>
             <a:r>
               <a:rPr lang="en-US" dirty="0" smtClean="0"/>
-              <a:t>Also write unit test for them.</a:t>
+              <a:t>Also write </a:t>
+            </a:r>
+            <a:r>
+              <a:rPr lang="en-US" dirty="0" smtClean="0"/>
+              <a:t>integration tests </a:t>
+            </a:r>
+            <a:r>
+              <a:rPr lang="en-US" dirty="0" smtClean="0"/>
+              <a:t>for them.</a:t>
             </a:r>
           </a:p>
           <a:p>
@@ -8913,7 +11524,7 @@
           <a:p>
             <a:fld id="{7AC11F0B-9A29-4EBD-B631-6648006CA4E4}" type="datetime1">
               <a:rPr lang="en-US" smtClean="0"/>
-              <a:t>3/16/2016</a:t>
+              <a:t>3/24/2016</a:t>
             </a:fld>
             <a:endParaRPr lang="en-US" dirty="0"/>
           </a:p>
@@ -8959,7 +11570,7 @@
           <a:p>
             <a:fld id="{125AF1D8-B0AE-4E77-AA99-EC861FD2EC07}" type="slidenum">
               <a:rPr lang="en-US" smtClean="0"/>
-              <a:t>32</a:t>
+              <a:t>44</a:t>
             </a:fld>
             <a:endParaRPr lang="en-US"/>
           </a:p>
@@ -9001,7 +11612,7 @@
 </p:sld>
 </file>
 
-<file path=ppt/slides/slide34.xml><?xml version="1.0" encoding="utf-8"?>
+<file path=ppt/slides/slide46.xml><?xml version="1.0" encoding="utf-8"?>
 <p:sld xmlns:a="http://schemas.openxmlformats.org/drawingml/2006/main" xmlns:r="http://schemas.openxmlformats.org/officeDocument/2006/relationships" xmlns:p="http://schemas.openxmlformats.org/presentationml/2006/main">
   <p:cSld>
     <p:spTree>
@@ -9095,7 +11706,7 @@
           <a:p>
             <a:fld id="{7AC11F0B-9A29-4EBD-B631-6648006CA4E4}" type="datetime1">
               <a:rPr lang="en-US" smtClean="0"/>
-              <a:t>3/16/2016</a:t>
+              <a:t>3/24/2016</a:t>
             </a:fld>
             <a:endParaRPr lang="en-US" dirty="0"/>
           </a:p>
@@ -9157,7 +11768,7 @@
           <a:p>
             <a:fld id="{125AF1D8-B0AE-4E77-AA99-EC861FD2EC07}" type="slidenum">
               <a:rPr lang="en-US" smtClean="0"/>
-              <a:t>33</a:t>
+              <a:t>45</a:t>
             </a:fld>
             <a:endParaRPr lang="en-US"/>
           </a:p>
@@ -9176,7 +11787,7 @@
 </p:sld>
 </file>
 
-<file path=ppt/slides/slide35.xml><?xml version="1.0" encoding="utf-8"?>
+<file path=ppt/slides/slide47.xml><?xml version="1.0" encoding="utf-8"?>
 <p:sld xmlns:a="http://schemas.openxmlformats.org/drawingml/2006/main" xmlns:r="http://schemas.openxmlformats.org/officeDocument/2006/relationships" xmlns:p="http://schemas.openxmlformats.org/presentationml/2006/main">
   <p:cSld>
     <p:spTree>
@@ -9289,7 +11900,7 @@
 </p:sld>
 </file>
 
-<file path=ppt/slides/slide36.xml><?xml version="1.0" encoding="utf-8"?>
+<file path=ppt/slides/slide48.xml><?xml version="1.0" encoding="utf-8"?>
 <p:sld xmlns:a="http://schemas.openxmlformats.org/drawingml/2006/main" xmlns:r="http://schemas.openxmlformats.org/officeDocument/2006/relationships" xmlns:p="http://schemas.openxmlformats.org/presentationml/2006/main">
   <p:cSld>
     <p:spTree>
@@ -9417,7 +12028,7 @@
 </p:sld>
 </file>
 
-<file path=ppt/slides/slide37.xml><?xml version="1.0" encoding="utf-8"?>
+<file path=ppt/slides/slide49.xml><?xml version="1.0" encoding="utf-8"?>
 <p:sld xmlns:a="http://schemas.openxmlformats.org/drawingml/2006/main" xmlns:r="http://schemas.openxmlformats.org/officeDocument/2006/relationships" xmlns:p="http://schemas.openxmlformats.org/presentationml/2006/main">
   <p:cSld>
     <p:spTree>
@@ -9486,7 +12097,7 @@
           <a:p>
             <a:fld id="{7AC11F0B-9A29-4EBD-B631-6648006CA4E4}" type="datetime1">
               <a:rPr lang="en-US" smtClean="0"/>
-              <a:t>3/16/2016</a:t>
+              <a:t>3/24/2016</a:t>
             </a:fld>
             <a:endParaRPr lang="en-US" dirty="0"/>
           </a:p>
@@ -9532,7 +12143,7 @@
           <a:p>
             <a:fld id="{125AF1D8-B0AE-4E77-AA99-EC861FD2EC07}" type="slidenum">
               <a:rPr lang="en-US" smtClean="0"/>
-              <a:t>36</a:t>
+              <a:t>48</a:t>
             </a:fld>
             <a:endParaRPr lang="en-US"/>
           </a:p>
@@ -9609,7 +12220,7 @@
 </p:sld>
 </file>
 
-<file path=ppt/slides/slide38.xml><?xml version="1.0" encoding="utf-8"?>
+<file path=ppt/slides/slide5.xml><?xml version="1.0" encoding="utf-8"?>
 <p:sld xmlns:a="http://schemas.openxmlformats.org/drawingml/2006/main" xmlns:r="http://schemas.openxmlformats.org/officeDocument/2006/relationships" xmlns:p="http://schemas.openxmlformats.org/presentationml/2006/main">
   <p:cSld>
     <p:spTree>
@@ -9643,6 +12254,169 @@
           <a:p>
             <a:r>
               <a:rPr lang="en-US" dirty="0" smtClean="0"/>
+              <a:t>Lightweight and minimally invasive development with POJO</a:t>
+            </a:r>
+          </a:p>
+          <a:p>
+            <a:r>
+              <a:rPr lang="en-US" dirty="0" smtClean="0"/>
+              <a:t>Loose coupling through dependency injection </a:t>
+            </a:r>
+          </a:p>
+          <a:p>
+            <a:r>
+              <a:rPr lang="en-US" dirty="0" smtClean="0"/>
+              <a:t>Declarative programming through aspects</a:t>
+            </a:r>
+          </a:p>
+          <a:p>
+            <a:r>
+              <a:rPr lang="en-US" dirty="0" smtClean="0"/>
+              <a:t>Boilerplate code reduction through templates </a:t>
+            </a:r>
+            <a:endParaRPr lang="en-US" dirty="0"/>
+          </a:p>
+        </p:txBody>
+      </p:sp>
+      <p:sp>
+        <p:nvSpPr>
+          <p:cNvPr id="3" name="Date Placeholder 2"/>
+          <p:cNvSpPr>
+            <a:spLocks noGrp="1"/>
+          </p:cNvSpPr>
+          <p:nvPr>
+            <p:ph type="dt" sz="half" idx="10"/>
+          </p:nvPr>
+        </p:nvSpPr>
+        <p:spPr/>
+        <p:txBody>
+          <a:bodyPr/>
+          <a:lstStyle/>
+          <a:p>
+            <a:fld id="{416762AD-F359-4A5D-A353-2EAB7A3801EE}" type="datetime1">
+              <a:rPr lang="en-US" smtClean="0"/>
+              <a:t>3/24/2016</a:t>
+            </a:fld>
+            <a:endParaRPr lang="en-US" dirty="0"/>
+          </a:p>
+        </p:txBody>
+      </p:sp>
+      <p:sp>
+        <p:nvSpPr>
+          <p:cNvPr id="4" name="Footer Placeholder 3"/>
+          <p:cNvSpPr>
+            <a:spLocks noGrp="1"/>
+          </p:cNvSpPr>
+          <p:nvPr>
+            <p:ph type="ftr" sz="quarter" idx="11"/>
+          </p:nvPr>
+        </p:nvSpPr>
+        <p:spPr/>
+        <p:txBody>
+          <a:bodyPr/>
+          <a:lstStyle/>
+          <a:p>
+            <a:r>
+              <a:rPr lang="en-US" smtClean="0"/>
+              <a:t>All rights reserved by Five 9 Group, Inc.</a:t>
+            </a:r>
+            <a:endParaRPr lang="en-US" dirty="0"/>
+          </a:p>
+        </p:txBody>
+      </p:sp>
+      <p:sp>
+        <p:nvSpPr>
+          <p:cNvPr id="5" name="Slide Number Placeholder 4"/>
+          <p:cNvSpPr>
+            <a:spLocks noGrp="1"/>
+          </p:cNvSpPr>
+          <p:nvPr>
+            <p:ph type="sldNum" sz="quarter" idx="12"/>
+          </p:nvPr>
+        </p:nvSpPr>
+        <p:spPr/>
+        <p:txBody>
+          <a:bodyPr/>
+          <a:lstStyle/>
+          <a:p>
+            <a:fld id="{125AF1D8-B0AE-4E77-AA99-EC861FD2EC07}" type="slidenum">
+              <a:rPr lang="en-US" smtClean="0"/>
+              <a:t>4</a:t>
+            </a:fld>
+            <a:endParaRPr lang="en-US"/>
+          </a:p>
+        </p:txBody>
+      </p:sp>
+      <p:sp>
+        <p:nvSpPr>
+          <p:cNvPr id="6" name="Title 5"/>
+          <p:cNvSpPr>
+            <a:spLocks noGrp="1"/>
+          </p:cNvSpPr>
+          <p:nvPr>
+            <p:ph type="title"/>
+          </p:nvPr>
+        </p:nvSpPr>
+        <p:spPr/>
+        <p:txBody>
+          <a:bodyPr/>
+          <a:lstStyle/>
+          <a:p>
+            <a:r>
+              <a:rPr lang="en-US" dirty="0" smtClean="0"/>
+              <a:t>Why Spring?</a:t>
+            </a:r>
+            <a:endParaRPr lang="en-US" dirty="0"/>
+          </a:p>
+        </p:txBody>
+      </p:sp>
+    </p:spTree>
+    <p:extLst>
+      <p:ext uri="{BB962C8B-B14F-4D97-AF65-F5344CB8AC3E}">
+        <p14:creationId xmlns:p14="http://schemas.microsoft.com/office/powerpoint/2010/main" val="1731299616"/>
+      </p:ext>
+    </p:extLst>
+  </p:cSld>
+  <p:clrMapOvr>
+    <a:masterClrMapping/>
+  </p:clrMapOvr>
+</p:sld>
+</file>
+
+<file path=ppt/slides/slide50.xml><?xml version="1.0" encoding="utf-8"?>
+<p:sld xmlns:a="http://schemas.openxmlformats.org/drawingml/2006/main" xmlns:r="http://schemas.openxmlformats.org/officeDocument/2006/relationships" xmlns:p="http://schemas.openxmlformats.org/presentationml/2006/main">
+  <p:cSld>
+    <p:spTree>
+      <p:nvGrpSpPr>
+        <p:cNvPr id="1" name=""/>
+        <p:cNvGrpSpPr/>
+        <p:nvPr/>
+      </p:nvGrpSpPr>
+      <p:grpSpPr>
+        <a:xfrm>
+          <a:off x="0" y="0"/>
+          <a:ext cx="0" cy="0"/>
+          <a:chOff x="0" y="0"/>
+          <a:chExt cx="0" cy="0"/>
+        </a:xfrm>
+      </p:grpSpPr>
+      <p:sp>
+        <p:nvSpPr>
+          <p:cNvPr id="2" name="Content Placeholder 1"/>
+          <p:cNvSpPr>
+            <a:spLocks noGrp="1"/>
+          </p:cNvSpPr>
+          <p:nvPr>
+            <p:ph idx="1"/>
+          </p:nvPr>
+        </p:nvSpPr>
+        <p:spPr/>
+        <p:txBody>
+          <a:bodyPr/>
+          <a:lstStyle/>
+          <a:p>
+            <a:r>
+              <a:rPr lang="en-US" dirty="0" smtClean="0"/>
               <a:t>Spring can be initialized within a webapp by just adding a Spring provided servlet listener.</a:t>
             </a:r>
             <a:endParaRPr lang="en-US" dirty="0"/>
@@ -9666,7 +12440,7 @@
           <a:p>
             <a:fld id="{7AC11F0B-9A29-4EBD-B631-6648006CA4E4}" type="datetime1">
               <a:rPr lang="en-US" smtClean="0"/>
-              <a:t>3/16/2016</a:t>
+              <a:t>3/24/2016</a:t>
             </a:fld>
             <a:endParaRPr lang="en-US" dirty="0"/>
           </a:p>
@@ -9712,7 +12486,7 @@
           <a:p>
             <a:fld id="{125AF1D8-B0AE-4E77-AA99-EC861FD2EC07}" type="slidenum">
               <a:rPr lang="en-US" smtClean="0"/>
-              <a:t>37</a:t>
+              <a:t>49</a:t>
             </a:fld>
             <a:endParaRPr lang="en-US"/>
           </a:p>
@@ -9784,7 +12558,7 @@
 </p:sld>
 </file>
 
-<file path=ppt/slides/slide39.xml><?xml version="1.0" encoding="utf-8"?>
+<file path=ppt/slides/slide51.xml><?xml version="1.0" encoding="utf-8"?>
 <p:sld xmlns:a="http://schemas.openxmlformats.org/drawingml/2006/main" xmlns:r="http://schemas.openxmlformats.org/officeDocument/2006/relationships" xmlns:p="http://schemas.openxmlformats.org/presentationml/2006/main">
   <p:cSld>
     <p:spTree>
@@ -9891,7 +12665,7 @@
           <a:p>
             <a:fld id="{7AC11F0B-9A29-4EBD-B631-6648006CA4E4}" type="datetime1">
               <a:rPr lang="en-US" smtClean="0"/>
-              <a:t>3/16/2016</a:t>
+              <a:t>3/24/2016</a:t>
             </a:fld>
             <a:endParaRPr lang="en-US" dirty="0"/>
           </a:p>
@@ -9937,7 +12711,7 @@
           <a:p>
             <a:fld id="{125AF1D8-B0AE-4E77-AA99-EC861FD2EC07}" type="slidenum">
               <a:rPr lang="en-US" smtClean="0"/>
-              <a:t>38</a:t>
+              <a:t>50</a:t>
             </a:fld>
             <a:endParaRPr lang="en-US"/>
           </a:p>
@@ -9979,7 +12753,7 @@
 </p:sld>
 </file>
 
-<file path=ppt/slides/slide4.xml><?xml version="1.0" encoding="utf-8"?>
+<file path=ppt/slides/slide52.xml><?xml version="1.0" encoding="utf-8"?>
 <p:sld xmlns:a="http://schemas.openxmlformats.org/drawingml/2006/main" xmlns:r="http://schemas.openxmlformats.org/officeDocument/2006/relationships" xmlns:p="http://schemas.openxmlformats.org/presentationml/2006/main">
   <p:cSld>
     <p:spTree>
@@ -9998,92 +12772,6 @@
       </p:grpSpPr>
       <p:sp>
         <p:nvSpPr>
-          <p:cNvPr id="8" name="Content Placeholder 7"/>
-          <p:cNvSpPr>
-            <a:spLocks noGrp="1"/>
-          </p:cNvSpPr>
-          <p:nvPr>
-            <p:ph idx="1"/>
-          </p:nvPr>
-        </p:nvSpPr>
-        <p:spPr>
-          <a:xfrm>
-            <a:off x="628648" y="1014349"/>
-            <a:ext cx="8020115" cy="5143260"/>
-          </a:xfrm>
-        </p:spPr>
-        <p:txBody>
-          <a:bodyPr/>
-          <a:lstStyle/>
-          <a:p>
-            <a:r>
-              <a:rPr lang="en-US" dirty="0" smtClean="0"/>
-              <a:t>The Spring Framework is an open source application framework.</a:t>
-            </a:r>
-          </a:p>
-          <a:p>
-            <a:r>
-              <a:rPr lang="en-US" dirty="0" smtClean="0"/>
-              <a:t>It provides comprehensive infrastructure support for developing Java application</a:t>
-            </a:r>
-          </a:p>
-          <a:p>
-            <a:pPr marL="0" indent="0">
-              <a:buNone/>
-            </a:pPr>
-            <a:r>
-              <a:rPr lang="en-US" dirty="0"/>
-              <a:t> </a:t>
-            </a:r>
-            <a:r>
-              <a:rPr lang="en-US" dirty="0" smtClean="0"/>
-              <a:t>        </a:t>
-            </a:r>
-            <a:r>
-              <a:rPr lang="en-US" sz="2000" dirty="0" smtClean="0"/>
-              <a:t>Spring deals with plumbing </a:t>
-            </a:r>
-          </a:p>
-          <a:p>
-            <a:pPr marL="0" indent="0">
-              <a:buNone/>
-            </a:pPr>
-            <a:r>
-              <a:rPr lang="en-US" dirty="0" smtClean="0"/>
-              <a:t>Spring Integrates well with other enterprise services</a:t>
-            </a:r>
-          </a:p>
-          <a:p>
-            <a:pPr marL="0" indent="0">
-              <a:buNone/>
-            </a:pPr>
-            <a:r>
-              <a:rPr lang="en-US" sz="2000" dirty="0"/>
-              <a:t> </a:t>
-            </a:r>
-            <a:r>
-              <a:rPr lang="en-US" sz="2000" dirty="0" smtClean="0"/>
-              <a:t>             Messaging, Remote Access</a:t>
-            </a:r>
-          </a:p>
-          <a:p>
-            <a:r>
-              <a:rPr lang="en-US" dirty="0" smtClean="0"/>
-              <a:t>Spring makes data access easier to do</a:t>
-            </a:r>
-          </a:p>
-          <a:p>
-            <a:pPr lvl="1"/>
-            <a:r>
-              <a:rPr lang="en-US" sz="2000" dirty="0" smtClean="0"/>
-              <a:t>Manages Resources, supports all major data access technologies.</a:t>
-            </a:r>
-            <a:endParaRPr lang="en-US" sz="2000" dirty="0"/>
-          </a:p>
-        </p:txBody>
-      </p:sp>
-      <p:sp>
-        <p:nvSpPr>
           <p:cNvPr id="3" name="Date Placeholder 2"/>
           <p:cNvSpPr>
             <a:spLocks noGrp="1"/>
@@ -10099,7 +12787,7 @@
           <a:p>
             <a:fld id="{7AC11F0B-9A29-4EBD-B631-6648006CA4E4}" type="datetime1">
               <a:rPr lang="en-US" smtClean="0"/>
-              <a:t>3/16/2016</a:t>
+              <a:t>3/24/2016</a:t>
             </a:fld>
             <a:endParaRPr lang="en-US" dirty="0"/>
           </a:p>
@@ -10145,136 +12833,7 @@
           <a:p>
             <a:fld id="{125AF1D8-B0AE-4E77-AA99-EC861FD2EC07}" type="slidenum">
               <a:rPr lang="en-US" smtClean="0"/>
-              <a:t>3</a:t>
-            </a:fld>
-            <a:endParaRPr lang="en-US"/>
-          </a:p>
-        </p:txBody>
-      </p:sp>
-      <p:sp>
-        <p:nvSpPr>
-          <p:cNvPr id="7" name="Title 6"/>
-          <p:cNvSpPr>
-            <a:spLocks noGrp="1"/>
-          </p:cNvSpPr>
-          <p:nvPr>
-            <p:ph type="title"/>
-          </p:nvPr>
-        </p:nvSpPr>
-        <p:spPr/>
-        <p:txBody>
-          <a:bodyPr/>
-          <a:lstStyle/>
-          <a:p>
-            <a:r>
-              <a:rPr lang="en-US" dirty="0" smtClean="0"/>
-              <a:t>Introduction to Spring</a:t>
-            </a:r>
-            <a:endParaRPr lang="en-US" dirty="0"/>
-          </a:p>
-        </p:txBody>
-      </p:sp>
-    </p:spTree>
-    <p:extLst>
-      <p:ext uri="{BB962C8B-B14F-4D97-AF65-F5344CB8AC3E}">
-        <p14:creationId xmlns:p14="http://schemas.microsoft.com/office/powerpoint/2010/main" val="1558695442"/>
-      </p:ext>
-    </p:extLst>
-  </p:cSld>
-  <p:clrMapOvr>
-    <a:masterClrMapping/>
-  </p:clrMapOvr>
-  <p:timing>
-    <p:tnLst>
-      <p:par>
-        <p:cTn id="1" dur="indefinite" restart="never" nodeType="tmRoot"/>
-      </p:par>
-    </p:tnLst>
-  </p:timing>
-</p:sld>
-</file>
-
-<file path=ppt/slides/slide40.xml><?xml version="1.0" encoding="utf-8"?>
-<p:sld xmlns:a="http://schemas.openxmlformats.org/drawingml/2006/main" xmlns:r="http://schemas.openxmlformats.org/officeDocument/2006/relationships" xmlns:p="http://schemas.openxmlformats.org/presentationml/2006/main">
-  <p:cSld>
-    <p:spTree>
-      <p:nvGrpSpPr>
-        <p:cNvPr id="1" name=""/>
-        <p:cNvGrpSpPr/>
-        <p:nvPr/>
-      </p:nvGrpSpPr>
-      <p:grpSpPr>
-        <a:xfrm>
-          <a:off x="0" y="0"/>
-          <a:ext cx="0" cy="0"/>
-          <a:chOff x="0" y="0"/>
-          <a:chExt cx="0" cy="0"/>
-        </a:xfrm>
-      </p:grpSpPr>
-      <p:sp>
-        <p:nvSpPr>
-          <p:cNvPr id="3" name="Date Placeholder 2"/>
-          <p:cNvSpPr>
-            <a:spLocks noGrp="1"/>
-          </p:cNvSpPr>
-          <p:nvPr>
-            <p:ph type="dt" sz="half" idx="10"/>
-          </p:nvPr>
-        </p:nvSpPr>
-        <p:spPr/>
-        <p:txBody>
-          <a:bodyPr/>
-          <a:lstStyle/>
-          <a:p>
-            <a:fld id="{7AC11F0B-9A29-4EBD-B631-6648006CA4E4}" type="datetime1">
-              <a:rPr lang="en-US" smtClean="0"/>
-              <a:t>3/16/2016</a:t>
-            </a:fld>
-            <a:endParaRPr lang="en-US" dirty="0"/>
-          </a:p>
-        </p:txBody>
-      </p:sp>
-      <p:sp>
-        <p:nvSpPr>
-          <p:cNvPr id="4" name="Footer Placeholder 3"/>
-          <p:cNvSpPr>
-            <a:spLocks noGrp="1"/>
-          </p:cNvSpPr>
-          <p:nvPr>
-            <p:ph type="ftr" sz="quarter" idx="11"/>
-          </p:nvPr>
-        </p:nvSpPr>
-        <p:spPr/>
-        <p:txBody>
-          <a:bodyPr/>
-          <a:lstStyle/>
-          <a:p>
-            <a:r>
-              <a:rPr lang="en-US" smtClean="0"/>
-              <a:t>All rights reserved by Five 9 Group, Inc.</a:t>
-            </a:r>
-            <a:endParaRPr lang="en-US" dirty="0"/>
-          </a:p>
-        </p:txBody>
-      </p:sp>
-      <p:sp>
-        <p:nvSpPr>
-          <p:cNvPr id="5" name="Slide Number Placeholder 4"/>
-          <p:cNvSpPr>
-            <a:spLocks noGrp="1"/>
-          </p:cNvSpPr>
-          <p:nvPr>
-            <p:ph type="sldNum" sz="quarter" idx="12"/>
-          </p:nvPr>
-        </p:nvSpPr>
-        <p:spPr/>
-        <p:txBody>
-          <a:bodyPr/>
-          <a:lstStyle/>
-          <a:p>
-            <a:fld id="{125AF1D8-B0AE-4E77-AA99-EC861FD2EC07}" type="slidenum">
-              <a:rPr lang="en-US" smtClean="0"/>
-              <a:t>39</a:t>
+              <a:t>51</a:t>
             </a:fld>
             <a:endParaRPr lang="en-US"/>
           </a:p>
@@ -10417,7 +12976,7 @@
 </p:sld>
 </file>
 
-<file path=ppt/slides/slide41.xml><?xml version="1.0" encoding="utf-8"?>
+<file path=ppt/slides/slide53.xml><?xml version="1.0" encoding="utf-8"?>
 <p:sld xmlns:a="http://schemas.openxmlformats.org/drawingml/2006/main" xmlns:r="http://schemas.openxmlformats.org/officeDocument/2006/relationships" xmlns:p="http://schemas.openxmlformats.org/presentationml/2006/main">
   <p:cSld>
     <p:spTree>
@@ -10480,7 +13039,7 @@
           <a:p>
             <a:fld id="{7AC11F0B-9A29-4EBD-B631-6648006CA4E4}" type="datetime1">
               <a:rPr lang="en-US" smtClean="0"/>
-              <a:t>3/16/2016</a:t>
+              <a:t>3/24/2016</a:t>
             </a:fld>
             <a:endParaRPr lang="en-US" dirty="0"/>
           </a:p>
@@ -10526,7 +13085,7 @@
           <a:p>
             <a:fld id="{125AF1D8-B0AE-4E77-AA99-EC861FD2EC07}" type="slidenum">
               <a:rPr lang="en-US" smtClean="0"/>
-              <a:t>40</a:t>
+              <a:t>52</a:t>
             </a:fld>
             <a:endParaRPr lang="en-US"/>
           </a:p>
@@ -10568,7 +13127,7 @@
 </p:sld>
 </file>
 
-<file path=ppt/slides/slide42.xml><?xml version="1.0" encoding="utf-8"?>
+<file path=ppt/slides/slide54.xml><?xml version="1.0" encoding="utf-8"?>
 <p:sld xmlns:a="http://schemas.openxmlformats.org/drawingml/2006/main" xmlns:r="http://schemas.openxmlformats.org/officeDocument/2006/relationships" xmlns:p="http://schemas.openxmlformats.org/presentationml/2006/main">
   <p:cSld>
     <p:spTree>
@@ -10677,7 +13236,7 @@
           <a:p>
             <a:fld id="{7AC11F0B-9A29-4EBD-B631-6648006CA4E4}" type="datetime1">
               <a:rPr lang="en-US" smtClean="0"/>
-              <a:t>3/16/2016</a:t>
+              <a:t>3/24/2016</a:t>
             </a:fld>
             <a:endParaRPr lang="en-US" dirty="0"/>
           </a:p>
@@ -10723,7 +13282,7 @@
           <a:p>
             <a:fld id="{125AF1D8-B0AE-4E77-AA99-EC861FD2EC07}" type="slidenum">
               <a:rPr lang="en-US" smtClean="0"/>
-              <a:t>41</a:t>
+              <a:t>53</a:t>
             </a:fld>
             <a:endParaRPr lang="en-US"/>
           </a:p>
@@ -10795,7 +13354,7 @@
 </p:sld>
 </file>
 
-<file path=ppt/slides/slide43.xml><?xml version="1.0" encoding="utf-8"?>
+<file path=ppt/slides/slide55.xml><?xml version="1.0" encoding="utf-8"?>
 <p:sld xmlns:a="http://schemas.openxmlformats.org/drawingml/2006/main" xmlns:r="http://schemas.openxmlformats.org/officeDocument/2006/relationships" xmlns:p="http://schemas.openxmlformats.org/presentationml/2006/main">
   <p:cSld>
     <p:spTree>
@@ -10893,7 +13452,7 @@
           <a:p>
             <a:fld id="{7AC11F0B-9A29-4EBD-B631-6648006CA4E4}" type="datetime1">
               <a:rPr lang="en-US" smtClean="0"/>
-              <a:t>3/16/2016</a:t>
+              <a:t>3/24/2016</a:t>
             </a:fld>
             <a:endParaRPr lang="en-US" dirty="0"/>
           </a:p>
@@ -10939,7 +13498,7 @@
           <a:p>
             <a:fld id="{125AF1D8-B0AE-4E77-AA99-EC861FD2EC07}" type="slidenum">
               <a:rPr lang="en-US" smtClean="0"/>
-              <a:t>42</a:t>
+              <a:t>54</a:t>
             </a:fld>
             <a:endParaRPr lang="en-US"/>
           </a:p>
@@ -10981,7 +13540,7 @@
 </p:sld>
 </file>
 
-<file path=ppt/slides/slide44.xml><?xml version="1.0" encoding="utf-8"?>
+<file path=ppt/slides/slide56.xml><?xml version="1.0" encoding="utf-8"?>
 <p:sld xmlns:a="http://schemas.openxmlformats.org/drawingml/2006/main" xmlns:r="http://schemas.openxmlformats.org/officeDocument/2006/relationships" xmlns:p="http://schemas.openxmlformats.org/presentationml/2006/main">
   <p:cSld>
     <p:spTree>
@@ -11087,7 +13646,7 @@
           <a:p>
             <a:fld id="{7AC11F0B-9A29-4EBD-B631-6648006CA4E4}" type="datetime1">
               <a:rPr lang="en-US" smtClean="0"/>
-              <a:t>3/16/2016</a:t>
+              <a:t>3/24/2016</a:t>
             </a:fld>
             <a:endParaRPr lang="en-US" dirty="0"/>
           </a:p>
@@ -11133,7 +13692,7 @@
           <a:p>
             <a:fld id="{125AF1D8-B0AE-4E77-AA99-EC861FD2EC07}" type="slidenum">
               <a:rPr lang="en-US" smtClean="0"/>
-              <a:t>43</a:t>
+              <a:t>55</a:t>
             </a:fld>
             <a:endParaRPr lang="en-US"/>
           </a:p>
@@ -11183,7 +13742,7 @@
 </p:sld>
 </file>
 
-<file path=ppt/slides/slide45.xml><?xml version="1.0" encoding="utf-8"?>
+<file path=ppt/slides/slide57.xml><?xml version="1.0" encoding="utf-8"?>
 <p:sld xmlns:a="http://schemas.openxmlformats.org/drawingml/2006/main" xmlns:r="http://schemas.openxmlformats.org/officeDocument/2006/relationships" xmlns:p="http://schemas.openxmlformats.org/presentationml/2006/main">
   <p:cSld>
     <p:spTree>
@@ -11250,7 +13809,7 @@
           <a:p>
             <a:fld id="{7AC11F0B-9A29-4EBD-B631-6648006CA4E4}" type="datetime1">
               <a:rPr lang="en-US" smtClean="0"/>
-              <a:t>3/16/2016</a:t>
+              <a:t>3/24/2016</a:t>
             </a:fld>
             <a:endParaRPr lang="en-US" dirty="0"/>
           </a:p>
@@ -11296,7 +13855,7 @@
           <a:p>
             <a:fld id="{125AF1D8-B0AE-4E77-AA99-EC861FD2EC07}" type="slidenum">
               <a:rPr lang="en-US" smtClean="0"/>
-              <a:t>44</a:t>
+              <a:t>56</a:t>
             </a:fld>
             <a:endParaRPr lang="en-US"/>
           </a:p>
@@ -11338,7 +13897,7 @@
 </p:sld>
 </file>
 
-<file path=ppt/slides/slide46.xml><?xml version="1.0" encoding="utf-8"?>
+<file path=ppt/slides/slide58.xml><?xml version="1.0" encoding="utf-8"?>
 <p:sld xmlns:a="http://schemas.openxmlformats.org/drawingml/2006/main" xmlns:r="http://schemas.openxmlformats.org/officeDocument/2006/relationships" xmlns:p="http://schemas.openxmlformats.org/presentationml/2006/main">
   <p:cSld>
     <p:spTree>
@@ -11365,33 +13924,37 @@
             <p:ph idx="1"/>
           </p:nvPr>
         </p:nvSpPr>
-        <p:spPr/>
-        <p:txBody>
-          <a:bodyPr/>
-          <a:lstStyle/>
-          <a:p>
-            <a:r>
-              <a:rPr lang="en-US" dirty="0" smtClean="0"/>
-              <a:t>Based on the code you updated in Spring Data Access module, develop UI components to update, delete tutorials so that the user can interact with the application. </a:t>
-            </a:r>
-          </a:p>
-          <a:p>
-            <a:r>
-              <a:rPr lang="en-US" dirty="0" smtClean="0"/>
-              <a:t>Also write unit </a:t>
-            </a:r>
-            <a:r>
-              <a:rPr lang="en-US" dirty="0" smtClean="0"/>
-              <a:t> and </a:t>
-            </a:r>
-            <a:r>
-              <a:rPr lang="en-US" smtClean="0"/>
-              <a:t>selenium tests for </a:t>
-            </a:r>
-            <a:r>
-              <a:rPr lang="en-US" dirty="0" smtClean="0"/>
-              <a:t>them.</a:t>
-            </a:r>
+        <p:spPr>
+          <a:xfrm>
+            <a:off x="628648" y="1110343"/>
+            <a:ext cx="8020115" cy="5047266"/>
+          </a:xfrm>
+        </p:spPr>
+        <p:txBody>
+          <a:bodyPr/>
+          <a:lstStyle/>
+          <a:p>
+            <a:r>
+              <a:rPr lang="en-US" dirty="0"/>
+              <a:t>You can configure </a:t>
+            </a:r>
+            <a:r>
+              <a:rPr lang="en-US" dirty="0" smtClean="0"/>
+              <a:t>Selenium </a:t>
+            </a:r>
+            <a:r>
+              <a:rPr lang="en-US" dirty="0"/>
+              <a:t>in maven project just by including the </a:t>
+            </a:r>
+            <a:r>
+              <a:rPr lang="en-US" dirty="0" smtClean="0"/>
+              <a:t>dependency</a:t>
+            </a:r>
+          </a:p>
+          <a:p>
+            <a:pPr marL="0" indent="0">
+              <a:buNone/>
+            </a:pPr>
             <a:endParaRPr lang="en-US" dirty="0"/>
           </a:p>
         </p:txBody>
@@ -11411,9 +13974,9 @@
           <a:bodyPr/>
           <a:lstStyle/>
           <a:p>
-            <a:fld id="{7AC11F0B-9A29-4EBD-B631-6648006CA4E4}" type="datetime1">
-              <a:rPr lang="en-US" smtClean="0"/>
-              <a:t>3/16/2016</a:t>
+            <a:fld id="{C8949D56-DBDD-4CB9-A3EC-4A16FD22C3CB}" type="datetime1">
+              <a:rPr lang="en-US" smtClean="0"/>
+              <a:t>3/24/2016</a:t>
             </a:fld>
             <a:endParaRPr lang="en-US" dirty="0"/>
           </a:p>
@@ -11459,7 +14022,7 @@
           <a:p>
             <a:fld id="{125AF1D8-B0AE-4E77-AA99-EC861FD2EC07}" type="slidenum">
               <a:rPr lang="en-US" smtClean="0"/>
-              <a:t>45</a:t>
+              <a:t>57</a:t>
             </a:fld>
             <a:endParaRPr lang="en-US"/>
           </a:p>
@@ -11482,16 +14045,46 @@
           <a:p>
             <a:r>
               <a:rPr lang="en-US" dirty="0" smtClean="0"/>
-              <a:t>Assignment</a:t>
-            </a:r>
-            <a:endParaRPr lang="en-US" dirty="0"/>
-          </a:p>
-        </p:txBody>
-      </p:sp>
+              <a:t>Functional Testing: Selenium</a:t>
+            </a:r>
+            <a:endParaRPr lang="en-US" dirty="0"/>
+          </a:p>
+        </p:txBody>
+      </p:sp>
+      <p:pic>
+        <p:nvPicPr>
+          <p:cNvPr id="7" name="Picture 6"/>
+          <p:cNvPicPr>
+            <a:picLocks noChangeAspect="1"/>
+          </p:cNvPicPr>
+          <p:nvPr/>
+        </p:nvPicPr>
+        <p:blipFill>
+          <a:blip r:embed="rId2">
+            <a:extLst>
+              <a:ext uri="{28A0092B-C50C-407E-A947-70E740481C1C}">
+                <a14:useLocalDpi xmlns:a14="http://schemas.microsoft.com/office/drawing/2010/main" val="0"/>
+              </a:ext>
+            </a:extLst>
+          </a:blip>
+          <a:stretch>
+            <a:fillRect/>
+          </a:stretch>
+        </p:blipFill>
+        <p:spPr>
+          <a:xfrm>
+            <a:off x="961521" y="2128703"/>
+            <a:ext cx="7019885" cy="3762646"/>
+          </a:xfrm>
+          <a:prstGeom prst="rect">
+            <a:avLst/>
+          </a:prstGeom>
+        </p:spPr>
+      </p:pic>
     </p:spTree>
     <p:extLst>
       <p:ext uri="{BB962C8B-B14F-4D97-AF65-F5344CB8AC3E}">
-        <p14:creationId xmlns:p14="http://schemas.microsoft.com/office/powerpoint/2010/main" val="2958807816"/>
+        <p14:creationId xmlns:p14="http://schemas.microsoft.com/office/powerpoint/2010/main" val="3594635625"/>
       </p:ext>
     </p:extLst>
   </p:cSld>
@@ -11501,7 +14094,7 @@
 </p:sld>
 </file>
 
-<file path=ppt/slides/slide5.xml><?xml version="1.0" encoding="utf-8"?>
+<file path=ppt/slides/slide59.xml><?xml version="1.0" encoding="utf-8"?>
 <p:sld xmlns:a="http://schemas.openxmlformats.org/drawingml/2006/main" xmlns:r="http://schemas.openxmlformats.org/officeDocument/2006/relationships" xmlns:p="http://schemas.openxmlformats.org/presentationml/2006/main">
   <p:cSld>
     <p:spTree>
@@ -11535,26 +14128,13 @@
           <a:p>
             <a:r>
               <a:rPr lang="en-US" dirty="0" smtClean="0"/>
-              <a:t>Lightweight and minimally invasive development with POJO</a:t>
-            </a:r>
-          </a:p>
-          <a:p>
-            <a:r>
-              <a:rPr lang="en-US" dirty="0" smtClean="0"/>
-              <a:t>Loose coupling through dependency injection </a:t>
-            </a:r>
-          </a:p>
-          <a:p>
-            <a:r>
-              <a:rPr lang="en-US" dirty="0" smtClean="0"/>
-              <a:t>Declarative programming through aspects</a:t>
-            </a:r>
-          </a:p>
-          <a:p>
-            <a:r>
-              <a:rPr lang="en-US" dirty="0" smtClean="0"/>
-              <a:t>Boilerplate code reduction through templates </a:t>
-            </a:r>
+              <a:t>Create a separate package as out lined below and add tests to it.</a:t>
+            </a:r>
+          </a:p>
+          <a:p>
+            <a:pPr marL="0" indent="0">
+              <a:buNone/>
+            </a:pPr>
             <a:endParaRPr lang="en-US" dirty="0"/>
           </a:p>
         </p:txBody>
@@ -11574,9 +14154,9 @@
           <a:bodyPr/>
           <a:lstStyle/>
           <a:p>
-            <a:fld id="{416762AD-F359-4A5D-A353-2EAB7A3801EE}" type="datetime1">
-              <a:rPr lang="en-US" smtClean="0"/>
-              <a:t>3/16/2016</a:t>
+            <a:fld id="{C8949D56-DBDD-4CB9-A3EC-4A16FD22C3CB}" type="datetime1">
+              <a:rPr lang="en-US" smtClean="0"/>
+              <a:t>3/24/2016</a:t>
             </a:fld>
             <a:endParaRPr lang="en-US" dirty="0"/>
           </a:p>
@@ -11622,7 +14202,7 @@
           <a:p>
             <a:fld id="{125AF1D8-B0AE-4E77-AA99-EC861FD2EC07}" type="slidenum">
               <a:rPr lang="en-US" smtClean="0"/>
-              <a:t>4</a:t>
+              <a:t>58</a:t>
             </a:fld>
             <a:endParaRPr lang="en-US"/>
           </a:p>
@@ -11645,16 +14225,46 @@
           <a:p>
             <a:r>
               <a:rPr lang="en-US" dirty="0" smtClean="0"/>
-              <a:t>Why Spring?</a:t>
-            </a:r>
-            <a:endParaRPr lang="en-US" dirty="0"/>
-          </a:p>
-        </p:txBody>
-      </p:sp>
+              <a:t>Create package for functional testing</a:t>
+            </a:r>
+            <a:endParaRPr lang="en-US" dirty="0"/>
+          </a:p>
+        </p:txBody>
+      </p:sp>
+      <p:pic>
+        <p:nvPicPr>
+          <p:cNvPr id="7" name="Picture 6"/>
+          <p:cNvPicPr>
+            <a:picLocks noChangeAspect="1"/>
+          </p:cNvPicPr>
+          <p:nvPr/>
+        </p:nvPicPr>
+        <p:blipFill>
+          <a:blip r:embed="rId2">
+            <a:extLst>
+              <a:ext uri="{28A0092B-C50C-407E-A947-70E740481C1C}">
+                <a14:useLocalDpi xmlns:a14="http://schemas.microsoft.com/office/drawing/2010/main" val="0"/>
+              </a:ext>
+            </a:extLst>
+          </a:blip>
+          <a:stretch>
+            <a:fillRect/>
+          </a:stretch>
+        </p:blipFill>
+        <p:spPr>
+          <a:xfrm>
+            <a:off x="611170" y="2165508"/>
+            <a:ext cx="7904180" cy="4190842"/>
+          </a:xfrm>
+          <a:prstGeom prst="rect">
+            <a:avLst/>
+          </a:prstGeom>
+        </p:spPr>
+      </p:pic>
     </p:spTree>
     <p:extLst>
       <p:ext uri="{BB962C8B-B14F-4D97-AF65-F5344CB8AC3E}">
-        <p14:creationId xmlns:p14="http://schemas.microsoft.com/office/powerpoint/2010/main" val="1731299616"/>
+        <p14:creationId xmlns:p14="http://schemas.microsoft.com/office/powerpoint/2010/main" val="556927647"/>
       </p:ext>
     </p:extLst>
   </p:cSld>
@@ -11698,7 +14308,7 @@
           <a:p>
             <a:fld id="{416762AD-F359-4A5D-A353-2EAB7A3801EE}" type="datetime1">
               <a:rPr lang="en-US" smtClean="0"/>
-              <a:t>3/16/2016</a:t>
+              <a:t>3/24/2016</a:t>
             </a:fld>
             <a:endParaRPr lang="en-US" dirty="0"/>
           </a:p>
@@ -11815,6 +14425,1899 @@
 </p:sld>
 </file>
 
+<file path=ppt/slides/slide60.xml><?xml version="1.0" encoding="utf-8"?>
+<p:sld xmlns:a="http://schemas.openxmlformats.org/drawingml/2006/main" xmlns:r="http://schemas.openxmlformats.org/officeDocument/2006/relationships" xmlns:p="http://schemas.openxmlformats.org/presentationml/2006/main">
+  <p:cSld>
+    <p:spTree>
+      <p:nvGrpSpPr>
+        <p:cNvPr id="1" name=""/>
+        <p:cNvGrpSpPr/>
+        <p:nvPr/>
+      </p:nvGrpSpPr>
+      <p:grpSpPr>
+        <a:xfrm>
+          <a:off x="0" y="0"/>
+          <a:ext cx="0" cy="0"/>
+          <a:chOff x="0" y="0"/>
+          <a:chExt cx="0" cy="0"/>
+        </a:xfrm>
+      </p:grpSpPr>
+      <p:sp>
+        <p:nvSpPr>
+          <p:cNvPr id="2" name="Content Placeholder 1"/>
+          <p:cNvSpPr>
+            <a:spLocks noGrp="1"/>
+          </p:cNvSpPr>
+          <p:nvPr>
+            <p:ph idx="1"/>
+          </p:nvPr>
+        </p:nvSpPr>
+        <p:spPr>
+          <a:xfrm>
+            <a:off x="628648" y="1014349"/>
+            <a:ext cx="8020115" cy="5143260"/>
+          </a:xfrm>
+        </p:spPr>
+        <p:txBody>
+          <a:bodyPr/>
+          <a:lstStyle/>
+          <a:p>
+            <a:r>
+              <a:rPr lang="en-US" sz="2400" i="1" dirty="0" err="1"/>
+              <a:t>org.openqa.selenium.WebDriver</a:t>
+            </a:r>
+            <a:r>
+              <a:rPr lang="en-US" sz="2400" dirty="0"/>
+              <a:t>: The main interface to use for testing, which represents an </a:t>
+            </a:r>
+            <a:r>
+              <a:rPr lang="en-US" sz="2400" dirty="0" err="1"/>
+              <a:t>idealised</a:t>
+            </a:r>
+            <a:r>
+              <a:rPr lang="en-US" sz="2400" dirty="0"/>
+              <a:t> web browser. The methods in this class fall into three categories – Control of the browser itself, Selection of </a:t>
+            </a:r>
+            <a:r>
+              <a:rPr lang="en-US" sz="2400" dirty="0" err="1"/>
+              <a:t>WebElements</a:t>
+            </a:r>
+            <a:r>
+              <a:rPr lang="en-US" sz="2400" dirty="0"/>
+              <a:t>, Debugging aids </a:t>
+            </a:r>
+            <a:endParaRPr lang="en-US" sz="2400" dirty="0" smtClean="0"/>
+          </a:p>
+          <a:p>
+            <a:pPr marL="0" indent="0">
+              <a:buNone/>
+            </a:pPr>
+            <a:endParaRPr lang="en-US" sz="2400" dirty="0"/>
+          </a:p>
+          <a:p>
+            <a:r>
+              <a:rPr lang="en-US" sz="2400" i="1" dirty="0" err="1" smtClean="0"/>
+              <a:t>org.openqa.selenium.WebElement</a:t>
+            </a:r>
+            <a:r>
+              <a:rPr lang="en-US" sz="2400" dirty="0"/>
+              <a:t>: Represents an HTML element. Generally, all interesting operations to do with interacting with a page will be performed through this interface. </a:t>
+            </a:r>
+            <a:endParaRPr lang="en-US" sz="2400" dirty="0" smtClean="0"/>
+          </a:p>
+          <a:p>
+            <a:pPr marL="0" indent="0">
+              <a:buNone/>
+            </a:pPr>
+            <a:endParaRPr lang="en-US" sz="2400" dirty="0"/>
+          </a:p>
+          <a:p>
+            <a:r>
+              <a:rPr lang="en-US" sz="2400" i="1" dirty="0" err="1" smtClean="0"/>
+              <a:t>org.openqa.selenium.By</a:t>
+            </a:r>
+            <a:r>
+              <a:rPr lang="en-US" sz="2400" dirty="0"/>
+              <a:t>: Mechanism used to locate elements within a document</a:t>
+            </a:r>
+          </a:p>
+        </p:txBody>
+      </p:sp>
+      <p:sp>
+        <p:nvSpPr>
+          <p:cNvPr id="3" name="Date Placeholder 2"/>
+          <p:cNvSpPr>
+            <a:spLocks noGrp="1"/>
+          </p:cNvSpPr>
+          <p:nvPr>
+            <p:ph type="dt" sz="half" idx="10"/>
+          </p:nvPr>
+        </p:nvSpPr>
+        <p:spPr/>
+        <p:txBody>
+          <a:bodyPr/>
+          <a:lstStyle/>
+          <a:p>
+            <a:fld id="{C8949D56-DBDD-4CB9-A3EC-4A16FD22C3CB}" type="datetime1">
+              <a:rPr lang="en-US" smtClean="0"/>
+              <a:t>3/24/2016</a:t>
+            </a:fld>
+            <a:endParaRPr lang="en-US" dirty="0"/>
+          </a:p>
+        </p:txBody>
+      </p:sp>
+      <p:sp>
+        <p:nvSpPr>
+          <p:cNvPr id="4" name="Footer Placeholder 3"/>
+          <p:cNvSpPr>
+            <a:spLocks noGrp="1"/>
+          </p:cNvSpPr>
+          <p:nvPr>
+            <p:ph type="ftr" sz="quarter" idx="11"/>
+          </p:nvPr>
+        </p:nvSpPr>
+        <p:spPr/>
+        <p:txBody>
+          <a:bodyPr/>
+          <a:lstStyle/>
+          <a:p>
+            <a:r>
+              <a:rPr lang="en-US" smtClean="0"/>
+              <a:t>All rights reserved by Five 9 Group, Inc.</a:t>
+            </a:r>
+            <a:endParaRPr lang="en-US" dirty="0"/>
+          </a:p>
+        </p:txBody>
+      </p:sp>
+      <p:sp>
+        <p:nvSpPr>
+          <p:cNvPr id="5" name="Slide Number Placeholder 4"/>
+          <p:cNvSpPr>
+            <a:spLocks noGrp="1"/>
+          </p:cNvSpPr>
+          <p:nvPr>
+            <p:ph type="sldNum" sz="quarter" idx="12"/>
+          </p:nvPr>
+        </p:nvSpPr>
+        <p:spPr/>
+        <p:txBody>
+          <a:bodyPr/>
+          <a:lstStyle/>
+          <a:p>
+            <a:fld id="{125AF1D8-B0AE-4E77-AA99-EC861FD2EC07}" type="slidenum">
+              <a:rPr lang="en-US" smtClean="0"/>
+              <a:t>59</a:t>
+            </a:fld>
+            <a:endParaRPr lang="en-US"/>
+          </a:p>
+        </p:txBody>
+      </p:sp>
+      <p:sp>
+        <p:nvSpPr>
+          <p:cNvPr id="6" name="Title 5"/>
+          <p:cNvSpPr>
+            <a:spLocks noGrp="1"/>
+          </p:cNvSpPr>
+          <p:nvPr>
+            <p:ph type="title"/>
+          </p:nvPr>
+        </p:nvSpPr>
+        <p:spPr/>
+        <p:txBody>
+          <a:bodyPr/>
+          <a:lstStyle/>
+          <a:p>
+            <a:r>
+              <a:rPr lang="en-US" dirty="0" smtClean="0"/>
+              <a:t>Selenium </a:t>
+            </a:r>
+            <a:r>
+              <a:rPr lang="en-US" dirty="0"/>
+              <a:t>c</a:t>
+            </a:r>
+            <a:r>
+              <a:rPr lang="en-US" dirty="0" smtClean="0"/>
+              <a:t>ore classes</a:t>
+            </a:r>
+            <a:endParaRPr lang="en-US" dirty="0"/>
+          </a:p>
+        </p:txBody>
+      </p:sp>
+    </p:spTree>
+    <p:extLst>
+      <p:ext uri="{BB962C8B-B14F-4D97-AF65-F5344CB8AC3E}">
+        <p14:creationId xmlns:p14="http://schemas.microsoft.com/office/powerpoint/2010/main" val="2395804747"/>
+      </p:ext>
+    </p:extLst>
+  </p:cSld>
+  <p:clrMapOvr>
+    <a:masterClrMapping/>
+  </p:clrMapOvr>
+</p:sld>
+</file>
+
+<file path=ppt/slides/slide61.xml><?xml version="1.0" encoding="utf-8"?>
+<p:sld xmlns:a="http://schemas.openxmlformats.org/drawingml/2006/main" xmlns:r="http://schemas.openxmlformats.org/officeDocument/2006/relationships" xmlns:p="http://schemas.openxmlformats.org/presentationml/2006/main">
+  <p:cSld>
+    <p:spTree>
+      <p:nvGrpSpPr>
+        <p:cNvPr id="1" name=""/>
+        <p:cNvGrpSpPr/>
+        <p:nvPr/>
+      </p:nvGrpSpPr>
+      <p:grpSpPr>
+        <a:xfrm>
+          <a:off x="0" y="0"/>
+          <a:ext cx="0" cy="0"/>
+          <a:chOff x="0" y="0"/>
+          <a:chExt cx="0" cy="0"/>
+        </a:xfrm>
+      </p:grpSpPr>
+      <p:sp>
+        <p:nvSpPr>
+          <p:cNvPr id="2" name="Content Placeholder 1"/>
+          <p:cNvSpPr>
+            <a:spLocks noGrp="1"/>
+          </p:cNvSpPr>
+          <p:nvPr>
+            <p:ph idx="1"/>
+          </p:nvPr>
+        </p:nvSpPr>
+        <p:spPr>
+          <a:xfrm>
+            <a:off x="628648" y="1463039"/>
+            <a:ext cx="8020115" cy="4694569"/>
+          </a:xfrm>
+        </p:spPr>
+        <p:txBody>
+          <a:bodyPr/>
+          <a:lstStyle/>
+          <a:p>
+            <a:r>
+              <a:rPr lang="en-US" dirty="0" err="1"/>
+              <a:t>Xpath</a:t>
+            </a:r>
+            <a:endParaRPr lang="en-US" dirty="0"/>
+          </a:p>
+          <a:p>
+            <a:r>
+              <a:rPr lang="en-US" dirty="0"/>
+              <a:t>ID</a:t>
+            </a:r>
+          </a:p>
+          <a:p>
+            <a:r>
+              <a:rPr lang="en-US" dirty="0" err="1"/>
+              <a:t>ClassName</a:t>
+            </a:r>
+            <a:endParaRPr lang="en-US" dirty="0"/>
+          </a:p>
+          <a:p>
+            <a:r>
+              <a:rPr lang="en-US" dirty="0"/>
+              <a:t>Name</a:t>
+            </a:r>
+          </a:p>
+          <a:p>
+            <a:r>
+              <a:rPr lang="en-US" dirty="0" err="1"/>
+              <a:t>LinkText</a:t>
+            </a:r>
+            <a:endParaRPr lang="en-US" dirty="0"/>
+          </a:p>
+          <a:p>
+            <a:r>
+              <a:rPr lang="en-US" dirty="0" err="1"/>
+              <a:t>CssSelector</a:t>
+            </a:r>
+            <a:endParaRPr lang="en-US" dirty="0"/>
+          </a:p>
+          <a:p>
+            <a:r>
+              <a:rPr lang="en-US" dirty="0"/>
+              <a:t>Partial link text</a:t>
+            </a:r>
+          </a:p>
+          <a:p>
+            <a:pPr marL="0" indent="0">
+              <a:buNone/>
+            </a:pPr>
+            <a:endParaRPr lang="en-US" dirty="0"/>
+          </a:p>
+        </p:txBody>
+      </p:sp>
+      <p:sp>
+        <p:nvSpPr>
+          <p:cNvPr id="3" name="Date Placeholder 2"/>
+          <p:cNvSpPr>
+            <a:spLocks noGrp="1"/>
+          </p:cNvSpPr>
+          <p:nvPr>
+            <p:ph type="dt" sz="half" idx="10"/>
+          </p:nvPr>
+        </p:nvSpPr>
+        <p:spPr/>
+        <p:txBody>
+          <a:bodyPr/>
+          <a:lstStyle/>
+          <a:p>
+            <a:fld id="{C8949D56-DBDD-4CB9-A3EC-4A16FD22C3CB}" type="datetime1">
+              <a:rPr lang="en-US" smtClean="0"/>
+              <a:t>3/24/2016</a:t>
+            </a:fld>
+            <a:endParaRPr lang="en-US" dirty="0"/>
+          </a:p>
+        </p:txBody>
+      </p:sp>
+      <p:sp>
+        <p:nvSpPr>
+          <p:cNvPr id="4" name="Footer Placeholder 3"/>
+          <p:cNvSpPr>
+            <a:spLocks noGrp="1"/>
+          </p:cNvSpPr>
+          <p:nvPr>
+            <p:ph type="ftr" sz="quarter" idx="11"/>
+          </p:nvPr>
+        </p:nvSpPr>
+        <p:spPr/>
+        <p:txBody>
+          <a:bodyPr/>
+          <a:lstStyle/>
+          <a:p>
+            <a:r>
+              <a:rPr lang="en-US" smtClean="0"/>
+              <a:t>All rights reserved by Five 9 Group, Inc.</a:t>
+            </a:r>
+            <a:endParaRPr lang="en-US" dirty="0"/>
+          </a:p>
+        </p:txBody>
+      </p:sp>
+      <p:sp>
+        <p:nvSpPr>
+          <p:cNvPr id="5" name="Slide Number Placeholder 4"/>
+          <p:cNvSpPr>
+            <a:spLocks noGrp="1"/>
+          </p:cNvSpPr>
+          <p:nvPr>
+            <p:ph type="sldNum" sz="quarter" idx="12"/>
+          </p:nvPr>
+        </p:nvSpPr>
+        <p:spPr/>
+        <p:txBody>
+          <a:bodyPr/>
+          <a:lstStyle/>
+          <a:p>
+            <a:fld id="{125AF1D8-B0AE-4E77-AA99-EC861FD2EC07}" type="slidenum">
+              <a:rPr lang="en-US" smtClean="0"/>
+              <a:t>60</a:t>
+            </a:fld>
+            <a:endParaRPr lang="en-US"/>
+          </a:p>
+        </p:txBody>
+      </p:sp>
+      <p:sp>
+        <p:nvSpPr>
+          <p:cNvPr id="6" name="Title 5"/>
+          <p:cNvSpPr>
+            <a:spLocks noGrp="1"/>
+          </p:cNvSpPr>
+          <p:nvPr>
+            <p:ph type="title"/>
+          </p:nvPr>
+        </p:nvSpPr>
+        <p:spPr/>
+        <p:txBody>
+          <a:bodyPr/>
+          <a:lstStyle/>
+          <a:p>
+            <a:r>
+              <a:rPr lang="en-US" dirty="0"/>
+              <a:t>Locator techniques to identify html objects</a:t>
+            </a:r>
+          </a:p>
+        </p:txBody>
+      </p:sp>
+    </p:spTree>
+    <p:extLst>
+      <p:ext uri="{BB962C8B-B14F-4D97-AF65-F5344CB8AC3E}">
+        <p14:creationId xmlns:p14="http://schemas.microsoft.com/office/powerpoint/2010/main" val="3495365384"/>
+      </p:ext>
+    </p:extLst>
+  </p:cSld>
+  <p:clrMapOvr>
+    <a:masterClrMapping/>
+  </p:clrMapOvr>
+</p:sld>
+</file>
+
+<file path=ppt/slides/slide62.xml><?xml version="1.0" encoding="utf-8"?>
+<p:sld xmlns:a="http://schemas.openxmlformats.org/drawingml/2006/main" xmlns:r="http://schemas.openxmlformats.org/officeDocument/2006/relationships" xmlns:p="http://schemas.openxmlformats.org/presentationml/2006/main">
+  <p:cSld>
+    <p:spTree>
+      <p:nvGrpSpPr>
+        <p:cNvPr id="1" name=""/>
+        <p:cNvGrpSpPr/>
+        <p:nvPr/>
+      </p:nvGrpSpPr>
+      <p:grpSpPr>
+        <a:xfrm>
+          <a:off x="0" y="0"/>
+          <a:ext cx="0" cy="0"/>
+          <a:chOff x="0" y="0"/>
+          <a:chExt cx="0" cy="0"/>
+        </a:xfrm>
+      </p:grpSpPr>
+      <p:sp>
+        <p:nvSpPr>
+          <p:cNvPr id="2" name="Content Placeholder 1"/>
+          <p:cNvSpPr>
+            <a:spLocks noGrp="1"/>
+          </p:cNvSpPr>
+          <p:nvPr>
+            <p:ph idx="1"/>
+          </p:nvPr>
+        </p:nvSpPr>
+        <p:spPr/>
+        <p:txBody>
+          <a:bodyPr/>
+          <a:lstStyle/>
+          <a:p>
+            <a:r>
+              <a:rPr lang="en-US" dirty="0" smtClean="0"/>
+              <a:t>Based on the code you updated in Spring Data Access module, develop UI components to update, delete tutorials so that the user can interact with the application. </a:t>
+            </a:r>
+          </a:p>
+          <a:p>
+            <a:r>
+              <a:rPr lang="en-US" dirty="0" smtClean="0"/>
+              <a:t>Also write unit  and </a:t>
+            </a:r>
+            <a:r>
+              <a:rPr lang="en-US" smtClean="0"/>
+              <a:t>selenium tests for </a:t>
+            </a:r>
+            <a:r>
+              <a:rPr lang="en-US" dirty="0" smtClean="0"/>
+              <a:t>them.</a:t>
+            </a:r>
+            <a:endParaRPr lang="en-US" dirty="0"/>
+          </a:p>
+        </p:txBody>
+      </p:sp>
+      <p:sp>
+        <p:nvSpPr>
+          <p:cNvPr id="3" name="Date Placeholder 2"/>
+          <p:cNvSpPr>
+            <a:spLocks noGrp="1"/>
+          </p:cNvSpPr>
+          <p:nvPr>
+            <p:ph type="dt" sz="half" idx="10"/>
+          </p:nvPr>
+        </p:nvSpPr>
+        <p:spPr/>
+        <p:txBody>
+          <a:bodyPr/>
+          <a:lstStyle/>
+          <a:p>
+            <a:fld id="{7AC11F0B-9A29-4EBD-B631-6648006CA4E4}" type="datetime1">
+              <a:rPr lang="en-US" smtClean="0"/>
+              <a:t>3/24/2016</a:t>
+            </a:fld>
+            <a:endParaRPr lang="en-US" dirty="0"/>
+          </a:p>
+        </p:txBody>
+      </p:sp>
+      <p:sp>
+        <p:nvSpPr>
+          <p:cNvPr id="4" name="Footer Placeholder 3"/>
+          <p:cNvSpPr>
+            <a:spLocks noGrp="1"/>
+          </p:cNvSpPr>
+          <p:nvPr>
+            <p:ph type="ftr" sz="quarter" idx="11"/>
+          </p:nvPr>
+        </p:nvSpPr>
+        <p:spPr/>
+        <p:txBody>
+          <a:bodyPr/>
+          <a:lstStyle/>
+          <a:p>
+            <a:r>
+              <a:rPr lang="en-US" smtClean="0"/>
+              <a:t>All rights reserved by Five 9 Group, Inc.</a:t>
+            </a:r>
+            <a:endParaRPr lang="en-US" dirty="0"/>
+          </a:p>
+        </p:txBody>
+      </p:sp>
+      <p:sp>
+        <p:nvSpPr>
+          <p:cNvPr id="5" name="Slide Number Placeholder 4"/>
+          <p:cNvSpPr>
+            <a:spLocks noGrp="1"/>
+          </p:cNvSpPr>
+          <p:nvPr>
+            <p:ph type="sldNum" sz="quarter" idx="12"/>
+          </p:nvPr>
+        </p:nvSpPr>
+        <p:spPr/>
+        <p:txBody>
+          <a:bodyPr/>
+          <a:lstStyle/>
+          <a:p>
+            <a:fld id="{125AF1D8-B0AE-4E77-AA99-EC861FD2EC07}" type="slidenum">
+              <a:rPr lang="en-US" smtClean="0"/>
+              <a:t>61</a:t>
+            </a:fld>
+            <a:endParaRPr lang="en-US"/>
+          </a:p>
+        </p:txBody>
+      </p:sp>
+      <p:sp>
+        <p:nvSpPr>
+          <p:cNvPr id="6" name="Title 5"/>
+          <p:cNvSpPr>
+            <a:spLocks noGrp="1"/>
+          </p:cNvSpPr>
+          <p:nvPr>
+            <p:ph type="title"/>
+          </p:nvPr>
+        </p:nvSpPr>
+        <p:spPr/>
+        <p:txBody>
+          <a:bodyPr/>
+          <a:lstStyle/>
+          <a:p>
+            <a:r>
+              <a:rPr lang="en-US" dirty="0" smtClean="0"/>
+              <a:t>Assignment</a:t>
+            </a:r>
+            <a:endParaRPr lang="en-US" dirty="0"/>
+          </a:p>
+        </p:txBody>
+      </p:sp>
+    </p:spTree>
+    <p:extLst>
+      <p:ext uri="{BB962C8B-B14F-4D97-AF65-F5344CB8AC3E}">
+        <p14:creationId xmlns:p14="http://schemas.microsoft.com/office/powerpoint/2010/main" val="2958807816"/>
+      </p:ext>
+    </p:extLst>
+  </p:cSld>
+  <p:clrMapOvr>
+    <a:masterClrMapping/>
+  </p:clrMapOvr>
+</p:sld>
+</file>
+
+<file path=ppt/slides/slide63.xml><?xml version="1.0" encoding="utf-8"?>
+<p:sld xmlns:a="http://schemas.openxmlformats.org/drawingml/2006/main" xmlns:r="http://schemas.openxmlformats.org/officeDocument/2006/relationships" xmlns:p="http://schemas.openxmlformats.org/presentationml/2006/main">
+  <p:cSld>
+    <p:spTree>
+      <p:nvGrpSpPr>
+        <p:cNvPr id="1" name=""/>
+        <p:cNvGrpSpPr/>
+        <p:nvPr/>
+      </p:nvGrpSpPr>
+      <p:grpSpPr>
+        <a:xfrm>
+          <a:off x="0" y="0"/>
+          <a:ext cx="0" cy="0"/>
+          <a:chOff x="0" y="0"/>
+          <a:chExt cx="0" cy="0"/>
+        </a:xfrm>
+      </p:grpSpPr>
+      <p:sp>
+        <p:nvSpPr>
+          <p:cNvPr id="7" name="Title 6"/>
+          <p:cNvSpPr>
+            <a:spLocks noGrp="1"/>
+          </p:cNvSpPr>
+          <p:nvPr>
+            <p:ph type="title"/>
+          </p:nvPr>
+        </p:nvSpPr>
+        <p:spPr>
+          <a:xfrm>
+            <a:off x="768095" y="3127248"/>
+            <a:ext cx="6226091" cy="1089529"/>
+          </a:xfrm>
+        </p:spPr>
+        <p:txBody>
+          <a:bodyPr/>
+          <a:lstStyle/>
+          <a:p>
+            <a:r>
+              <a:rPr lang="en-US" dirty="0"/>
+              <a:t>Code Refactoring and Metrics</a:t>
+            </a:r>
+            <a:endParaRPr lang="en-US" dirty="0"/>
+          </a:p>
+        </p:txBody>
+      </p:sp>
+      <p:sp>
+        <p:nvSpPr>
+          <p:cNvPr id="8" name="Text Placeholder 7"/>
+          <p:cNvSpPr>
+            <a:spLocks noGrp="1"/>
+          </p:cNvSpPr>
+          <p:nvPr>
+            <p:ph type="body" sz="quarter" idx="11"/>
+          </p:nvPr>
+        </p:nvSpPr>
+        <p:spPr>
+          <a:xfrm>
+            <a:off x="768095" y="2651760"/>
+            <a:ext cx="6225836" cy="1453298"/>
+          </a:xfrm>
+        </p:spPr>
+        <p:txBody>
+          <a:bodyPr/>
+          <a:lstStyle/>
+          <a:p>
+            <a:endParaRPr lang="en-US" dirty="0"/>
+          </a:p>
+        </p:txBody>
+      </p:sp>
+      <p:sp>
+        <p:nvSpPr>
+          <p:cNvPr id="3" name="Date Placeholder 2"/>
+          <p:cNvSpPr>
+            <a:spLocks noGrp="1"/>
+          </p:cNvSpPr>
+          <p:nvPr>
+            <p:ph type="dt" sz="half" idx="4294967295"/>
+          </p:nvPr>
+        </p:nvSpPr>
+        <p:spPr>
+          <a:xfrm>
+            <a:off x="0" y="6356350"/>
+            <a:ext cx="2057400" cy="365125"/>
+          </a:xfrm>
+          <a:prstGeom prst="rect">
+            <a:avLst/>
+          </a:prstGeom>
+        </p:spPr>
+        <p:txBody>
+          <a:bodyPr/>
+          <a:lstStyle/>
+          <a:p>
+            <a:fld id="{C8949D56-DBDD-4CB9-A3EC-4A16FD22C3CB}" type="datetime1">
+              <a:rPr lang="en-US" smtClean="0"/>
+              <a:t>3/24/2016</a:t>
+            </a:fld>
+            <a:endParaRPr lang="en-US" dirty="0"/>
+          </a:p>
+        </p:txBody>
+      </p:sp>
+      <p:sp>
+        <p:nvSpPr>
+          <p:cNvPr id="4" name="Footer Placeholder 3"/>
+          <p:cNvSpPr>
+            <a:spLocks noGrp="1"/>
+          </p:cNvSpPr>
+          <p:nvPr>
+            <p:ph type="ftr" sz="quarter" idx="4294967295"/>
+          </p:nvPr>
+        </p:nvSpPr>
+        <p:spPr>
+          <a:xfrm>
+            <a:off x="-1" y="5839098"/>
+            <a:ext cx="5564777" cy="882378"/>
+          </a:xfrm>
+          <a:prstGeom prst="rect">
+            <a:avLst/>
+          </a:prstGeom>
+        </p:spPr>
+        <p:txBody>
+          <a:bodyPr/>
+          <a:lstStyle/>
+          <a:p>
+            <a:r>
+              <a:rPr lang="en-US" smtClean="0"/>
+              <a:t>All rights reserved by Five 9 Group, Inc.</a:t>
+            </a:r>
+            <a:endParaRPr lang="en-US" dirty="0"/>
+          </a:p>
+        </p:txBody>
+      </p:sp>
+      <p:sp>
+        <p:nvSpPr>
+          <p:cNvPr id="5" name="Slide Number Placeholder 4"/>
+          <p:cNvSpPr>
+            <a:spLocks noGrp="1"/>
+          </p:cNvSpPr>
+          <p:nvPr>
+            <p:ph type="sldNum" sz="quarter" idx="4294967295"/>
+          </p:nvPr>
+        </p:nvSpPr>
+        <p:spPr>
+          <a:xfrm>
+            <a:off x="7086600" y="6356350"/>
+            <a:ext cx="2057400" cy="365125"/>
+          </a:xfrm>
+          <a:prstGeom prst="rect">
+            <a:avLst/>
+          </a:prstGeom>
+        </p:spPr>
+        <p:txBody>
+          <a:bodyPr/>
+          <a:lstStyle/>
+          <a:p>
+            <a:fld id="{125AF1D8-B0AE-4E77-AA99-EC861FD2EC07}" type="slidenum">
+              <a:rPr lang="en-US" smtClean="0"/>
+              <a:t>62</a:t>
+            </a:fld>
+            <a:endParaRPr lang="en-US"/>
+          </a:p>
+        </p:txBody>
+      </p:sp>
+    </p:spTree>
+    <p:extLst>
+      <p:ext uri="{BB962C8B-B14F-4D97-AF65-F5344CB8AC3E}">
+        <p14:creationId xmlns:p14="http://schemas.microsoft.com/office/powerpoint/2010/main" val="495787269"/>
+      </p:ext>
+    </p:extLst>
+  </p:cSld>
+  <p:clrMapOvr>
+    <a:masterClrMapping/>
+  </p:clrMapOvr>
+</p:sld>
+</file>
+
+<file path=ppt/slides/slide64.xml><?xml version="1.0" encoding="utf-8"?>
+<p:sld xmlns:a="http://schemas.openxmlformats.org/drawingml/2006/main" xmlns:r="http://schemas.openxmlformats.org/officeDocument/2006/relationships" xmlns:p="http://schemas.openxmlformats.org/presentationml/2006/main">
+  <p:cSld>
+    <p:spTree>
+      <p:nvGrpSpPr>
+        <p:cNvPr id="1" name=""/>
+        <p:cNvGrpSpPr/>
+        <p:nvPr/>
+      </p:nvGrpSpPr>
+      <p:grpSpPr>
+        <a:xfrm>
+          <a:off x="0" y="0"/>
+          <a:ext cx="0" cy="0"/>
+          <a:chOff x="0" y="0"/>
+          <a:chExt cx="0" cy="0"/>
+        </a:xfrm>
+      </p:grpSpPr>
+      <p:sp>
+        <p:nvSpPr>
+          <p:cNvPr id="2" name="Content Placeholder 1"/>
+          <p:cNvSpPr>
+            <a:spLocks noGrp="1"/>
+          </p:cNvSpPr>
+          <p:nvPr>
+            <p:ph idx="1"/>
+          </p:nvPr>
+        </p:nvSpPr>
+        <p:spPr/>
+        <p:txBody>
+          <a:bodyPr/>
+          <a:lstStyle/>
+          <a:p>
+            <a:pPr fontAlgn="base"/>
+            <a:r>
+              <a:rPr lang="en-US" dirty="0"/>
+              <a:t>The process of cleaning code without changing the underlying functionality to improve the structure of code and reduce complexity.​</a:t>
+            </a:r>
+          </a:p>
+          <a:p>
+            <a:pPr fontAlgn="base"/>
+            <a:r>
+              <a:rPr lang="en-US" dirty="0"/>
+              <a:t>The best way to refactor code is to extract method.</a:t>
+            </a:r>
+          </a:p>
+          <a:p>
+            <a:endParaRPr lang="en-US" dirty="0"/>
+          </a:p>
+        </p:txBody>
+      </p:sp>
+      <p:sp>
+        <p:nvSpPr>
+          <p:cNvPr id="3" name="Date Placeholder 2"/>
+          <p:cNvSpPr>
+            <a:spLocks noGrp="1"/>
+          </p:cNvSpPr>
+          <p:nvPr>
+            <p:ph type="dt" sz="half" idx="10"/>
+          </p:nvPr>
+        </p:nvSpPr>
+        <p:spPr/>
+        <p:txBody>
+          <a:bodyPr/>
+          <a:lstStyle/>
+          <a:p>
+            <a:fld id="{C8949D56-DBDD-4CB9-A3EC-4A16FD22C3CB}" type="datetime1">
+              <a:rPr lang="en-US" smtClean="0"/>
+              <a:t>3/24/2016</a:t>
+            </a:fld>
+            <a:endParaRPr lang="en-US" dirty="0"/>
+          </a:p>
+        </p:txBody>
+      </p:sp>
+      <p:sp>
+        <p:nvSpPr>
+          <p:cNvPr id="4" name="Footer Placeholder 3"/>
+          <p:cNvSpPr>
+            <a:spLocks noGrp="1"/>
+          </p:cNvSpPr>
+          <p:nvPr>
+            <p:ph type="ftr" sz="quarter" idx="11"/>
+          </p:nvPr>
+        </p:nvSpPr>
+        <p:spPr/>
+        <p:txBody>
+          <a:bodyPr/>
+          <a:lstStyle/>
+          <a:p>
+            <a:r>
+              <a:rPr lang="en-US" smtClean="0"/>
+              <a:t>All rights reserved by Five 9 Group, Inc.</a:t>
+            </a:r>
+            <a:endParaRPr lang="en-US" dirty="0"/>
+          </a:p>
+        </p:txBody>
+      </p:sp>
+      <p:sp>
+        <p:nvSpPr>
+          <p:cNvPr id="5" name="Slide Number Placeholder 4"/>
+          <p:cNvSpPr>
+            <a:spLocks noGrp="1"/>
+          </p:cNvSpPr>
+          <p:nvPr>
+            <p:ph type="sldNum" sz="quarter" idx="12"/>
+          </p:nvPr>
+        </p:nvSpPr>
+        <p:spPr/>
+        <p:txBody>
+          <a:bodyPr/>
+          <a:lstStyle/>
+          <a:p>
+            <a:fld id="{125AF1D8-B0AE-4E77-AA99-EC861FD2EC07}" type="slidenum">
+              <a:rPr lang="en-US" smtClean="0"/>
+              <a:t>63</a:t>
+            </a:fld>
+            <a:endParaRPr lang="en-US"/>
+          </a:p>
+        </p:txBody>
+      </p:sp>
+      <p:sp>
+        <p:nvSpPr>
+          <p:cNvPr id="6" name="Title 5"/>
+          <p:cNvSpPr>
+            <a:spLocks noGrp="1"/>
+          </p:cNvSpPr>
+          <p:nvPr>
+            <p:ph type="title"/>
+          </p:nvPr>
+        </p:nvSpPr>
+        <p:spPr/>
+        <p:txBody>
+          <a:bodyPr/>
+          <a:lstStyle/>
+          <a:p>
+            <a:r>
+              <a:rPr lang="en-US" dirty="0" smtClean="0"/>
+              <a:t>Code Refactoring</a:t>
+            </a:r>
+            <a:endParaRPr lang="en-US" dirty="0"/>
+          </a:p>
+        </p:txBody>
+      </p:sp>
+      <p:sp>
+        <p:nvSpPr>
+          <p:cNvPr id="7" name="Rectangle 6"/>
+          <p:cNvSpPr/>
+          <p:nvPr/>
+        </p:nvSpPr>
+        <p:spPr>
+          <a:xfrm>
+            <a:off x="4453217" y="3244334"/>
+            <a:ext cx="237566" cy="369332"/>
+          </a:xfrm>
+          <a:prstGeom prst="rect">
+            <a:avLst/>
+          </a:prstGeom>
+        </p:spPr>
+        <p:txBody>
+          <a:bodyPr wrap="none">
+            <a:spAutoFit/>
+          </a:bodyPr>
+          <a:lstStyle/>
+          <a:p>
+            <a:r>
+              <a:rPr lang="en-US" dirty="0"/>
+              <a:t> </a:t>
+            </a:r>
+          </a:p>
+        </p:txBody>
+      </p:sp>
+      <p:pic>
+        <p:nvPicPr>
+          <p:cNvPr id="8" name="Picture 7"/>
+          <p:cNvPicPr>
+            <a:picLocks noChangeAspect="1"/>
+          </p:cNvPicPr>
+          <p:nvPr/>
+        </p:nvPicPr>
+        <p:blipFill>
+          <a:blip r:embed="rId2">
+            <a:extLst>
+              <a:ext uri="{28A0092B-C50C-407E-A947-70E740481C1C}">
+                <a14:useLocalDpi xmlns:a14="http://schemas.microsoft.com/office/drawing/2010/main" val="0"/>
+              </a:ext>
+            </a:extLst>
+          </a:blip>
+          <a:stretch>
+            <a:fillRect/>
+          </a:stretch>
+        </p:blipFill>
+        <p:spPr>
+          <a:xfrm>
+            <a:off x="1084217" y="3613666"/>
+            <a:ext cx="6962503" cy="2738455"/>
+          </a:xfrm>
+          <a:prstGeom prst="rect">
+            <a:avLst/>
+          </a:prstGeom>
+        </p:spPr>
+      </p:pic>
+    </p:spTree>
+    <p:extLst>
+      <p:ext uri="{BB962C8B-B14F-4D97-AF65-F5344CB8AC3E}">
+        <p14:creationId xmlns:p14="http://schemas.microsoft.com/office/powerpoint/2010/main" val="3409765052"/>
+      </p:ext>
+    </p:extLst>
+  </p:cSld>
+  <p:clrMapOvr>
+    <a:masterClrMapping/>
+  </p:clrMapOvr>
+</p:sld>
+</file>
+
+<file path=ppt/slides/slide65.xml><?xml version="1.0" encoding="utf-8"?>
+<p:sld xmlns:a="http://schemas.openxmlformats.org/drawingml/2006/main" xmlns:r="http://schemas.openxmlformats.org/officeDocument/2006/relationships" xmlns:p="http://schemas.openxmlformats.org/presentationml/2006/main">
+  <p:cSld>
+    <p:spTree>
+      <p:nvGrpSpPr>
+        <p:cNvPr id="1" name=""/>
+        <p:cNvGrpSpPr/>
+        <p:nvPr/>
+      </p:nvGrpSpPr>
+      <p:grpSpPr>
+        <a:xfrm>
+          <a:off x="0" y="0"/>
+          <a:ext cx="0" cy="0"/>
+          <a:chOff x="0" y="0"/>
+          <a:chExt cx="0" cy="0"/>
+        </a:xfrm>
+      </p:grpSpPr>
+      <p:sp>
+        <p:nvSpPr>
+          <p:cNvPr id="2" name="Content Placeholder 1"/>
+          <p:cNvSpPr>
+            <a:spLocks noGrp="1"/>
+          </p:cNvSpPr>
+          <p:nvPr>
+            <p:ph idx="1"/>
+          </p:nvPr>
+        </p:nvSpPr>
+        <p:spPr/>
+        <p:txBody>
+          <a:bodyPr/>
+          <a:lstStyle/>
+          <a:p>
+            <a:pPr fontAlgn="base"/>
+            <a:r>
+              <a:rPr lang="en-US" dirty="0"/>
+              <a:t>Tools that analyze cyclomatic complexity is good at pointing out code that needs to be refactored.​</a:t>
+            </a:r>
+          </a:p>
+          <a:p>
+            <a:pPr fontAlgn="base"/>
+            <a:r>
+              <a:rPr lang="en-US" dirty="0"/>
+              <a:t>Running Cobertura to identify cyclomatic complexity from maven​</a:t>
+            </a:r>
+          </a:p>
+          <a:p>
+            <a:pPr fontAlgn="base"/>
+            <a:r>
+              <a:rPr lang="en-US" dirty="0"/>
+              <a:t>Higher the complexity number better it is to refactor code.</a:t>
+            </a:r>
+          </a:p>
+          <a:p>
+            <a:endParaRPr lang="en-US" dirty="0"/>
+          </a:p>
+        </p:txBody>
+      </p:sp>
+      <p:sp>
+        <p:nvSpPr>
+          <p:cNvPr id="3" name="Date Placeholder 2"/>
+          <p:cNvSpPr>
+            <a:spLocks noGrp="1"/>
+          </p:cNvSpPr>
+          <p:nvPr>
+            <p:ph type="dt" sz="half" idx="10"/>
+          </p:nvPr>
+        </p:nvSpPr>
+        <p:spPr/>
+        <p:txBody>
+          <a:bodyPr/>
+          <a:lstStyle/>
+          <a:p>
+            <a:fld id="{C8949D56-DBDD-4CB9-A3EC-4A16FD22C3CB}" type="datetime1">
+              <a:rPr lang="en-US" smtClean="0"/>
+              <a:t>3/24/2016</a:t>
+            </a:fld>
+            <a:endParaRPr lang="en-US" dirty="0"/>
+          </a:p>
+        </p:txBody>
+      </p:sp>
+      <p:sp>
+        <p:nvSpPr>
+          <p:cNvPr id="4" name="Footer Placeholder 3"/>
+          <p:cNvSpPr>
+            <a:spLocks noGrp="1"/>
+          </p:cNvSpPr>
+          <p:nvPr>
+            <p:ph type="ftr" sz="quarter" idx="11"/>
+          </p:nvPr>
+        </p:nvSpPr>
+        <p:spPr/>
+        <p:txBody>
+          <a:bodyPr/>
+          <a:lstStyle/>
+          <a:p>
+            <a:r>
+              <a:rPr lang="en-US" smtClean="0"/>
+              <a:t>All rights reserved by Five 9 Group, Inc.</a:t>
+            </a:r>
+            <a:endParaRPr lang="en-US" dirty="0"/>
+          </a:p>
+        </p:txBody>
+      </p:sp>
+      <p:sp>
+        <p:nvSpPr>
+          <p:cNvPr id="5" name="Slide Number Placeholder 4"/>
+          <p:cNvSpPr>
+            <a:spLocks noGrp="1"/>
+          </p:cNvSpPr>
+          <p:nvPr>
+            <p:ph type="sldNum" sz="quarter" idx="12"/>
+          </p:nvPr>
+        </p:nvSpPr>
+        <p:spPr/>
+        <p:txBody>
+          <a:bodyPr/>
+          <a:lstStyle/>
+          <a:p>
+            <a:fld id="{125AF1D8-B0AE-4E77-AA99-EC861FD2EC07}" type="slidenum">
+              <a:rPr lang="en-US" smtClean="0"/>
+              <a:t>64</a:t>
+            </a:fld>
+            <a:endParaRPr lang="en-US"/>
+          </a:p>
+        </p:txBody>
+      </p:sp>
+      <p:sp>
+        <p:nvSpPr>
+          <p:cNvPr id="6" name="Title 5"/>
+          <p:cNvSpPr>
+            <a:spLocks noGrp="1"/>
+          </p:cNvSpPr>
+          <p:nvPr>
+            <p:ph type="title"/>
+          </p:nvPr>
+        </p:nvSpPr>
+        <p:spPr/>
+        <p:txBody>
+          <a:bodyPr/>
+          <a:lstStyle/>
+          <a:p>
+            <a:r>
+              <a:rPr lang="en-US" dirty="0"/>
+              <a:t>How do you identify code that needs refactoring?</a:t>
+            </a:r>
+          </a:p>
+        </p:txBody>
+      </p:sp>
+      <p:pic>
+        <p:nvPicPr>
+          <p:cNvPr id="7" name="Picture 6"/>
+          <p:cNvPicPr>
+            <a:picLocks noChangeAspect="1"/>
+          </p:cNvPicPr>
+          <p:nvPr/>
+        </p:nvPicPr>
+        <p:blipFill>
+          <a:blip r:embed="rId2">
+            <a:extLst>
+              <a:ext uri="{28A0092B-C50C-407E-A947-70E740481C1C}">
+                <a14:useLocalDpi xmlns:a14="http://schemas.microsoft.com/office/drawing/2010/main" val="0"/>
+              </a:ext>
+            </a:extLst>
+          </a:blip>
+          <a:stretch>
+            <a:fillRect/>
+          </a:stretch>
+        </p:blipFill>
+        <p:spPr>
+          <a:xfrm>
+            <a:off x="535577" y="4335382"/>
+            <a:ext cx="8113186" cy="2020968"/>
+          </a:xfrm>
+          <a:prstGeom prst="rect">
+            <a:avLst/>
+          </a:prstGeom>
+        </p:spPr>
+      </p:pic>
+    </p:spTree>
+    <p:extLst>
+      <p:ext uri="{BB962C8B-B14F-4D97-AF65-F5344CB8AC3E}">
+        <p14:creationId xmlns:p14="http://schemas.microsoft.com/office/powerpoint/2010/main" val="2420409857"/>
+      </p:ext>
+    </p:extLst>
+  </p:cSld>
+  <p:clrMapOvr>
+    <a:masterClrMapping/>
+  </p:clrMapOvr>
+</p:sld>
+</file>
+
+<file path=ppt/slides/slide66.xml><?xml version="1.0" encoding="utf-8"?>
+<p:sld xmlns:a="http://schemas.openxmlformats.org/drawingml/2006/main" xmlns:r="http://schemas.openxmlformats.org/officeDocument/2006/relationships" xmlns:p="http://schemas.openxmlformats.org/presentationml/2006/main">
+  <p:cSld>
+    <p:spTree>
+      <p:nvGrpSpPr>
+        <p:cNvPr id="1" name=""/>
+        <p:cNvGrpSpPr/>
+        <p:nvPr/>
+      </p:nvGrpSpPr>
+      <p:grpSpPr>
+        <a:xfrm>
+          <a:off x="0" y="0"/>
+          <a:ext cx="0" cy="0"/>
+          <a:chOff x="0" y="0"/>
+          <a:chExt cx="0" cy="0"/>
+        </a:xfrm>
+      </p:grpSpPr>
+      <p:sp>
+        <p:nvSpPr>
+          <p:cNvPr id="2" name="Content Placeholder 1"/>
+          <p:cNvSpPr>
+            <a:spLocks noGrp="1"/>
+          </p:cNvSpPr>
+          <p:nvPr>
+            <p:ph idx="1"/>
+          </p:nvPr>
+        </p:nvSpPr>
+        <p:spPr/>
+        <p:txBody>
+          <a:bodyPr/>
+          <a:lstStyle/>
+          <a:p>
+            <a:pPr fontAlgn="base"/>
+            <a:r>
+              <a:rPr lang="en-US" dirty="0"/>
+              <a:t>Why measure code attributes​</a:t>
+            </a:r>
+          </a:p>
+          <a:p>
+            <a:pPr lvl="2" fontAlgn="base"/>
+            <a:r>
+              <a:rPr lang="en-US" dirty="0" smtClean="0"/>
+              <a:t>Complexity</a:t>
+            </a:r>
+            <a:r>
+              <a:rPr lang="en-US" dirty="0"/>
+              <a:t> ​</a:t>
+            </a:r>
+          </a:p>
+          <a:p>
+            <a:pPr lvl="2" fontAlgn="base"/>
+            <a:r>
+              <a:rPr lang="en-US" dirty="0"/>
+              <a:t>Maintainability ​</a:t>
+            </a:r>
+          </a:p>
+          <a:p>
+            <a:pPr lvl="2" fontAlgn="base"/>
+            <a:r>
+              <a:rPr lang="en-US" dirty="0"/>
+              <a:t>Risk​</a:t>
+            </a:r>
+          </a:p>
+          <a:p>
+            <a:pPr lvl="2" fontAlgn="base"/>
+            <a:r>
+              <a:rPr lang="en-US" dirty="0"/>
+              <a:t>Extensibility​</a:t>
+            </a:r>
+          </a:p>
+          <a:p>
+            <a:pPr lvl="2" fontAlgn="base"/>
+            <a:r>
+              <a:rPr lang="en-US" dirty="0"/>
+              <a:t>Waste</a:t>
+            </a:r>
+          </a:p>
+          <a:p>
+            <a:endParaRPr lang="en-US" dirty="0"/>
+          </a:p>
+        </p:txBody>
+      </p:sp>
+      <p:sp>
+        <p:nvSpPr>
+          <p:cNvPr id="3" name="Date Placeholder 2"/>
+          <p:cNvSpPr>
+            <a:spLocks noGrp="1"/>
+          </p:cNvSpPr>
+          <p:nvPr>
+            <p:ph type="dt" sz="half" idx="10"/>
+          </p:nvPr>
+        </p:nvSpPr>
+        <p:spPr/>
+        <p:txBody>
+          <a:bodyPr/>
+          <a:lstStyle/>
+          <a:p>
+            <a:fld id="{C8949D56-DBDD-4CB9-A3EC-4A16FD22C3CB}" type="datetime1">
+              <a:rPr lang="en-US" smtClean="0"/>
+              <a:t>3/24/2016</a:t>
+            </a:fld>
+            <a:endParaRPr lang="en-US" dirty="0"/>
+          </a:p>
+        </p:txBody>
+      </p:sp>
+      <p:sp>
+        <p:nvSpPr>
+          <p:cNvPr id="4" name="Footer Placeholder 3"/>
+          <p:cNvSpPr>
+            <a:spLocks noGrp="1"/>
+          </p:cNvSpPr>
+          <p:nvPr>
+            <p:ph type="ftr" sz="quarter" idx="11"/>
+          </p:nvPr>
+        </p:nvSpPr>
+        <p:spPr/>
+        <p:txBody>
+          <a:bodyPr/>
+          <a:lstStyle/>
+          <a:p>
+            <a:r>
+              <a:rPr lang="en-US" smtClean="0"/>
+              <a:t>All rights reserved by Five 9 Group, Inc.</a:t>
+            </a:r>
+            <a:endParaRPr lang="en-US" dirty="0"/>
+          </a:p>
+        </p:txBody>
+      </p:sp>
+      <p:sp>
+        <p:nvSpPr>
+          <p:cNvPr id="5" name="Slide Number Placeholder 4"/>
+          <p:cNvSpPr>
+            <a:spLocks noGrp="1"/>
+          </p:cNvSpPr>
+          <p:nvPr>
+            <p:ph type="sldNum" sz="quarter" idx="12"/>
+          </p:nvPr>
+        </p:nvSpPr>
+        <p:spPr/>
+        <p:txBody>
+          <a:bodyPr/>
+          <a:lstStyle/>
+          <a:p>
+            <a:fld id="{125AF1D8-B0AE-4E77-AA99-EC861FD2EC07}" type="slidenum">
+              <a:rPr lang="en-US" smtClean="0"/>
+              <a:t>65</a:t>
+            </a:fld>
+            <a:endParaRPr lang="en-US"/>
+          </a:p>
+        </p:txBody>
+      </p:sp>
+      <p:sp>
+        <p:nvSpPr>
+          <p:cNvPr id="6" name="Title 5"/>
+          <p:cNvSpPr>
+            <a:spLocks noGrp="1"/>
+          </p:cNvSpPr>
+          <p:nvPr>
+            <p:ph type="title"/>
+          </p:nvPr>
+        </p:nvSpPr>
+        <p:spPr/>
+        <p:txBody>
+          <a:bodyPr/>
+          <a:lstStyle/>
+          <a:p>
+            <a:r>
+              <a:rPr lang="en-US" dirty="0"/>
+              <a:t>Code Metrics</a:t>
+            </a:r>
+          </a:p>
+        </p:txBody>
+      </p:sp>
+    </p:spTree>
+    <p:extLst>
+      <p:ext uri="{BB962C8B-B14F-4D97-AF65-F5344CB8AC3E}">
+        <p14:creationId xmlns:p14="http://schemas.microsoft.com/office/powerpoint/2010/main" val="314355112"/>
+      </p:ext>
+    </p:extLst>
+  </p:cSld>
+  <p:clrMapOvr>
+    <a:masterClrMapping/>
+  </p:clrMapOvr>
+</p:sld>
+</file>
+
+<file path=ppt/slides/slide67.xml><?xml version="1.0" encoding="utf-8"?>
+<p:sld xmlns:a="http://schemas.openxmlformats.org/drawingml/2006/main" xmlns:r="http://schemas.openxmlformats.org/officeDocument/2006/relationships" xmlns:p="http://schemas.openxmlformats.org/presentationml/2006/main">
+  <p:cSld>
+    <p:spTree>
+      <p:nvGrpSpPr>
+        <p:cNvPr id="1" name=""/>
+        <p:cNvGrpSpPr/>
+        <p:nvPr/>
+      </p:nvGrpSpPr>
+      <p:grpSpPr>
+        <a:xfrm>
+          <a:off x="0" y="0"/>
+          <a:ext cx="0" cy="0"/>
+          <a:chOff x="0" y="0"/>
+          <a:chExt cx="0" cy="0"/>
+        </a:xfrm>
+      </p:grpSpPr>
+      <p:sp>
+        <p:nvSpPr>
+          <p:cNvPr id="2" name="Content Placeholder 1"/>
+          <p:cNvSpPr>
+            <a:spLocks noGrp="1"/>
+          </p:cNvSpPr>
+          <p:nvPr>
+            <p:ph idx="1"/>
+          </p:nvPr>
+        </p:nvSpPr>
+        <p:spPr/>
+        <p:txBody>
+          <a:bodyPr/>
+          <a:lstStyle/>
+          <a:p>
+            <a:r>
+              <a:rPr lang="en-US" dirty="0"/>
+              <a:t>Cyclomatic Complexity</a:t>
+            </a:r>
+          </a:p>
+          <a:p>
+            <a:r>
+              <a:rPr lang="en-US" dirty="0"/>
+              <a:t>Duplicate Code Analysis</a:t>
+            </a:r>
+          </a:p>
+          <a:p>
+            <a:r>
+              <a:rPr lang="en-US" dirty="0"/>
+              <a:t>Circular Dependencies</a:t>
+            </a:r>
+          </a:p>
+          <a:p>
+            <a:r>
+              <a:rPr lang="en-US" dirty="0">
+                <a:latin typeface="Trebuchet MS" charset="0"/>
+              </a:rPr>
+              <a:t>Code Coverage</a:t>
+            </a:r>
+          </a:p>
+          <a:p>
+            <a:endParaRPr lang="en-US" dirty="0"/>
+          </a:p>
+        </p:txBody>
+      </p:sp>
+      <p:sp>
+        <p:nvSpPr>
+          <p:cNvPr id="3" name="Date Placeholder 2"/>
+          <p:cNvSpPr>
+            <a:spLocks noGrp="1"/>
+          </p:cNvSpPr>
+          <p:nvPr>
+            <p:ph type="dt" sz="half" idx="10"/>
+          </p:nvPr>
+        </p:nvSpPr>
+        <p:spPr/>
+        <p:txBody>
+          <a:bodyPr/>
+          <a:lstStyle/>
+          <a:p>
+            <a:fld id="{C8949D56-DBDD-4CB9-A3EC-4A16FD22C3CB}" type="datetime1">
+              <a:rPr lang="en-US" smtClean="0"/>
+              <a:t>3/24/2016</a:t>
+            </a:fld>
+            <a:endParaRPr lang="en-US" dirty="0"/>
+          </a:p>
+        </p:txBody>
+      </p:sp>
+      <p:sp>
+        <p:nvSpPr>
+          <p:cNvPr id="4" name="Footer Placeholder 3"/>
+          <p:cNvSpPr>
+            <a:spLocks noGrp="1"/>
+          </p:cNvSpPr>
+          <p:nvPr>
+            <p:ph type="ftr" sz="quarter" idx="11"/>
+          </p:nvPr>
+        </p:nvSpPr>
+        <p:spPr/>
+        <p:txBody>
+          <a:bodyPr/>
+          <a:lstStyle/>
+          <a:p>
+            <a:r>
+              <a:rPr lang="en-US" smtClean="0"/>
+              <a:t>All rights reserved by Five 9 Group, Inc.</a:t>
+            </a:r>
+            <a:endParaRPr lang="en-US" dirty="0"/>
+          </a:p>
+        </p:txBody>
+      </p:sp>
+      <p:sp>
+        <p:nvSpPr>
+          <p:cNvPr id="5" name="Slide Number Placeholder 4"/>
+          <p:cNvSpPr>
+            <a:spLocks noGrp="1"/>
+          </p:cNvSpPr>
+          <p:nvPr>
+            <p:ph type="sldNum" sz="quarter" idx="12"/>
+          </p:nvPr>
+        </p:nvSpPr>
+        <p:spPr/>
+        <p:txBody>
+          <a:bodyPr/>
+          <a:lstStyle/>
+          <a:p>
+            <a:fld id="{125AF1D8-B0AE-4E77-AA99-EC861FD2EC07}" type="slidenum">
+              <a:rPr lang="en-US" smtClean="0"/>
+              <a:t>66</a:t>
+            </a:fld>
+            <a:endParaRPr lang="en-US"/>
+          </a:p>
+        </p:txBody>
+      </p:sp>
+      <p:sp>
+        <p:nvSpPr>
+          <p:cNvPr id="6" name="Title 5"/>
+          <p:cNvSpPr>
+            <a:spLocks noGrp="1"/>
+          </p:cNvSpPr>
+          <p:nvPr>
+            <p:ph type="title"/>
+          </p:nvPr>
+        </p:nvSpPr>
+        <p:spPr/>
+        <p:txBody>
+          <a:bodyPr/>
+          <a:lstStyle/>
+          <a:p>
+            <a:r>
+              <a:rPr lang="en-US" dirty="0"/>
+              <a:t>Code Metrics Terminology</a:t>
+            </a:r>
+          </a:p>
+        </p:txBody>
+      </p:sp>
+    </p:spTree>
+    <p:extLst>
+      <p:ext uri="{BB962C8B-B14F-4D97-AF65-F5344CB8AC3E}">
+        <p14:creationId xmlns:p14="http://schemas.microsoft.com/office/powerpoint/2010/main" val="1974344296"/>
+      </p:ext>
+    </p:extLst>
+  </p:cSld>
+  <p:clrMapOvr>
+    <a:masterClrMapping/>
+  </p:clrMapOvr>
+</p:sld>
+</file>
+
+<file path=ppt/slides/slide68.xml><?xml version="1.0" encoding="utf-8"?>
+<p:sld xmlns:a="http://schemas.openxmlformats.org/drawingml/2006/main" xmlns:r="http://schemas.openxmlformats.org/officeDocument/2006/relationships" xmlns:p="http://schemas.openxmlformats.org/presentationml/2006/main">
+  <p:cSld>
+    <p:spTree>
+      <p:nvGrpSpPr>
+        <p:cNvPr id="1" name=""/>
+        <p:cNvGrpSpPr/>
+        <p:nvPr/>
+      </p:nvGrpSpPr>
+      <p:grpSpPr>
+        <a:xfrm>
+          <a:off x="0" y="0"/>
+          <a:ext cx="0" cy="0"/>
+          <a:chOff x="0" y="0"/>
+          <a:chExt cx="0" cy="0"/>
+        </a:xfrm>
+      </p:grpSpPr>
+      <p:sp>
+        <p:nvSpPr>
+          <p:cNvPr id="2" name="Content Placeholder 1"/>
+          <p:cNvSpPr>
+            <a:spLocks noGrp="1"/>
+          </p:cNvSpPr>
+          <p:nvPr>
+            <p:ph idx="1"/>
+          </p:nvPr>
+        </p:nvSpPr>
+        <p:spPr/>
+        <p:txBody>
+          <a:bodyPr/>
+          <a:lstStyle/>
+          <a:p>
+            <a:r>
+              <a:rPr lang="en-US" dirty="0"/>
+              <a:t>Measurement of number of paths through the methods</a:t>
+            </a:r>
+            <a:r>
+              <a:rPr lang="en-US" dirty="0" smtClean="0"/>
+              <a:t>. More </a:t>
+            </a:r>
+            <a:r>
+              <a:rPr lang="en-US" dirty="0"/>
+              <a:t>the number of paths complexity increases linearly.</a:t>
+            </a:r>
+          </a:p>
+          <a:p>
+            <a:r>
+              <a:rPr lang="en-US" dirty="0"/>
+              <a:t>Tools used to measure cyclomatic Complexity</a:t>
+            </a:r>
+          </a:p>
+          <a:p>
+            <a:pPr lvl="2"/>
+            <a:r>
+              <a:rPr lang="en-US" sz="1800" dirty="0"/>
+              <a:t>PMD</a:t>
+            </a:r>
+          </a:p>
+          <a:p>
+            <a:pPr lvl="2"/>
+            <a:r>
+              <a:rPr lang="en-US" sz="1800" dirty="0"/>
+              <a:t>The Eclipse Metrics plug-in</a:t>
+            </a:r>
+          </a:p>
+          <a:p>
+            <a:pPr lvl="2"/>
+            <a:r>
+              <a:rPr lang="en-US" sz="1800" dirty="0" err="1"/>
+              <a:t>JavaNCSS</a:t>
+            </a:r>
+            <a:endParaRPr lang="en-US" sz="1800" dirty="0"/>
+          </a:p>
+          <a:p>
+            <a:pPr lvl="2"/>
+            <a:r>
+              <a:rPr lang="en-US" sz="1800" dirty="0"/>
+              <a:t>Cobertura</a:t>
+            </a:r>
+          </a:p>
+          <a:p>
+            <a:pPr marL="914400" lvl="2" indent="0">
+              <a:buNone/>
+            </a:pPr>
+            <a:r>
+              <a:rPr lang="en-US" sz="1800" dirty="0"/>
+              <a:t>To reduce Cyclomatic Complexity we can introduce isolation via refactoring</a:t>
+            </a:r>
+          </a:p>
+          <a:p>
+            <a:pPr lvl="2"/>
+            <a:r>
+              <a:rPr lang="en-US" sz="1800" dirty="0"/>
+              <a:t>Break the method into smaller ones</a:t>
+            </a:r>
+          </a:p>
+          <a:p>
+            <a:pPr lvl="2"/>
+            <a:r>
+              <a:rPr lang="en-US" sz="1800" dirty="0"/>
+              <a:t>Introduce more classes </a:t>
+            </a:r>
+          </a:p>
+          <a:p>
+            <a:endParaRPr lang="en-US" dirty="0"/>
+          </a:p>
+        </p:txBody>
+      </p:sp>
+      <p:sp>
+        <p:nvSpPr>
+          <p:cNvPr id="3" name="Date Placeholder 2"/>
+          <p:cNvSpPr>
+            <a:spLocks noGrp="1"/>
+          </p:cNvSpPr>
+          <p:nvPr>
+            <p:ph type="dt" sz="half" idx="10"/>
+          </p:nvPr>
+        </p:nvSpPr>
+        <p:spPr/>
+        <p:txBody>
+          <a:bodyPr/>
+          <a:lstStyle/>
+          <a:p>
+            <a:fld id="{C8949D56-DBDD-4CB9-A3EC-4A16FD22C3CB}" type="datetime1">
+              <a:rPr lang="en-US" smtClean="0"/>
+              <a:t>3/24/2016</a:t>
+            </a:fld>
+            <a:endParaRPr lang="en-US" dirty="0"/>
+          </a:p>
+        </p:txBody>
+      </p:sp>
+      <p:sp>
+        <p:nvSpPr>
+          <p:cNvPr id="4" name="Footer Placeholder 3"/>
+          <p:cNvSpPr>
+            <a:spLocks noGrp="1"/>
+          </p:cNvSpPr>
+          <p:nvPr>
+            <p:ph type="ftr" sz="quarter" idx="11"/>
+          </p:nvPr>
+        </p:nvSpPr>
+        <p:spPr/>
+        <p:txBody>
+          <a:bodyPr/>
+          <a:lstStyle/>
+          <a:p>
+            <a:r>
+              <a:rPr lang="en-US" smtClean="0"/>
+              <a:t>All rights reserved by Five 9 Group, Inc.</a:t>
+            </a:r>
+            <a:endParaRPr lang="en-US" dirty="0"/>
+          </a:p>
+        </p:txBody>
+      </p:sp>
+      <p:sp>
+        <p:nvSpPr>
+          <p:cNvPr id="5" name="Slide Number Placeholder 4"/>
+          <p:cNvSpPr>
+            <a:spLocks noGrp="1"/>
+          </p:cNvSpPr>
+          <p:nvPr>
+            <p:ph type="sldNum" sz="quarter" idx="12"/>
+          </p:nvPr>
+        </p:nvSpPr>
+        <p:spPr/>
+        <p:txBody>
+          <a:bodyPr/>
+          <a:lstStyle/>
+          <a:p>
+            <a:fld id="{125AF1D8-B0AE-4E77-AA99-EC861FD2EC07}" type="slidenum">
+              <a:rPr lang="en-US" smtClean="0"/>
+              <a:t>67</a:t>
+            </a:fld>
+            <a:endParaRPr lang="en-US"/>
+          </a:p>
+        </p:txBody>
+      </p:sp>
+      <p:sp>
+        <p:nvSpPr>
+          <p:cNvPr id="6" name="Title 5"/>
+          <p:cNvSpPr>
+            <a:spLocks noGrp="1"/>
+          </p:cNvSpPr>
+          <p:nvPr>
+            <p:ph type="title"/>
+          </p:nvPr>
+        </p:nvSpPr>
+        <p:spPr/>
+        <p:txBody>
+          <a:bodyPr/>
+          <a:lstStyle/>
+          <a:p>
+            <a:r>
+              <a:rPr lang="en-US" dirty="0"/>
+              <a:t>Cyclomatic Complexity</a:t>
+            </a:r>
+          </a:p>
+        </p:txBody>
+      </p:sp>
+    </p:spTree>
+    <p:extLst>
+      <p:ext uri="{BB962C8B-B14F-4D97-AF65-F5344CB8AC3E}">
+        <p14:creationId xmlns:p14="http://schemas.microsoft.com/office/powerpoint/2010/main" val="1715746679"/>
+      </p:ext>
+    </p:extLst>
+  </p:cSld>
+  <p:clrMapOvr>
+    <a:masterClrMapping/>
+  </p:clrMapOvr>
+</p:sld>
+</file>
+
+<file path=ppt/slides/slide69.xml><?xml version="1.0" encoding="utf-8"?>
+<p:sld xmlns:a="http://schemas.openxmlformats.org/drawingml/2006/main" xmlns:r="http://schemas.openxmlformats.org/officeDocument/2006/relationships" xmlns:p="http://schemas.openxmlformats.org/presentationml/2006/main">
+  <p:cSld>
+    <p:spTree>
+      <p:nvGrpSpPr>
+        <p:cNvPr id="1" name=""/>
+        <p:cNvGrpSpPr/>
+        <p:nvPr/>
+      </p:nvGrpSpPr>
+      <p:grpSpPr>
+        <a:xfrm>
+          <a:off x="0" y="0"/>
+          <a:ext cx="0" cy="0"/>
+          <a:chOff x="0" y="0"/>
+          <a:chExt cx="0" cy="0"/>
+        </a:xfrm>
+      </p:grpSpPr>
+      <p:sp>
+        <p:nvSpPr>
+          <p:cNvPr id="2" name="Content Placeholder 1"/>
+          <p:cNvSpPr>
+            <a:spLocks noGrp="1"/>
+          </p:cNvSpPr>
+          <p:nvPr>
+            <p:ph idx="1"/>
+          </p:nvPr>
+        </p:nvSpPr>
+        <p:spPr/>
+        <p:txBody>
+          <a:bodyPr/>
+          <a:lstStyle/>
+          <a:p>
+            <a:r>
+              <a:rPr lang="en-US" dirty="0"/>
+              <a:t>Duplicate code with demonstrates poor coding standards and replicate defects</a:t>
+            </a:r>
+          </a:p>
+          <a:p>
+            <a:r>
+              <a:rPr lang="en-US" dirty="0"/>
+              <a:t>Tools used for Duplicate code analysis </a:t>
+            </a:r>
+          </a:p>
+          <a:p>
+            <a:pPr lvl="2"/>
+            <a:r>
+              <a:rPr lang="en-US" sz="1600" dirty="0"/>
+              <a:t>CPD </a:t>
+            </a:r>
+          </a:p>
+          <a:p>
+            <a:pPr marL="914400" lvl="2" indent="0">
+              <a:buNone/>
+            </a:pPr>
+            <a:r>
+              <a:rPr lang="en-US" sz="1600" dirty="0"/>
+              <a:t>Resolution for duplicate code issues</a:t>
+            </a:r>
+          </a:p>
+          <a:p>
+            <a:pPr lvl="2"/>
+            <a:r>
+              <a:rPr lang="en-US" sz="1200" dirty="0"/>
+              <a:t>  </a:t>
+            </a:r>
+            <a:r>
+              <a:rPr lang="en-US" dirty="0"/>
+              <a:t>Refactor code to extract super class</a:t>
+            </a:r>
+          </a:p>
+          <a:p>
+            <a:pPr lvl="2"/>
+            <a:r>
+              <a:rPr lang="en-US" dirty="0"/>
+              <a:t>   Extract Methods </a:t>
+            </a:r>
+          </a:p>
+          <a:p>
+            <a:endParaRPr lang="en-US" dirty="0"/>
+          </a:p>
+        </p:txBody>
+      </p:sp>
+      <p:sp>
+        <p:nvSpPr>
+          <p:cNvPr id="3" name="Date Placeholder 2"/>
+          <p:cNvSpPr>
+            <a:spLocks noGrp="1"/>
+          </p:cNvSpPr>
+          <p:nvPr>
+            <p:ph type="dt" sz="half" idx="10"/>
+          </p:nvPr>
+        </p:nvSpPr>
+        <p:spPr/>
+        <p:txBody>
+          <a:bodyPr/>
+          <a:lstStyle/>
+          <a:p>
+            <a:fld id="{C8949D56-DBDD-4CB9-A3EC-4A16FD22C3CB}" type="datetime1">
+              <a:rPr lang="en-US" smtClean="0"/>
+              <a:t>3/24/2016</a:t>
+            </a:fld>
+            <a:endParaRPr lang="en-US" dirty="0"/>
+          </a:p>
+        </p:txBody>
+      </p:sp>
+      <p:sp>
+        <p:nvSpPr>
+          <p:cNvPr id="4" name="Footer Placeholder 3"/>
+          <p:cNvSpPr>
+            <a:spLocks noGrp="1"/>
+          </p:cNvSpPr>
+          <p:nvPr>
+            <p:ph type="ftr" sz="quarter" idx="11"/>
+          </p:nvPr>
+        </p:nvSpPr>
+        <p:spPr/>
+        <p:txBody>
+          <a:bodyPr/>
+          <a:lstStyle/>
+          <a:p>
+            <a:r>
+              <a:rPr lang="en-US" smtClean="0"/>
+              <a:t>All rights reserved by Five 9 Group, Inc.</a:t>
+            </a:r>
+            <a:endParaRPr lang="en-US" dirty="0"/>
+          </a:p>
+        </p:txBody>
+      </p:sp>
+      <p:sp>
+        <p:nvSpPr>
+          <p:cNvPr id="5" name="Slide Number Placeholder 4"/>
+          <p:cNvSpPr>
+            <a:spLocks noGrp="1"/>
+          </p:cNvSpPr>
+          <p:nvPr>
+            <p:ph type="sldNum" sz="quarter" idx="12"/>
+          </p:nvPr>
+        </p:nvSpPr>
+        <p:spPr/>
+        <p:txBody>
+          <a:bodyPr/>
+          <a:lstStyle/>
+          <a:p>
+            <a:fld id="{125AF1D8-B0AE-4E77-AA99-EC861FD2EC07}" type="slidenum">
+              <a:rPr lang="en-US" smtClean="0"/>
+              <a:t>68</a:t>
+            </a:fld>
+            <a:endParaRPr lang="en-US"/>
+          </a:p>
+        </p:txBody>
+      </p:sp>
+      <p:sp>
+        <p:nvSpPr>
+          <p:cNvPr id="6" name="Title 5"/>
+          <p:cNvSpPr>
+            <a:spLocks noGrp="1"/>
+          </p:cNvSpPr>
+          <p:nvPr>
+            <p:ph type="title"/>
+          </p:nvPr>
+        </p:nvSpPr>
+        <p:spPr/>
+        <p:txBody>
+          <a:bodyPr/>
+          <a:lstStyle/>
+          <a:p>
+            <a:r>
+              <a:rPr lang="en-US" dirty="0"/>
+              <a:t>Duplicate Code Analysis</a:t>
+            </a:r>
+          </a:p>
+        </p:txBody>
+      </p:sp>
+    </p:spTree>
+    <p:extLst>
+      <p:ext uri="{BB962C8B-B14F-4D97-AF65-F5344CB8AC3E}">
+        <p14:creationId xmlns:p14="http://schemas.microsoft.com/office/powerpoint/2010/main" val="1848393897"/>
+      </p:ext>
+    </p:extLst>
+  </p:cSld>
+  <p:clrMapOvr>
+    <a:masterClrMapping/>
+  </p:clrMapOvr>
+</p:sld>
+</file>
+
 <file path=ppt/slides/slide7.xml><?xml version="1.0" encoding="utf-8"?>
 <p:sld xmlns:a="http://schemas.openxmlformats.org/drawingml/2006/main" xmlns:r="http://schemas.openxmlformats.org/officeDocument/2006/relationships" xmlns:p="http://schemas.openxmlformats.org/presentationml/2006/main">
   <p:cSld>
@@ -11954,7 +16457,7 @@
           <a:p>
             <a:fld id="{C8949D56-DBDD-4CB9-A3EC-4A16FD22C3CB}" type="datetime1">
               <a:rPr lang="en-US" smtClean="0"/>
-              <a:t>3/16/2016</a:t>
+              <a:t>3/24/2016</a:t>
             </a:fld>
             <a:endParaRPr lang="en-US" dirty="0"/>
           </a:p>
@@ -12033,6 +16536,602 @@
     <p:extLst>
       <p:ext uri="{BB962C8B-B14F-4D97-AF65-F5344CB8AC3E}">
         <p14:creationId xmlns:p14="http://schemas.microsoft.com/office/powerpoint/2010/main" val="2852761415"/>
+      </p:ext>
+    </p:extLst>
+  </p:cSld>
+  <p:clrMapOvr>
+    <a:masterClrMapping/>
+  </p:clrMapOvr>
+</p:sld>
+</file>
+
+<file path=ppt/slides/slide70.xml><?xml version="1.0" encoding="utf-8"?>
+<p:sld xmlns:a="http://schemas.openxmlformats.org/drawingml/2006/main" xmlns:r="http://schemas.openxmlformats.org/officeDocument/2006/relationships" xmlns:p="http://schemas.openxmlformats.org/presentationml/2006/main">
+  <p:cSld>
+    <p:spTree>
+      <p:nvGrpSpPr>
+        <p:cNvPr id="1" name=""/>
+        <p:cNvGrpSpPr/>
+        <p:nvPr/>
+      </p:nvGrpSpPr>
+      <p:grpSpPr>
+        <a:xfrm>
+          <a:off x="0" y="0"/>
+          <a:ext cx="0" cy="0"/>
+          <a:chOff x="0" y="0"/>
+          <a:chExt cx="0" cy="0"/>
+        </a:xfrm>
+      </p:grpSpPr>
+      <p:sp>
+        <p:nvSpPr>
+          <p:cNvPr id="2" name="Content Placeholder 1"/>
+          <p:cNvSpPr>
+            <a:spLocks noGrp="1"/>
+          </p:cNvSpPr>
+          <p:nvPr>
+            <p:ph idx="1"/>
+          </p:nvPr>
+        </p:nvSpPr>
+        <p:spPr/>
+        <p:txBody>
+          <a:bodyPr/>
+          <a:lstStyle/>
+          <a:p>
+            <a:r>
+              <a:rPr lang="en-US" sz="2400" dirty="0"/>
+              <a:t>Occurs when one part of the code(say X) depends on the other(say Y) and that in turn depends on the first; so you get a dependency like the one below</a:t>
+            </a:r>
+          </a:p>
+          <a:p>
+            <a:pPr marL="0" indent="0">
+              <a:buNone/>
+            </a:pPr>
+            <a:r>
+              <a:rPr lang="en-US" sz="2400" dirty="0"/>
+              <a:t>                                   X &lt;--&gt;Y</a:t>
+            </a:r>
+          </a:p>
+          <a:p>
+            <a:pPr marL="0" indent="0">
+              <a:buNone/>
+            </a:pPr>
+            <a:r>
+              <a:rPr lang="en-US" sz="2400" dirty="0"/>
+              <a:t>     This creates compilation and deployment issues.</a:t>
+            </a:r>
+          </a:p>
+          <a:p>
+            <a:r>
+              <a:rPr lang="en-US" sz="2400" dirty="0"/>
+              <a:t> </a:t>
+            </a:r>
+            <a:r>
+              <a:rPr lang="en-US" sz="2400" dirty="0" smtClean="0"/>
+              <a:t>Tools </a:t>
+            </a:r>
+            <a:r>
+              <a:rPr lang="en-US" sz="2400" dirty="0"/>
+              <a:t>used to measure circular dependencies</a:t>
+            </a:r>
+          </a:p>
+          <a:p>
+            <a:pPr marL="0" indent="0">
+              <a:buNone/>
+            </a:pPr>
+            <a:r>
+              <a:rPr lang="en-US" sz="2400" dirty="0"/>
+              <a:t>                                   </a:t>
+            </a:r>
+            <a:r>
+              <a:rPr lang="en-US" sz="2400" dirty="0" err="1"/>
+              <a:t>JDepend</a:t>
+            </a:r>
+            <a:endParaRPr lang="en-US" sz="2400" dirty="0"/>
+          </a:p>
+          <a:p>
+            <a:r>
+              <a:rPr lang="en-US" sz="2400" dirty="0"/>
+              <a:t>Resolution for circular dependencies</a:t>
+            </a:r>
+          </a:p>
+          <a:p>
+            <a:pPr marL="0" indent="0">
+              <a:buNone/>
+            </a:pPr>
+            <a:r>
+              <a:rPr lang="en-US" sz="2400" dirty="0"/>
+              <a:t>                   Make the code modular by extracting packages.</a:t>
+            </a:r>
+          </a:p>
+          <a:p>
+            <a:endParaRPr lang="en-US" dirty="0"/>
+          </a:p>
+        </p:txBody>
+      </p:sp>
+      <p:sp>
+        <p:nvSpPr>
+          <p:cNvPr id="3" name="Date Placeholder 2"/>
+          <p:cNvSpPr>
+            <a:spLocks noGrp="1"/>
+          </p:cNvSpPr>
+          <p:nvPr>
+            <p:ph type="dt" sz="half" idx="10"/>
+          </p:nvPr>
+        </p:nvSpPr>
+        <p:spPr/>
+        <p:txBody>
+          <a:bodyPr/>
+          <a:lstStyle/>
+          <a:p>
+            <a:fld id="{C8949D56-DBDD-4CB9-A3EC-4A16FD22C3CB}" type="datetime1">
+              <a:rPr lang="en-US" smtClean="0"/>
+              <a:t>3/24/2016</a:t>
+            </a:fld>
+            <a:endParaRPr lang="en-US" dirty="0"/>
+          </a:p>
+        </p:txBody>
+      </p:sp>
+      <p:sp>
+        <p:nvSpPr>
+          <p:cNvPr id="4" name="Footer Placeholder 3"/>
+          <p:cNvSpPr>
+            <a:spLocks noGrp="1"/>
+          </p:cNvSpPr>
+          <p:nvPr>
+            <p:ph type="ftr" sz="quarter" idx="11"/>
+          </p:nvPr>
+        </p:nvSpPr>
+        <p:spPr/>
+        <p:txBody>
+          <a:bodyPr/>
+          <a:lstStyle/>
+          <a:p>
+            <a:r>
+              <a:rPr lang="en-US" smtClean="0"/>
+              <a:t>All rights reserved by Five 9 Group, Inc.</a:t>
+            </a:r>
+            <a:endParaRPr lang="en-US" dirty="0"/>
+          </a:p>
+        </p:txBody>
+      </p:sp>
+      <p:sp>
+        <p:nvSpPr>
+          <p:cNvPr id="5" name="Slide Number Placeholder 4"/>
+          <p:cNvSpPr>
+            <a:spLocks noGrp="1"/>
+          </p:cNvSpPr>
+          <p:nvPr>
+            <p:ph type="sldNum" sz="quarter" idx="12"/>
+          </p:nvPr>
+        </p:nvSpPr>
+        <p:spPr/>
+        <p:txBody>
+          <a:bodyPr/>
+          <a:lstStyle/>
+          <a:p>
+            <a:fld id="{125AF1D8-B0AE-4E77-AA99-EC861FD2EC07}" type="slidenum">
+              <a:rPr lang="en-US" smtClean="0"/>
+              <a:t>69</a:t>
+            </a:fld>
+            <a:endParaRPr lang="en-US"/>
+          </a:p>
+        </p:txBody>
+      </p:sp>
+      <p:sp>
+        <p:nvSpPr>
+          <p:cNvPr id="6" name="Title 5"/>
+          <p:cNvSpPr>
+            <a:spLocks noGrp="1"/>
+          </p:cNvSpPr>
+          <p:nvPr>
+            <p:ph type="title"/>
+          </p:nvPr>
+        </p:nvSpPr>
+        <p:spPr/>
+        <p:txBody>
+          <a:bodyPr/>
+          <a:lstStyle/>
+          <a:p>
+            <a:r>
+              <a:rPr lang="en-US" dirty="0"/>
+              <a:t>Circular Dependencies</a:t>
+            </a:r>
+          </a:p>
+        </p:txBody>
+      </p:sp>
+    </p:spTree>
+    <p:extLst>
+      <p:ext uri="{BB962C8B-B14F-4D97-AF65-F5344CB8AC3E}">
+        <p14:creationId xmlns:p14="http://schemas.microsoft.com/office/powerpoint/2010/main" val="1207498010"/>
+      </p:ext>
+    </p:extLst>
+  </p:cSld>
+  <p:clrMapOvr>
+    <a:masterClrMapping/>
+  </p:clrMapOvr>
+</p:sld>
+</file>
+
+<file path=ppt/slides/slide71.xml><?xml version="1.0" encoding="utf-8"?>
+<p:sld xmlns:a="http://schemas.openxmlformats.org/drawingml/2006/main" xmlns:r="http://schemas.openxmlformats.org/officeDocument/2006/relationships" xmlns:p="http://schemas.openxmlformats.org/presentationml/2006/main">
+  <p:cSld>
+    <p:spTree>
+      <p:nvGrpSpPr>
+        <p:cNvPr id="1" name=""/>
+        <p:cNvGrpSpPr/>
+        <p:nvPr/>
+      </p:nvGrpSpPr>
+      <p:grpSpPr>
+        <a:xfrm>
+          <a:off x="0" y="0"/>
+          <a:ext cx="0" cy="0"/>
+          <a:chOff x="0" y="0"/>
+          <a:chExt cx="0" cy="0"/>
+        </a:xfrm>
+      </p:grpSpPr>
+      <p:sp>
+        <p:nvSpPr>
+          <p:cNvPr id="2" name="Content Placeholder 1"/>
+          <p:cNvSpPr>
+            <a:spLocks noGrp="1"/>
+          </p:cNvSpPr>
+          <p:nvPr>
+            <p:ph idx="1"/>
+          </p:nvPr>
+        </p:nvSpPr>
+        <p:spPr>
+          <a:xfrm>
+            <a:off x="628648" y="1014349"/>
+            <a:ext cx="8020115" cy="5143260"/>
+          </a:xfrm>
+        </p:spPr>
+        <p:txBody>
+          <a:bodyPr/>
+          <a:lstStyle/>
+          <a:p>
+            <a:r>
+              <a:rPr lang="en-US" dirty="0"/>
+              <a:t>Used to determine how much of the code is being tested by coded test.(JUnit, selenium</a:t>
+            </a:r>
+            <a:r>
+              <a:rPr lang="en-US" dirty="0" smtClean="0"/>
+              <a:t>).</a:t>
+            </a:r>
+          </a:p>
+          <a:p>
+            <a:pPr marL="0" indent="0">
+              <a:buNone/>
+            </a:pPr>
+            <a:endParaRPr lang="en-US" dirty="0"/>
+          </a:p>
+          <a:p>
+            <a:r>
+              <a:rPr lang="en-US" dirty="0"/>
+              <a:t>Higher the number better is the code </a:t>
+            </a:r>
+            <a:r>
+              <a:rPr lang="en-US" dirty="0" smtClean="0"/>
+              <a:t>coverage</a:t>
+            </a:r>
+          </a:p>
+          <a:p>
+            <a:pPr marL="0" indent="0">
+              <a:buNone/>
+            </a:pPr>
+            <a:endParaRPr lang="en-US" dirty="0"/>
+          </a:p>
+          <a:p>
+            <a:r>
+              <a:rPr lang="en-US" dirty="0"/>
+              <a:t>Tools used to measure code coverage.</a:t>
+            </a:r>
+          </a:p>
+          <a:p>
+            <a:pPr marL="0" indent="0">
+              <a:buNone/>
+            </a:pPr>
+            <a:r>
+              <a:rPr lang="en-US" dirty="0"/>
+              <a:t>                               Cobertura</a:t>
+            </a:r>
+          </a:p>
+          <a:p>
+            <a:r>
+              <a:rPr lang="en-US" dirty="0"/>
+              <a:t>Running Cobertura via maven command.</a:t>
+            </a:r>
+          </a:p>
+          <a:p>
+            <a:pPr marL="0" indent="0">
+              <a:buNone/>
+            </a:pPr>
+            <a:r>
+              <a:rPr lang="en-US" dirty="0">
+                <a:latin typeface="Trebuchet MS" charset="0"/>
+              </a:rPr>
+              <a:t>                 </a:t>
+            </a:r>
+            <a:r>
+              <a:rPr lang="en-US" dirty="0" err="1">
+                <a:latin typeface="Trebuchet MS" charset="0"/>
+              </a:rPr>
+              <a:t>mvn</a:t>
+            </a:r>
+            <a:r>
+              <a:rPr lang="en-US" dirty="0">
+                <a:latin typeface="Trebuchet MS" charset="0"/>
+              </a:rPr>
+              <a:t> </a:t>
+            </a:r>
+            <a:r>
+              <a:rPr lang="en-US" dirty="0" err="1" smtClean="0">
+                <a:latin typeface="Trebuchet MS" charset="0"/>
+              </a:rPr>
+              <a:t>cobertura:cobertura</a:t>
+            </a:r>
+            <a:endParaRPr lang="en-US" dirty="0" smtClean="0">
+              <a:latin typeface="Trebuchet MS" charset="0"/>
+            </a:endParaRPr>
+          </a:p>
+          <a:p>
+            <a:pPr marL="0" indent="0">
+              <a:buNone/>
+            </a:pPr>
+            <a:endParaRPr lang="en-US" dirty="0">
+              <a:latin typeface="Trebuchet MS" charset="0"/>
+            </a:endParaRPr>
+          </a:p>
+          <a:p>
+            <a:endParaRPr lang="en-US" dirty="0"/>
+          </a:p>
+        </p:txBody>
+      </p:sp>
+      <p:sp>
+        <p:nvSpPr>
+          <p:cNvPr id="3" name="Date Placeholder 2"/>
+          <p:cNvSpPr>
+            <a:spLocks noGrp="1"/>
+          </p:cNvSpPr>
+          <p:nvPr>
+            <p:ph type="dt" sz="half" idx="10"/>
+          </p:nvPr>
+        </p:nvSpPr>
+        <p:spPr/>
+        <p:txBody>
+          <a:bodyPr/>
+          <a:lstStyle/>
+          <a:p>
+            <a:fld id="{C8949D56-DBDD-4CB9-A3EC-4A16FD22C3CB}" type="datetime1">
+              <a:rPr lang="en-US" smtClean="0"/>
+              <a:t>3/24/2016</a:t>
+            </a:fld>
+            <a:endParaRPr lang="en-US" dirty="0"/>
+          </a:p>
+        </p:txBody>
+      </p:sp>
+      <p:sp>
+        <p:nvSpPr>
+          <p:cNvPr id="4" name="Footer Placeholder 3"/>
+          <p:cNvSpPr>
+            <a:spLocks noGrp="1"/>
+          </p:cNvSpPr>
+          <p:nvPr>
+            <p:ph type="ftr" sz="quarter" idx="11"/>
+          </p:nvPr>
+        </p:nvSpPr>
+        <p:spPr/>
+        <p:txBody>
+          <a:bodyPr/>
+          <a:lstStyle/>
+          <a:p>
+            <a:r>
+              <a:rPr lang="en-US" smtClean="0"/>
+              <a:t>All rights reserved by Five 9 Group, Inc.</a:t>
+            </a:r>
+            <a:endParaRPr lang="en-US" dirty="0"/>
+          </a:p>
+        </p:txBody>
+      </p:sp>
+      <p:sp>
+        <p:nvSpPr>
+          <p:cNvPr id="5" name="Slide Number Placeholder 4"/>
+          <p:cNvSpPr>
+            <a:spLocks noGrp="1"/>
+          </p:cNvSpPr>
+          <p:nvPr>
+            <p:ph type="sldNum" sz="quarter" idx="12"/>
+          </p:nvPr>
+        </p:nvSpPr>
+        <p:spPr/>
+        <p:txBody>
+          <a:bodyPr/>
+          <a:lstStyle/>
+          <a:p>
+            <a:fld id="{125AF1D8-B0AE-4E77-AA99-EC861FD2EC07}" type="slidenum">
+              <a:rPr lang="en-US" smtClean="0"/>
+              <a:t>70</a:t>
+            </a:fld>
+            <a:endParaRPr lang="en-US"/>
+          </a:p>
+        </p:txBody>
+      </p:sp>
+      <p:sp>
+        <p:nvSpPr>
+          <p:cNvPr id="6" name="Title 5"/>
+          <p:cNvSpPr>
+            <a:spLocks noGrp="1"/>
+          </p:cNvSpPr>
+          <p:nvPr>
+            <p:ph type="title"/>
+          </p:nvPr>
+        </p:nvSpPr>
+        <p:spPr/>
+        <p:txBody>
+          <a:bodyPr/>
+          <a:lstStyle/>
+          <a:p>
+            <a:r>
+              <a:rPr lang="en-US" dirty="0"/>
+              <a:t>Code Coverage</a:t>
+            </a:r>
+          </a:p>
+        </p:txBody>
+      </p:sp>
+    </p:spTree>
+    <p:extLst>
+      <p:ext uri="{BB962C8B-B14F-4D97-AF65-F5344CB8AC3E}">
+        <p14:creationId xmlns:p14="http://schemas.microsoft.com/office/powerpoint/2010/main" val="2462400100"/>
+      </p:ext>
+    </p:extLst>
+  </p:cSld>
+  <p:clrMapOvr>
+    <a:masterClrMapping/>
+  </p:clrMapOvr>
+</p:sld>
+</file>
+
+<file path=ppt/slides/slide72.xml><?xml version="1.0" encoding="utf-8"?>
+<p:sld xmlns:a="http://schemas.openxmlformats.org/drawingml/2006/main" xmlns:r="http://schemas.openxmlformats.org/officeDocument/2006/relationships" xmlns:p="http://schemas.openxmlformats.org/presentationml/2006/main">
+  <p:cSld>
+    <p:spTree>
+      <p:nvGrpSpPr>
+        <p:cNvPr id="1" name=""/>
+        <p:cNvGrpSpPr/>
+        <p:nvPr/>
+      </p:nvGrpSpPr>
+      <p:grpSpPr>
+        <a:xfrm>
+          <a:off x="0" y="0"/>
+          <a:ext cx="0" cy="0"/>
+          <a:chOff x="0" y="0"/>
+          <a:chExt cx="0" cy="0"/>
+        </a:xfrm>
+      </p:grpSpPr>
+      <p:pic>
+        <p:nvPicPr>
+          <p:cNvPr id="7" name="Content Placeholder 6"/>
+          <p:cNvPicPr>
+            <a:picLocks noGrp="1" noChangeAspect="1"/>
+          </p:cNvPicPr>
+          <p:nvPr>
+            <p:ph idx="1"/>
+          </p:nvPr>
+        </p:nvPicPr>
+        <p:blipFill>
+          <a:blip r:embed="rId2">
+            <a:extLst>
+              <a:ext uri="{28A0092B-C50C-407E-A947-70E740481C1C}">
+                <a14:useLocalDpi xmlns:a14="http://schemas.microsoft.com/office/drawing/2010/main" val="0"/>
+              </a:ext>
+            </a:extLst>
+          </a:blip>
+          <a:stretch>
+            <a:fillRect/>
+          </a:stretch>
+        </p:blipFill>
+        <p:spPr>
+          <a:xfrm>
+            <a:off x="628650" y="1607319"/>
+            <a:ext cx="8020050" cy="4295824"/>
+          </a:xfrm>
+        </p:spPr>
+      </p:pic>
+      <p:sp>
+        <p:nvSpPr>
+          <p:cNvPr id="3" name="Date Placeholder 2"/>
+          <p:cNvSpPr>
+            <a:spLocks noGrp="1"/>
+          </p:cNvSpPr>
+          <p:nvPr>
+            <p:ph type="dt" sz="half" idx="10"/>
+          </p:nvPr>
+        </p:nvSpPr>
+        <p:spPr/>
+        <p:txBody>
+          <a:bodyPr/>
+          <a:lstStyle/>
+          <a:p>
+            <a:fld id="{C8949D56-DBDD-4CB9-A3EC-4A16FD22C3CB}" type="datetime1">
+              <a:rPr lang="en-US" smtClean="0"/>
+              <a:t>3/24/2016</a:t>
+            </a:fld>
+            <a:endParaRPr lang="en-US" dirty="0"/>
+          </a:p>
+        </p:txBody>
+      </p:sp>
+      <p:sp>
+        <p:nvSpPr>
+          <p:cNvPr id="4" name="Footer Placeholder 3"/>
+          <p:cNvSpPr>
+            <a:spLocks noGrp="1"/>
+          </p:cNvSpPr>
+          <p:nvPr>
+            <p:ph type="ftr" sz="quarter" idx="11"/>
+          </p:nvPr>
+        </p:nvSpPr>
+        <p:spPr/>
+        <p:txBody>
+          <a:bodyPr/>
+          <a:lstStyle/>
+          <a:p>
+            <a:r>
+              <a:rPr lang="en-US" smtClean="0"/>
+              <a:t>All rights reserved by Five 9 Group, Inc.</a:t>
+            </a:r>
+            <a:endParaRPr lang="en-US" dirty="0"/>
+          </a:p>
+        </p:txBody>
+      </p:sp>
+      <p:sp>
+        <p:nvSpPr>
+          <p:cNvPr id="5" name="Slide Number Placeholder 4"/>
+          <p:cNvSpPr>
+            <a:spLocks noGrp="1"/>
+          </p:cNvSpPr>
+          <p:nvPr>
+            <p:ph type="sldNum" sz="quarter" idx="12"/>
+          </p:nvPr>
+        </p:nvSpPr>
+        <p:spPr/>
+        <p:txBody>
+          <a:bodyPr/>
+          <a:lstStyle/>
+          <a:p>
+            <a:fld id="{125AF1D8-B0AE-4E77-AA99-EC861FD2EC07}" type="slidenum">
+              <a:rPr lang="en-US" smtClean="0"/>
+              <a:t>71</a:t>
+            </a:fld>
+            <a:endParaRPr lang="en-US"/>
+          </a:p>
+        </p:txBody>
+      </p:sp>
+      <p:sp>
+        <p:nvSpPr>
+          <p:cNvPr id="6" name="Title 5"/>
+          <p:cNvSpPr>
+            <a:spLocks noGrp="1"/>
+          </p:cNvSpPr>
+          <p:nvPr>
+            <p:ph type="title"/>
+          </p:nvPr>
+        </p:nvSpPr>
+        <p:spPr/>
+        <p:txBody>
+          <a:bodyPr/>
+          <a:lstStyle/>
+          <a:p>
+            <a:r>
+              <a:rPr lang="en-US" dirty="0" smtClean="0"/>
+              <a:t>Code Coverage</a:t>
+            </a:r>
+            <a:endParaRPr lang="en-US" dirty="0"/>
+          </a:p>
+        </p:txBody>
+      </p:sp>
+    </p:spTree>
+    <p:extLst>
+      <p:ext uri="{BB962C8B-B14F-4D97-AF65-F5344CB8AC3E}">
+        <p14:creationId xmlns:p14="http://schemas.microsoft.com/office/powerpoint/2010/main" val="2833932308"/>
       </p:ext>
     </p:extLst>
   </p:cSld>
@@ -12166,7 +17265,7 @@
           <a:p>
             <a:fld id="{C8949D56-DBDD-4CB9-A3EC-4A16FD22C3CB}" type="datetime1">
               <a:rPr lang="en-US" smtClean="0"/>
-              <a:t>3/16/2016</a:t>
+              <a:t>3/24/2016</a:t>
             </a:fld>
             <a:endParaRPr lang="en-US" dirty="0"/>
           </a:p>
@@ -12387,7 +17486,7 @@
           <a:p>
             <a:fld id="{C8949D56-DBDD-4CB9-A3EC-4A16FD22C3CB}" type="datetime1">
               <a:rPr lang="en-US" smtClean="0"/>
-              <a:t>3/16/2016</a:t>
+              <a:t>3/24/2016</a:t>
             </a:fld>
             <a:endParaRPr lang="en-US" dirty="0"/>
           </a:p>
@@ -13781,21 +18880,6 @@
 </file>
 
 <file path=customXml/item1.xml><?xml version="1.0" encoding="utf-8"?>
-<?mso-contentType ?>
-<FormTemplates xmlns="http://schemas.microsoft.com/sharepoint/v3/contenttype/forms">
-  <Display>DocumentLibraryForm</Display>
-  <Edit>DocumentLibraryForm</Edit>
-  <New>DocumentLibraryForm</New>
-</FormTemplates>
-</file>
-
-<file path=customXml/item2.xml><?xml version="1.0" encoding="utf-8"?>
-<p:properties xmlns:p="http://schemas.microsoft.com/office/2006/metadata/properties" xmlns:xsi="http://www.w3.org/2001/XMLSchema-instance" xmlns:pc="http://schemas.microsoft.com/office/infopath/2007/PartnerControls">
-  <documentManagement/>
-</p:properties>
-</file>
-
-<file path=customXml/item3.xml><?xml version="1.0" encoding="utf-8"?>
 <ct:contentTypeSchema xmlns:ct="http://schemas.microsoft.com/office/2006/metadata/contentType" xmlns:ma="http://schemas.microsoft.com/office/2006/metadata/properties/metaAttributes" ct:_="" ma:_="" ma:contentTypeName="Document" ma:contentTypeID="0x010100A6ACCE593AD92944B157D3BFC117C3B0" ma:contentTypeVersion="1" ma:contentTypeDescription="Create a new document." ma:contentTypeScope="" ma:versionID="31aa9146fadbcd029fea1f59b7fe6dbe">
   <xsd:schema xmlns:xsd="http://www.w3.org/2001/XMLSchema" xmlns:xs="http://www.w3.org/2001/XMLSchema" xmlns:p="http://schemas.microsoft.com/office/2006/metadata/properties" xmlns:ns2="f5816a01-d867-4d89-95c2-6adf1c4ae84d" targetNamespace="http://schemas.microsoft.com/office/2006/metadata/properties" ma:root="true" ma:fieldsID="687f2c7acd8a9d680a6dac2a9c40ddf7" ns2:_="">
     <xsd:import namespace="f5816a01-d867-4d89-95c2-6adf1c4ae84d"/>
@@ -13935,31 +19019,22 @@
 </ct:contentTypeSchema>
 </file>
 
-<file path=customXml/itemProps1.xml><?xml version="1.0" encoding="utf-8"?>
-<ds:datastoreItem xmlns:ds="http://schemas.openxmlformats.org/officeDocument/2006/customXml" ds:itemID="{E9243E58-1309-4BF1-A542-A18807F5B220}">
-  <ds:schemaRefs>
-    <ds:schemaRef ds:uri="http://schemas.microsoft.com/sharepoint/v3/contenttype/forms"/>
-  </ds:schemaRefs>
-</ds:datastoreItem>
+<file path=customXml/item2.xml><?xml version="1.0" encoding="utf-8"?>
+<?mso-contentType ?>
+<FormTemplates xmlns="http://schemas.microsoft.com/sharepoint/v3/contenttype/forms">
+  <Display>DocumentLibraryForm</Display>
+  <Edit>DocumentLibraryForm</Edit>
+  <New>DocumentLibraryForm</New>
+</FormTemplates>
 </file>
 
-<file path=customXml/itemProps2.xml><?xml version="1.0" encoding="utf-8"?>
-<ds:datastoreItem xmlns:ds="http://schemas.openxmlformats.org/officeDocument/2006/customXml" ds:itemID="{D2E4BD7C-7ABC-4370-BB20-57E2F16FD844}">
-  <ds:schemaRefs>
-    <ds:schemaRef ds:uri="http://purl.org/dc/terms/"/>
-    <ds:schemaRef ds:uri="http://schemas.microsoft.com/office/2006/documentManagement/types"/>
-    <ds:schemaRef ds:uri="http://www.w3.org/XML/1998/namespace"/>
-    <ds:schemaRef ds:uri="http://purl.org/dc/elements/1.1/"/>
-    <ds:schemaRef ds:uri="http://schemas.openxmlformats.org/package/2006/metadata/core-properties"/>
-    <ds:schemaRef ds:uri="http://schemas.microsoft.com/office/infopath/2007/PartnerControls"/>
-    <ds:schemaRef ds:uri="http://purl.org/dc/dcmitype/"/>
-    <ds:schemaRef ds:uri="f5816a01-d867-4d89-95c2-6adf1c4ae84d"/>
-    <ds:schemaRef ds:uri="http://schemas.microsoft.com/office/2006/metadata/properties"/>
-  </ds:schemaRefs>
-</ds:datastoreItem>
+<file path=customXml/item3.xml><?xml version="1.0" encoding="utf-8"?>
+<p:properties xmlns:p="http://schemas.microsoft.com/office/2006/metadata/properties" xmlns:xsi="http://www.w3.org/2001/XMLSchema-instance" xmlns:pc="http://schemas.microsoft.com/office/infopath/2007/PartnerControls">
+  <documentManagement/>
+</p:properties>
 </file>
 
-<file path=customXml/itemProps3.xml><?xml version="1.0" encoding="utf-8"?>
+<file path=customXml/itemProps1.xml><?xml version="1.0" encoding="utf-8"?>
 <ds:datastoreItem xmlns:ds="http://schemas.openxmlformats.org/officeDocument/2006/customXml" ds:itemID="{6024AFB6-F3E3-476B-B7F3-9359BAE92E0B}">
   <ds:schemaRefs>
     <ds:schemaRef ds:uri="http://schemas.microsoft.com/office/2006/metadata/contentType"/>
@@ -13975,4 +19050,28 @@
     <ds:schemaRef ds:uri="http://schemas.microsoft.com/internal/obd"/>
   </ds:schemaRefs>
 </ds:datastoreItem>
+</file>
+
+<file path=customXml/itemProps2.xml><?xml version="1.0" encoding="utf-8"?>
+<ds:datastoreItem xmlns:ds="http://schemas.openxmlformats.org/officeDocument/2006/customXml" ds:itemID="{E9243E58-1309-4BF1-A542-A18807F5B220}">
+  <ds:schemaRefs>
+    <ds:schemaRef ds:uri="http://schemas.microsoft.com/sharepoint/v3/contenttype/forms"/>
+  </ds:schemaRefs>
+</ds:datastoreItem>
+</file>
+
+<file path=customXml/itemProps3.xml><?xml version="1.0" encoding="utf-8"?>
+<ds:datastoreItem xmlns:ds="http://schemas.openxmlformats.org/officeDocument/2006/customXml" ds:itemID="{D2E4BD7C-7ABC-4370-BB20-57E2F16FD844}">
+  <ds:schemaRefs>
+    <ds:schemaRef ds:uri="http://purl.org/dc/terms/"/>
+    <ds:schemaRef ds:uri="http://schemas.microsoft.com/office/2006/documentManagement/types"/>
+    <ds:schemaRef ds:uri="http://www.w3.org/XML/1998/namespace"/>
+    <ds:schemaRef ds:uri="http://purl.org/dc/elements/1.1/"/>
+    <ds:schemaRef ds:uri="http://schemas.openxmlformats.org/package/2006/metadata/core-properties"/>
+    <ds:schemaRef ds:uri="http://schemas.microsoft.com/office/infopath/2007/PartnerControls"/>
+    <ds:schemaRef ds:uri="http://purl.org/dc/dcmitype/"/>
+    <ds:schemaRef ds:uri="f5816a01-d867-4d89-95c2-6adf1c4ae84d"/>
+    <ds:schemaRef ds:uri="http://schemas.microsoft.com/office/2006/metadata/properties"/>
+  </ds:schemaRefs>
+</ds:datastoreItem>
 </file>